--- a/2015/Lectures/ECED 3901 - 03 - Project Managment.pptx
+++ b/2015/Lectures/ECED 3901 - 03 - Project Managment.pptx
@@ -5,10 +5,10 @@
     <p:sldMasterId id="2147483756" r:id="rId2"/>
   </p:sldMasterIdLst>
   <p:notesMasterIdLst>
-    <p:notesMasterId r:id="rId27"/>
+    <p:notesMasterId r:id="rId35"/>
   </p:notesMasterIdLst>
   <p:handoutMasterIdLst>
-    <p:handoutMasterId r:id="rId28"/>
+    <p:handoutMasterId r:id="rId36"/>
   </p:handoutMasterIdLst>
   <p:sldIdLst>
     <p:sldId id="257" r:id="rId3"/>
@@ -16,25 +16,33 @@
     <p:sldId id="285" r:id="rId5"/>
     <p:sldId id="300" r:id="rId6"/>
     <p:sldId id="301" r:id="rId7"/>
-    <p:sldId id="307" r:id="rId8"/>
-    <p:sldId id="286" r:id="rId9"/>
-    <p:sldId id="302" r:id="rId10"/>
-    <p:sldId id="299" r:id="rId11"/>
-    <p:sldId id="287" r:id="rId12"/>
-    <p:sldId id="294" r:id="rId13"/>
-    <p:sldId id="288" r:id="rId14"/>
-    <p:sldId id="289" r:id="rId15"/>
-    <p:sldId id="303" r:id="rId16"/>
-    <p:sldId id="304" r:id="rId17"/>
-    <p:sldId id="305" r:id="rId18"/>
-    <p:sldId id="306" r:id="rId19"/>
-    <p:sldId id="293" r:id="rId20"/>
-    <p:sldId id="298" r:id="rId21"/>
-    <p:sldId id="295" r:id="rId22"/>
-    <p:sldId id="296" r:id="rId23"/>
-    <p:sldId id="297" r:id="rId24"/>
-    <p:sldId id="292" r:id="rId25"/>
-    <p:sldId id="284" r:id="rId26"/>
+    <p:sldId id="286" r:id="rId8"/>
+    <p:sldId id="302" r:id="rId9"/>
+    <p:sldId id="320" r:id="rId10"/>
+    <p:sldId id="307" r:id="rId11"/>
+    <p:sldId id="310" r:id="rId12"/>
+    <p:sldId id="311" r:id="rId13"/>
+    <p:sldId id="312" r:id="rId14"/>
+    <p:sldId id="313" r:id="rId15"/>
+    <p:sldId id="314" r:id="rId16"/>
+    <p:sldId id="315" r:id="rId17"/>
+    <p:sldId id="317" r:id="rId18"/>
+    <p:sldId id="318" r:id="rId19"/>
+    <p:sldId id="316" r:id="rId20"/>
+    <p:sldId id="299" r:id="rId21"/>
+    <p:sldId id="287" r:id="rId22"/>
+    <p:sldId id="294" r:id="rId23"/>
+    <p:sldId id="288" r:id="rId24"/>
+    <p:sldId id="289" r:id="rId25"/>
+    <p:sldId id="303" r:id="rId26"/>
+    <p:sldId id="304" r:id="rId27"/>
+    <p:sldId id="305" r:id="rId28"/>
+    <p:sldId id="306" r:id="rId29"/>
+    <p:sldId id="298" r:id="rId30"/>
+    <p:sldId id="295" r:id="rId31"/>
+    <p:sldId id="309" r:id="rId32"/>
+    <p:sldId id="319" r:id="rId33"/>
+    <p:sldId id="284" r:id="rId34"/>
   </p:sldIdLst>
   <p:sldSz cx="9144000" cy="6858000" type="screen4x3"/>
   <p:notesSz cx="6858000" cy="9144000"/>
@@ -4740,11 +4748,7 @@
           <a:p>
             <a:r>
               <a:rPr lang="en-US" dirty="0" smtClean="0"/>
-              <a:t>Lecture #3: Project </a:t>
-            </a:r>
-            <a:r>
-              <a:rPr lang="en-US" dirty="0" smtClean="0"/>
-              <a:t>Management</a:t>
+              <a:t>Lecture #3: Project Management</a:t>
             </a:r>
             <a:endParaRPr lang="en-US" dirty="0"/>
           </a:p>
@@ -4845,7 +4849,7 @@
           <a:p>
             <a:r>
               <a:rPr lang="en-CA" dirty="0" smtClean="0"/>
-              <a:t>Patents</a:t>
+              <a:t>Work Breakdown Structure</a:t>
             </a:r>
             <a:endParaRPr lang="en-CA" dirty="0"/>
           </a:p>
@@ -4863,177 +4867,48 @@
         </p:nvSpPr>
         <p:spPr/>
         <p:txBody>
-          <a:bodyPr>
-            <a:normAutofit lnSpcReduction="10000"/>
-          </a:bodyPr>
-          <a:lstStyle/>
-          <a:p>
-            <a:pPr>
-              <a:buFont typeface="Arial" panose="020B0604020202020204" pitchFamily="34" charset="0"/>
-              <a:buChar char="•"/>
+          <a:bodyPr/>
+          <a:lstStyle/>
+          <a:p>
+            <a:pPr marL="0" indent="0">
+              <a:buNone/>
             </a:pPr>
             <a:r>
-              <a:rPr lang="en-CA" dirty="0"/>
-              <a:t> </a:t>
-            </a:r>
-            <a:r>
-              <a:rPr lang="en-CA" dirty="0" smtClean="0"/>
-              <a:t>Prevents someone else from selling a device which ‘infringes’ on your claims</a:t>
-            </a:r>
-          </a:p>
-          <a:p>
-            <a:pPr>
-              <a:buFont typeface="Arial" panose="020B0604020202020204" pitchFamily="34" charset="0"/>
-              <a:buChar char="•"/>
-            </a:pPr>
-            <a:r>
-              <a:rPr lang="en-CA" dirty="0"/>
-              <a:t> </a:t>
-            </a:r>
-            <a:r>
-              <a:rPr lang="en-CA" dirty="0" smtClean="0"/>
-              <a:t>Is *NOT* a license to sell the device, is possible your device still infringes on someone else's patent</a:t>
-            </a:r>
-          </a:p>
-          <a:p>
-            <a:pPr>
-              <a:buFont typeface="Arial" panose="020B0604020202020204" pitchFamily="34" charset="0"/>
-              <a:buChar char="•"/>
-            </a:pPr>
-            <a:r>
-              <a:rPr lang="en-CA" dirty="0"/>
-              <a:t> </a:t>
-            </a:r>
-            <a:r>
-              <a:rPr lang="en-CA" dirty="0" smtClean="0"/>
-              <a:t>Only enforceable in geographic area issued in (i.e. US, Canada, UK, China, etc.)</a:t>
-            </a:r>
-          </a:p>
-          <a:p>
-            <a:pPr>
-              <a:buFont typeface="Arial" panose="020B0604020202020204" pitchFamily="34" charset="0"/>
-              <a:buChar char="•"/>
-            </a:pPr>
-            <a:r>
-              <a:rPr lang="en-CA" dirty="0"/>
-              <a:t> </a:t>
-            </a:r>
-            <a:r>
-              <a:rPr lang="en-CA" dirty="0" smtClean="0"/>
-              <a:t>A patent is effectively </a:t>
-            </a:r>
-            <a:r>
-              <a:rPr lang="en-CA" b="1" dirty="0" smtClean="0"/>
-              <a:t>a legal </a:t>
-            </a:r>
-            <a:r>
-              <a:rPr lang="en-CA" b="1" dirty="0" smtClean="0"/>
-              <a:t>proceeding</a:t>
-            </a:r>
-          </a:p>
-          <a:p>
-            <a:pPr marL="0" indent="0">
-              <a:buNone/>
-            </a:pPr>
-            <a:endParaRPr lang="en-CA" dirty="0" smtClean="0"/>
-          </a:p>
-          <a:p>
-            <a:pPr lvl="1">
-              <a:buFont typeface="Arial" panose="020B0604020202020204" pitchFamily="34" charset="0"/>
-              <a:buChar char="•"/>
-            </a:pPr>
-            <a:r>
-              <a:rPr lang="en-CA" dirty="0" smtClean="0"/>
-              <a:t>The patent office (and later possibly a third party) is using standard legal procedure to reach a ‘verdict</a:t>
-            </a:r>
-            <a:r>
-              <a:rPr lang="en-CA" dirty="0" smtClean="0"/>
-              <a:t>’</a:t>
-            </a:r>
-          </a:p>
-          <a:p>
-            <a:pPr marL="201168" lvl="1" indent="0">
-              <a:buNone/>
-            </a:pPr>
-            <a:endParaRPr lang="en-CA" dirty="0" smtClean="0"/>
-          </a:p>
-          <a:p>
-            <a:pPr lvl="1">
-              <a:buFont typeface="Arial" panose="020B0604020202020204" pitchFamily="34" charset="0"/>
-              <a:buChar char="•"/>
-            </a:pPr>
-            <a:r>
-              <a:rPr lang="en-CA" dirty="0" smtClean="0"/>
-              <a:t>Your initial claims that will be </a:t>
-            </a:r>
-            <a:r>
-              <a:rPr lang="en-CA" b="1" dirty="0" smtClean="0"/>
-              <a:t>examined</a:t>
-            </a:r>
-            <a:r>
-              <a:rPr lang="en-CA" dirty="0" smtClean="0"/>
-              <a:t> are your </a:t>
-            </a:r>
-            <a:r>
-              <a:rPr lang="en-CA" b="1" dirty="0" smtClean="0"/>
-              <a:t>patent application</a:t>
-            </a:r>
-            <a:endParaRPr lang="en-CA" b="1" dirty="0"/>
-          </a:p>
-        </p:txBody>
-      </p:sp>
-      <p:sp>
-        <p:nvSpPr>
-          <p:cNvPr id="4" name="TextBox 3"/>
-          <p:cNvSpPr txBox="1"/>
-          <p:nvPr/>
-        </p:nvSpPr>
-        <p:spPr>
-          <a:xfrm>
-            <a:off x="683568" y="5746634"/>
-            <a:ext cx="8712968" cy="461665"/>
-          </a:xfrm>
-          <a:prstGeom prst="rect">
-            <a:avLst/>
-          </a:prstGeom>
-          <a:noFill/>
-        </p:spPr>
-        <p:txBody>
-          <a:bodyPr wrap="square" rtlCol="0">
-            <a:spAutoFit/>
-          </a:bodyPr>
-          <a:lstStyle/>
-          <a:p>
-            <a:r>
-              <a:rPr lang="en-CA" b="1" dirty="0" smtClean="0"/>
-              <a:t>**THIS IS NOT LEGAL ADVICE. I AM NOT A LAWYER.**</a:t>
-            </a:r>
-            <a:endParaRPr lang="en-CA" b="1" dirty="0"/>
+              <a:rPr lang="en-CA" dirty="0" smtClean="0"/>
+              <a:t>0.0 Going on a hike</a:t>
+            </a:r>
           </a:p>
         </p:txBody>
       </p:sp>
     </p:spTree>
     <p:extLst>
       <p:ext uri="{BB962C8B-B14F-4D97-AF65-F5344CB8AC3E}">
-        <p14:creationId xmlns:p14="http://schemas.microsoft.com/office/powerpoint/2010/main" val="836915073"/>
+        <p14:creationId xmlns:p14="http://schemas.microsoft.com/office/powerpoint/2010/main" val="3207159759"/>
       </p:ext>
     </p:extLst>
   </p:cSld>
   <p:clrMapOvr>
     <a:masterClrMapping/>
   </p:clrMapOvr>
-  <mc:AlternateContent xmlns:mc="http://schemas.openxmlformats.org/markup-compatibility/2006" xmlns:p14="http://schemas.microsoft.com/office/powerpoint/2010/main">
-    <mc:Choice Requires="p14">
+  <mc:AlternateContent xmlns:mc="http://schemas.openxmlformats.org/markup-compatibility/2006">
+    <mc:Choice xmlns:p14="http://schemas.microsoft.com/office/powerpoint/2010/main" Requires="p14">
       <p:transition spd="med" p14:dur="700">
         <p:fade/>
       </p:transition>
     </mc:Choice>
-    <mc:Fallback xmlns="">
+    <mc:Fallback>
       <p:transition spd="med">
         <p:fade/>
       </p:transition>
     </mc:Fallback>
   </mc:AlternateContent>
+  <p:timing>
+    <p:tnLst>
+      <p:par>
+        <p:cTn id="1" dur="indefinite" restart="never" nodeType="tmRoot"/>
+      </p:par>
+    </p:tnLst>
+  </p:timing>
 </p:sld>
 </file>
 
@@ -5071,7 +4946,7 @@
           <a:p>
             <a:r>
               <a:rPr lang="en-CA" dirty="0" smtClean="0"/>
-              <a:t>Reading a Patent</a:t>
+              <a:t>Work Breakdown Structure</a:t>
             </a:r>
             <a:endParaRPr lang="en-CA" dirty="0"/>
           </a:p>
@@ -5092,109 +4967,59 @@
           <a:bodyPr/>
           <a:lstStyle/>
           <a:p>
-            <a:r>
-              <a:rPr lang="en-CA" dirty="0" smtClean="0"/>
-              <a:t>Important Sections:</a:t>
-            </a:r>
-          </a:p>
-          <a:p>
-            <a:r>
-              <a:rPr lang="en-CA" dirty="0" smtClean="0"/>
-              <a:t>1) Claims</a:t>
-            </a:r>
-          </a:p>
-          <a:p>
-            <a:r>
-              <a:rPr lang="en-CA" dirty="0" smtClean="0"/>
-              <a:t>2) Everything else</a:t>
-            </a:r>
-          </a:p>
-          <a:p>
-            <a:endParaRPr lang="en-CA" dirty="0"/>
-          </a:p>
-          <a:p>
-            <a:r>
-              <a:rPr lang="en-CA" dirty="0" smtClean="0"/>
-              <a:t>The ‘Claims’ is </a:t>
-            </a:r>
-            <a:r>
-              <a:rPr lang="en-CA" u="sng" dirty="0" smtClean="0"/>
-              <a:t>solely</a:t>
-            </a:r>
-            <a:r>
-              <a:rPr lang="en-CA" dirty="0" smtClean="0"/>
-              <a:t> what is claimed as the </a:t>
-            </a:r>
-            <a:r>
-              <a:rPr lang="en-CA" u="sng" dirty="0" smtClean="0"/>
-              <a:t>innovative material</a:t>
-            </a:r>
-            <a:r>
-              <a:rPr lang="en-CA" dirty="0" smtClean="0"/>
-              <a:t>.</a:t>
-            </a:r>
-          </a:p>
-          <a:p>
-            <a:r>
-              <a:rPr lang="en-CA" dirty="0" smtClean="0"/>
-              <a:t>The ‘Specification’ must detail how it works etc., and can restrict the claims. However lots of material written in the specification may be well-known already. </a:t>
-            </a:r>
-          </a:p>
-          <a:p>
-            <a:r>
-              <a:rPr lang="en-CA" dirty="0" smtClean="0"/>
-              <a:t>Prior art mus</a:t>
-            </a:r>
-            <a:r>
-              <a:rPr lang="en-CA" dirty="0" smtClean="0"/>
-              <a:t>t read on the </a:t>
-            </a:r>
-            <a:r>
-              <a:rPr lang="en-CA" u="sng" dirty="0" smtClean="0"/>
-              <a:t>claims</a:t>
-            </a:r>
-            <a:r>
-              <a:rPr lang="en-CA" dirty="0" smtClean="0"/>
-              <a:t>.</a:t>
-            </a:r>
-            <a:endParaRPr lang="en-CA" dirty="0"/>
-          </a:p>
-        </p:txBody>
-      </p:sp>
-      <p:sp>
-        <p:nvSpPr>
-          <p:cNvPr id="4" name="TextBox 3"/>
-          <p:cNvSpPr txBox="1"/>
-          <p:nvPr/>
-        </p:nvSpPr>
-        <p:spPr>
-          <a:xfrm>
-            <a:off x="683568" y="5746634"/>
-            <a:ext cx="8712968" cy="461665"/>
-          </a:xfrm>
-          <a:prstGeom prst="rect">
-            <a:avLst/>
-          </a:prstGeom>
-          <a:noFill/>
-        </p:spPr>
-        <p:txBody>
-          <a:bodyPr wrap="square" rtlCol="0">
-            <a:spAutoFit/>
-          </a:bodyPr>
-          <a:lstStyle/>
-          <a:p>
-            <a:r>
-              <a:rPr lang="en-CA" b="1" dirty="0" smtClean="0"/>
-              <a:t>**THIS IS NOT LEGAL ADVICE. I AM NOT A LAWYER.**</a:t>
-            </a:r>
-            <a:endParaRPr lang="en-CA" b="1" dirty="0"/>
+            <a:pPr marL="0" indent="0">
+              <a:buNone/>
+            </a:pPr>
+            <a:r>
+              <a:rPr lang="en-CA" dirty="0" smtClean="0"/>
+              <a:t>0.0 Going on a hike</a:t>
+            </a:r>
+          </a:p>
+          <a:p>
+            <a:pPr marL="0" indent="0">
+              <a:buNone/>
+            </a:pPr>
+            <a:r>
+              <a:rPr lang="en-CA" dirty="0"/>
+              <a:t> </a:t>
+            </a:r>
+            <a:r>
+              <a:rPr lang="en-CA" dirty="0" smtClean="0"/>
+              <a:t>   1.0 Scheduling / Planning</a:t>
+            </a:r>
+          </a:p>
+          <a:p>
+            <a:pPr marL="0" indent="0">
+              <a:buNone/>
+            </a:pPr>
+            <a:r>
+              <a:rPr lang="en-CA" dirty="0"/>
+              <a:t> </a:t>
+            </a:r>
+            <a:r>
+              <a:rPr lang="en-CA" dirty="0" smtClean="0"/>
+              <a:t>   2.0 Executing the Hike</a:t>
+            </a:r>
+          </a:p>
+          <a:p>
+            <a:pPr marL="0" indent="0">
+              <a:buNone/>
+            </a:pPr>
+            <a:r>
+              <a:rPr lang="en-CA" dirty="0"/>
+              <a:t> </a:t>
+            </a:r>
+            <a:r>
+              <a:rPr lang="en-CA" dirty="0" smtClean="0"/>
+              <a:t>   3.0 Finishing the Hike</a:t>
+            </a:r>
           </a:p>
         </p:txBody>
       </p:sp>
     </p:spTree>
     <p:extLst>
       <p:ext uri="{BB962C8B-B14F-4D97-AF65-F5344CB8AC3E}">
-        <p14:creationId xmlns:p14="http://schemas.microsoft.com/office/powerpoint/2010/main" val="2204433833"/>
+        <p14:creationId xmlns:p14="http://schemas.microsoft.com/office/powerpoint/2010/main" val="2619053632"/>
       </p:ext>
     </p:extLst>
   </p:cSld>
@@ -5213,6 +5038,13 @@
       </p:transition>
     </mc:Fallback>
   </mc:AlternateContent>
+  <p:timing>
+    <p:tnLst>
+      <p:par>
+        <p:cTn id="1" dur="indefinite" restart="never" nodeType="tmRoot"/>
+      </p:par>
+    </p:tnLst>
+  </p:timing>
 </p:sld>
 </file>
 
@@ -5250,7 +5082,7 @@
           <a:p>
             <a:r>
               <a:rPr lang="en-CA" dirty="0" smtClean="0"/>
-              <a:t>Patent Application</a:t>
+              <a:t>Work Breakdown Structure</a:t>
             </a:r>
             <a:endParaRPr lang="en-CA" dirty="0"/>
           </a:p>
@@ -5265,67 +5097,228 @@
           <p:nvPr>
             <p:ph idx="1"/>
           </p:nvPr>
-        </p:nvSpPr>
-        <p:spPr/>
-        <p:txBody>
-          <a:bodyPr>
-            <a:normAutofit/>
-          </a:bodyPr>
-          <a:lstStyle/>
-          <a:p>
-            <a:pPr algn="ctr"/>
-            <a:endParaRPr lang="en-CA" sz="3600" b="1" dirty="0" smtClean="0"/>
-          </a:p>
-          <a:p>
-            <a:pPr marL="0" indent="0" algn="ctr">
-              <a:buNone/>
-            </a:pPr>
-            <a:endParaRPr lang="en-CA" sz="3600" b="1" dirty="0"/>
-          </a:p>
-          <a:p>
-            <a:pPr algn="ctr"/>
-            <a:r>
-              <a:rPr lang="en-CA" sz="3600" b="1" u="sng" dirty="0" smtClean="0"/>
-              <a:t>A patent application IS NOT a patent</a:t>
-            </a:r>
-            <a:endParaRPr lang="en-CA" sz="3600" b="1" u="sng" dirty="0"/>
-          </a:p>
-        </p:txBody>
-      </p:sp>
-      <p:sp>
-        <p:nvSpPr>
-          <p:cNvPr id="4" name="TextBox 3"/>
-          <p:cNvSpPr txBox="1"/>
-          <p:nvPr/>
         </p:nvSpPr>
         <p:spPr>
           <a:xfrm>
-            <a:off x="683568" y="5746634"/>
-            <a:ext cx="8712968" cy="461665"/>
+            <a:off x="822959" y="1845734"/>
+            <a:ext cx="7543801" cy="4247562"/>
           </a:xfrm>
-          <a:prstGeom prst="rect">
-            <a:avLst/>
-          </a:prstGeom>
-          <a:noFill/>
         </p:spPr>
         <p:txBody>
-          <a:bodyPr wrap="square" rtlCol="0">
-            <a:spAutoFit/>
+          <a:bodyPr>
+            <a:normAutofit fontScale="92500" lnSpcReduction="10000"/>
           </a:bodyPr>
           <a:lstStyle/>
           <a:p>
-            <a:r>
-              <a:rPr lang="en-CA" b="1" dirty="0" smtClean="0"/>
-              <a:t>**THIS IS NOT LEGAL ADVICE. I AM NOT A LAWYER.**</a:t>
-            </a:r>
-            <a:endParaRPr lang="en-CA" b="1" dirty="0"/>
+            <a:pPr marL="0" indent="0">
+              <a:lnSpc>
+                <a:spcPct val="60000"/>
+              </a:lnSpc>
+              <a:buNone/>
+            </a:pPr>
+            <a:r>
+              <a:rPr lang="en-CA" dirty="0" smtClean="0"/>
+              <a:t>0.0 Going on a hike</a:t>
+            </a:r>
+          </a:p>
+          <a:p>
+            <a:pPr marL="0" indent="0">
+              <a:lnSpc>
+                <a:spcPct val="60000"/>
+              </a:lnSpc>
+              <a:buNone/>
+            </a:pPr>
+            <a:r>
+              <a:rPr lang="en-CA" dirty="0"/>
+              <a:t> </a:t>
+            </a:r>
+            <a:r>
+              <a:rPr lang="en-CA" dirty="0" smtClean="0"/>
+              <a:t>   1.0 Scheduling / Planning</a:t>
+            </a:r>
+          </a:p>
+          <a:p>
+            <a:pPr marL="0" indent="0">
+              <a:lnSpc>
+                <a:spcPct val="60000"/>
+              </a:lnSpc>
+              <a:buNone/>
+            </a:pPr>
+            <a:r>
+              <a:rPr lang="en-CA" dirty="0"/>
+              <a:t> </a:t>
+            </a:r>
+            <a:r>
+              <a:rPr lang="en-CA" dirty="0" smtClean="0"/>
+              <a:t>       1.1 Confirm when Carl is free</a:t>
+            </a:r>
+          </a:p>
+          <a:p>
+            <a:pPr marL="0" indent="0">
+              <a:lnSpc>
+                <a:spcPct val="60000"/>
+              </a:lnSpc>
+              <a:buNone/>
+            </a:pPr>
+            <a:r>
+              <a:rPr lang="en-CA" dirty="0"/>
+              <a:t> </a:t>
+            </a:r>
+            <a:r>
+              <a:rPr lang="en-CA" dirty="0" smtClean="0"/>
+              <a:t>       1.2 Print/Buy Maps</a:t>
+            </a:r>
+          </a:p>
+          <a:p>
+            <a:pPr marL="0" indent="0">
+              <a:lnSpc>
+                <a:spcPct val="60000"/>
+              </a:lnSpc>
+              <a:buNone/>
+            </a:pPr>
+            <a:r>
+              <a:rPr lang="en-CA" dirty="0"/>
+              <a:t> </a:t>
+            </a:r>
+            <a:r>
+              <a:rPr lang="en-CA" dirty="0" smtClean="0"/>
+              <a:t>       1.3 Pack</a:t>
+            </a:r>
+          </a:p>
+          <a:p>
+            <a:pPr marL="0" indent="0">
+              <a:lnSpc>
+                <a:spcPct val="60000"/>
+              </a:lnSpc>
+              <a:buNone/>
+            </a:pPr>
+            <a:r>
+              <a:rPr lang="en-CA" dirty="0"/>
+              <a:t> </a:t>
+            </a:r>
+            <a:r>
+              <a:rPr lang="en-CA" dirty="0" smtClean="0"/>
+              <a:t>   2.0 Executing the Hike</a:t>
+            </a:r>
+          </a:p>
+          <a:p>
+            <a:pPr marL="0" indent="0">
+              <a:lnSpc>
+                <a:spcPct val="60000"/>
+              </a:lnSpc>
+              <a:buNone/>
+            </a:pPr>
+            <a:r>
+              <a:rPr lang="en-CA" dirty="0"/>
+              <a:t> </a:t>
+            </a:r>
+            <a:r>
+              <a:rPr lang="en-CA" dirty="0" smtClean="0"/>
+              <a:t>       2.1 Drive to Location</a:t>
+            </a:r>
+          </a:p>
+          <a:p>
+            <a:pPr marL="0" indent="0">
+              <a:lnSpc>
+                <a:spcPct val="60000"/>
+              </a:lnSpc>
+              <a:buNone/>
+            </a:pPr>
+            <a:r>
+              <a:rPr lang="en-CA" dirty="0"/>
+              <a:t> </a:t>
+            </a:r>
+            <a:r>
+              <a:rPr lang="en-CA" dirty="0" smtClean="0"/>
+              <a:t>       2.2 Hike</a:t>
+            </a:r>
+          </a:p>
+          <a:p>
+            <a:pPr marL="0" indent="0">
+              <a:lnSpc>
+                <a:spcPct val="60000"/>
+              </a:lnSpc>
+              <a:buNone/>
+            </a:pPr>
+            <a:r>
+              <a:rPr lang="en-CA" dirty="0"/>
+              <a:t> </a:t>
+            </a:r>
+            <a:r>
+              <a:rPr lang="en-CA" dirty="0" smtClean="0"/>
+              <a:t>       2.3 Drive home</a:t>
+            </a:r>
+          </a:p>
+          <a:p>
+            <a:pPr marL="0" indent="0">
+              <a:lnSpc>
+                <a:spcPct val="60000"/>
+              </a:lnSpc>
+              <a:buNone/>
+            </a:pPr>
+            <a:r>
+              <a:rPr lang="en-CA" dirty="0"/>
+              <a:t> </a:t>
+            </a:r>
+            <a:r>
+              <a:rPr lang="en-CA" dirty="0" smtClean="0"/>
+              <a:t>   3.0 Finishing the Hike</a:t>
+            </a:r>
+          </a:p>
+          <a:p>
+            <a:pPr marL="0" indent="0">
+              <a:lnSpc>
+                <a:spcPct val="60000"/>
+              </a:lnSpc>
+              <a:buNone/>
+            </a:pPr>
+            <a:r>
+              <a:rPr lang="en-CA" dirty="0"/>
+              <a:t> </a:t>
+            </a:r>
+            <a:r>
+              <a:rPr lang="en-CA" dirty="0" smtClean="0"/>
+              <a:t>       3.1 Shower</a:t>
+            </a:r>
+          </a:p>
+          <a:p>
+            <a:pPr marL="0" indent="0">
+              <a:lnSpc>
+                <a:spcPct val="60000"/>
+              </a:lnSpc>
+              <a:buNone/>
+            </a:pPr>
+            <a:r>
+              <a:rPr lang="en-CA" dirty="0"/>
+              <a:t> </a:t>
+            </a:r>
+            <a:r>
+              <a:rPr lang="en-CA" dirty="0" smtClean="0"/>
+              <a:t>       3.2 Wash Clothing</a:t>
+            </a:r>
+          </a:p>
+          <a:p>
+            <a:pPr marL="0" indent="0">
+              <a:lnSpc>
+                <a:spcPct val="60000"/>
+              </a:lnSpc>
+              <a:buNone/>
+            </a:pPr>
+            <a:r>
+              <a:rPr lang="en-CA" dirty="0"/>
+              <a:t> </a:t>
+            </a:r>
+            <a:r>
+              <a:rPr lang="en-CA" dirty="0" smtClean="0"/>
+              <a:t>       3.3 Call mom</a:t>
+            </a:r>
           </a:p>
         </p:txBody>
       </p:sp>
     </p:spTree>
     <p:extLst>
       <p:ext uri="{BB962C8B-B14F-4D97-AF65-F5344CB8AC3E}">
-        <p14:creationId xmlns:p14="http://schemas.microsoft.com/office/powerpoint/2010/main" val="2032845611"/>
+        <p14:creationId xmlns:p14="http://schemas.microsoft.com/office/powerpoint/2010/main" val="1250013550"/>
       </p:ext>
     </p:extLst>
   </p:cSld>
@@ -5344,6 +5337,13 @@
       </p:transition>
     </mc:Fallback>
   </mc:AlternateContent>
+  <p:timing>
+    <p:tnLst>
+      <p:par>
+        <p:cTn id="1" dur="indefinite" restart="never" nodeType="tmRoot"/>
+      </p:par>
+    </p:tnLst>
+  </p:timing>
 </p:sld>
 </file>
 
@@ -5380,8 +5380,10 @@
           <a:lstStyle/>
           <a:p>
             <a:r>
-              <a:rPr lang="en-CA" dirty="0" smtClean="0"/>
-              <a:t>Patent Application</a:t>
+              <a:rPr lang="en-CA" dirty="0" smtClean="0">
+                <a:sym typeface="Wingdings" panose="05000000000000000000" pitchFamily="2" charset="2"/>
+              </a:rPr>
+              <a:t>Assign Tasks</a:t>
             </a:r>
             <a:endParaRPr lang="en-CA" dirty="0"/>
           </a:p>
@@ -5397,28 +5399,35 @@
             <p:ph idx="1"/>
           </p:nvPr>
         </p:nvSpPr>
-        <p:spPr/>
-        <p:txBody>
-          <a:bodyPr/>
-          <a:lstStyle/>
-          <a:p>
-            <a:pPr>
-              <a:buFont typeface="Arial" panose="020B0604020202020204" pitchFamily="34" charset="0"/>
-              <a:buChar char="•"/>
+        <p:spPr>
+          <a:xfrm>
+            <a:off x="822959" y="1845734"/>
+            <a:ext cx="7543801" cy="4247562"/>
+          </a:xfrm>
+        </p:spPr>
+        <p:txBody>
+          <a:bodyPr>
+            <a:normAutofit fontScale="92500" lnSpcReduction="10000"/>
+          </a:bodyPr>
+          <a:lstStyle/>
+          <a:p>
+            <a:pPr marL="0" indent="0">
+              <a:lnSpc>
+                <a:spcPct val="60000"/>
+              </a:lnSpc>
+              <a:buNone/>
             </a:pPr>
             <a:r>
               <a:rPr lang="en-CA" dirty="0" smtClean="0"/>
-              <a:t> Patent Application = I have $400 USD. </a:t>
-            </a:r>
-            <a:r>
-              <a:rPr lang="en-CA" u="sng" dirty="0" smtClean="0"/>
-              <a:t>That is all it means.</a:t>
-            </a:r>
-          </a:p>
-          <a:p>
-            <a:pPr>
-              <a:buFont typeface="Arial" panose="020B0604020202020204" pitchFamily="34" charset="0"/>
-              <a:buChar char="•"/>
+              <a:t>0.0 Going on a hike</a:t>
+            </a:r>
+          </a:p>
+          <a:p>
+            <a:pPr marL="0" indent="0">
+              <a:lnSpc>
+                <a:spcPct val="60000"/>
+              </a:lnSpc>
+              <a:buNone/>
             </a:pPr>
             <a:r>
               <a:rPr lang="en-CA" dirty="0"/>
@@ -5426,21 +5435,15 @@
             </a:r>
             <a:r>
               <a:rPr lang="en-CA" dirty="0" smtClean="0"/>
-              <a:t>A patent application that is </a:t>
-            </a:r>
-            <a:r>
-              <a:rPr lang="en-CA" i="1" dirty="0" smtClean="0"/>
-              <a:t>fairly likely to be enforceable</a:t>
-            </a:r>
-            <a:r>
-              <a:rPr lang="en-CA" dirty="0" smtClean="0"/>
-              <a:t> is &gt;$5 000 normally</a:t>
-            </a:r>
-          </a:p>
-          <a:p>
-            <a:pPr>
-              <a:buFont typeface="Arial" panose="020B0604020202020204" pitchFamily="34" charset="0"/>
-              <a:buChar char="•"/>
+              <a:t>   1.0 Scheduling / Planning</a:t>
+            </a:r>
+          </a:p>
+          <a:p>
+            <a:pPr marL="0" indent="0">
+              <a:lnSpc>
+                <a:spcPct val="60000"/>
+              </a:lnSpc>
+              <a:buNone/>
             </a:pPr>
             <a:r>
               <a:rPr lang="en-CA" dirty="0"/>
@@ -5448,13 +5451,23 @@
             </a:r>
             <a:r>
               <a:rPr lang="en-CA" dirty="0" smtClean="0"/>
-              <a:t>Defending a patent can easily cost &gt; $50 000, after which point it has more value</a:t>
-            </a:r>
-          </a:p>
-          <a:p>
-            <a:pPr>
-              <a:buFont typeface="Arial" panose="020B0604020202020204" pitchFamily="34" charset="0"/>
-              <a:buChar char="•"/>
+              <a:t>       1.1 Confirm when Carl is free – </a:t>
+            </a:r>
+            <a:r>
+              <a:rPr lang="en-CA" dirty="0" smtClean="0">
+                <a:solidFill>
+                  <a:srgbClr val="FF0000"/>
+                </a:solidFill>
+              </a:rPr>
+              <a:t>Me</a:t>
+            </a:r>
+          </a:p>
+          <a:p>
+            <a:pPr marL="0" indent="0">
+              <a:lnSpc>
+                <a:spcPct val="60000"/>
+              </a:lnSpc>
+              <a:buNone/>
             </a:pPr>
             <a:r>
               <a:rPr lang="en-CA" dirty="0"/>
@@ -5462,45 +5475,223 @@
             </a:r>
             <a:r>
               <a:rPr lang="en-CA" dirty="0" smtClean="0"/>
-              <a:t>Failures in the original application might mean someone can easily circumvent your patent, lets see some examples:</a:t>
-            </a:r>
-          </a:p>
-        </p:txBody>
-      </p:sp>
-      <p:sp>
-        <p:nvSpPr>
-          <p:cNvPr id="4" name="TextBox 3"/>
-          <p:cNvSpPr txBox="1"/>
-          <p:nvPr/>
-        </p:nvSpPr>
-        <p:spPr>
-          <a:xfrm>
-            <a:off x="683568" y="5746634"/>
-            <a:ext cx="8712968" cy="461665"/>
-          </a:xfrm>
-          <a:prstGeom prst="rect">
-            <a:avLst/>
-          </a:prstGeom>
-          <a:noFill/>
-        </p:spPr>
-        <p:txBody>
-          <a:bodyPr wrap="square" rtlCol="0">
-            <a:spAutoFit/>
-          </a:bodyPr>
-          <a:lstStyle/>
-          <a:p>
-            <a:r>
-              <a:rPr lang="en-CA" b="1" dirty="0" smtClean="0"/>
-              <a:t>**THIS IS NOT LEGAL ADVICE. I AM NOT A LAWYER.**</a:t>
-            </a:r>
-            <a:endParaRPr lang="en-CA" b="1" dirty="0"/>
+              <a:t>       1.2 Print/Buy Maps – </a:t>
+            </a:r>
+            <a:r>
+              <a:rPr lang="en-CA" dirty="0" smtClean="0">
+                <a:solidFill>
+                  <a:srgbClr val="FF0000"/>
+                </a:solidFill>
+              </a:rPr>
+              <a:t>Carl</a:t>
+            </a:r>
+          </a:p>
+          <a:p>
+            <a:pPr marL="0" indent="0">
+              <a:lnSpc>
+                <a:spcPct val="60000"/>
+              </a:lnSpc>
+              <a:buNone/>
+            </a:pPr>
+            <a:r>
+              <a:rPr lang="en-CA" dirty="0"/>
+              <a:t> </a:t>
+            </a:r>
+            <a:r>
+              <a:rPr lang="en-CA" dirty="0" smtClean="0"/>
+              <a:t>       1.3 Pack – </a:t>
+            </a:r>
+            <a:r>
+              <a:rPr lang="en-CA" dirty="0" smtClean="0">
+                <a:solidFill>
+                  <a:srgbClr val="FF0000"/>
+                </a:solidFill>
+              </a:rPr>
+              <a:t>Me</a:t>
+            </a:r>
+          </a:p>
+          <a:p>
+            <a:pPr marL="0" indent="0">
+              <a:lnSpc>
+                <a:spcPct val="60000"/>
+              </a:lnSpc>
+              <a:buNone/>
+            </a:pPr>
+            <a:r>
+              <a:rPr lang="en-CA" dirty="0"/>
+              <a:t> </a:t>
+            </a:r>
+            <a:r>
+              <a:rPr lang="en-CA" dirty="0" smtClean="0"/>
+              <a:t>   2.0 Executing the Hike</a:t>
+            </a:r>
+          </a:p>
+          <a:p>
+            <a:pPr marL="0" indent="0">
+              <a:lnSpc>
+                <a:spcPct val="60000"/>
+              </a:lnSpc>
+              <a:buNone/>
+            </a:pPr>
+            <a:r>
+              <a:rPr lang="en-CA" dirty="0"/>
+              <a:t> </a:t>
+            </a:r>
+            <a:r>
+              <a:rPr lang="en-CA" dirty="0" smtClean="0"/>
+              <a:t>       2.1 Drive to Location – </a:t>
+            </a:r>
+            <a:r>
+              <a:rPr lang="en-CA" dirty="0" smtClean="0">
+                <a:solidFill>
+                  <a:srgbClr val="FF0000"/>
+                </a:solidFill>
+              </a:rPr>
+              <a:t>Carl</a:t>
+            </a:r>
+          </a:p>
+          <a:p>
+            <a:pPr marL="0" indent="0">
+              <a:lnSpc>
+                <a:spcPct val="60000"/>
+              </a:lnSpc>
+              <a:buNone/>
+            </a:pPr>
+            <a:r>
+              <a:rPr lang="en-CA" dirty="0"/>
+              <a:t> </a:t>
+            </a:r>
+            <a:r>
+              <a:rPr lang="en-CA" dirty="0" smtClean="0"/>
+              <a:t>       2.2 Hike – </a:t>
+            </a:r>
+            <a:r>
+              <a:rPr lang="en-CA" dirty="0" smtClean="0">
+                <a:solidFill>
+                  <a:srgbClr val="FF0000"/>
+                </a:solidFill>
+              </a:rPr>
+              <a:t>Me/Carl</a:t>
+            </a:r>
+          </a:p>
+          <a:p>
+            <a:pPr marL="0" indent="0">
+              <a:lnSpc>
+                <a:spcPct val="60000"/>
+              </a:lnSpc>
+              <a:buNone/>
+            </a:pPr>
+            <a:r>
+              <a:rPr lang="en-CA" dirty="0"/>
+              <a:t> </a:t>
+            </a:r>
+            <a:r>
+              <a:rPr lang="en-CA" dirty="0" smtClean="0"/>
+              <a:t>       2.3 Drive home – </a:t>
+            </a:r>
+            <a:r>
+              <a:rPr lang="en-CA" dirty="0" smtClean="0">
+                <a:solidFill>
+                  <a:srgbClr val="FF0000"/>
+                </a:solidFill>
+              </a:rPr>
+              <a:t>Carl</a:t>
+            </a:r>
+          </a:p>
+          <a:p>
+            <a:pPr marL="0" indent="0">
+              <a:lnSpc>
+                <a:spcPct val="60000"/>
+              </a:lnSpc>
+              <a:buNone/>
+            </a:pPr>
+            <a:r>
+              <a:rPr lang="en-CA" dirty="0"/>
+              <a:t> </a:t>
+            </a:r>
+            <a:r>
+              <a:rPr lang="en-CA" dirty="0" smtClean="0"/>
+              <a:t>   3.0 Finishing the Hike</a:t>
+            </a:r>
+          </a:p>
+          <a:p>
+            <a:pPr marL="0" indent="0">
+              <a:lnSpc>
+                <a:spcPct val="60000"/>
+              </a:lnSpc>
+              <a:buNone/>
+            </a:pPr>
+            <a:r>
+              <a:rPr lang="en-CA" dirty="0"/>
+              <a:t> </a:t>
+            </a:r>
+            <a:r>
+              <a:rPr lang="en-CA" dirty="0" smtClean="0"/>
+              <a:t>       3.1 Shower – </a:t>
+            </a:r>
+            <a:r>
+              <a:rPr lang="en-CA" dirty="0" smtClean="0">
+                <a:solidFill>
+                  <a:srgbClr val="FF0000"/>
+                </a:solidFill>
+              </a:rPr>
+              <a:t>Me</a:t>
+            </a:r>
+          </a:p>
+          <a:p>
+            <a:pPr marL="0" indent="0">
+              <a:lnSpc>
+                <a:spcPct val="60000"/>
+              </a:lnSpc>
+              <a:buNone/>
+            </a:pPr>
+            <a:r>
+              <a:rPr lang="en-CA" dirty="0"/>
+              <a:t> </a:t>
+            </a:r>
+            <a:r>
+              <a:rPr lang="en-CA" dirty="0" smtClean="0"/>
+              <a:t>       3.2 Wash Clothing – </a:t>
+            </a:r>
+            <a:r>
+              <a:rPr lang="en-CA" dirty="0" smtClean="0">
+                <a:solidFill>
+                  <a:srgbClr val="FF0000"/>
+                </a:solidFill>
+              </a:rPr>
+              <a:t>Me</a:t>
+            </a:r>
+          </a:p>
+          <a:p>
+            <a:pPr marL="0" indent="0">
+              <a:lnSpc>
+                <a:spcPct val="60000"/>
+              </a:lnSpc>
+              <a:buNone/>
+            </a:pPr>
+            <a:r>
+              <a:rPr lang="en-CA" dirty="0"/>
+              <a:t> </a:t>
+            </a:r>
+            <a:r>
+              <a:rPr lang="en-CA" dirty="0" smtClean="0"/>
+              <a:t>       3.3 Call mom – </a:t>
+            </a:r>
+            <a:r>
+              <a:rPr lang="en-CA" dirty="0" smtClean="0">
+                <a:solidFill>
+                  <a:srgbClr val="FF0000"/>
+                </a:solidFill>
+              </a:rPr>
+              <a:t>Me</a:t>
+            </a:r>
           </a:p>
         </p:txBody>
       </p:sp>
     </p:spTree>
     <p:extLst>
       <p:ext uri="{BB962C8B-B14F-4D97-AF65-F5344CB8AC3E}">
-        <p14:creationId xmlns:p14="http://schemas.microsoft.com/office/powerpoint/2010/main" val="567940428"/>
+        <p14:creationId xmlns:p14="http://schemas.microsoft.com/office/powerpoint/2010/main" val="25402523"/>
       </p:ext>
     </p:extLst>
   </p:cSld>
@@ -5519,6 +5710,13 @@
       </p:transition>
     </mc:Fallback>
   </mc:AlternateContent>
+  <p:timing>
+    <p:tnLst>
+      <p:par>
+        <p:cTn id="1" dur="indefinite" restart="never" nodeType="tmRoot"/>
+      </p:par>
+    </p:tnLst>
+  </p:timing>
 </p:sld>
 </file>
 
@@ -5555,135 +5753,557 @@
           <a:lstStyle/>
           <a:p>
             <a:r>
-              <a:rPr lang="en-CA" dirty="0" smtClean="0"/>
-              <a:t>Example: Looking up a Patent</a:t>
+              <a:rPr lang="en-CA" dirty="0" smtClean="0">
+                <a:sym typeface="Wingdings" panose="05000000000000000000" pitchFamily="2" charset="2"/>
+              </a:rPr>
+              <a:t>Add Time Estimates</a:t>
             </a:r>
             <a:endParaRPr lang="en-CA" dirty="0"/>
           </a:p>
         </p:txBody>
       </p:sp>
-      <p:pic>
-        <p:nvPicPr>
-          <p:cNvPr id="4" name="Picture 3"/>
-          <p:cNvPicPr>
-            <a:picLocks noChangeAspect="1"/>
-          </p:cNvPicPr>
-          <p:nvPr/>
-        </p:nvPicPr>
-        <p:blipFill>
-          <a:blip r:embed="rId2"/>
-          <a:stretch>
-            <a:fillRect/>
-          </a:stretch>
-        </p:blipFill>
+      <p:sp>
+        <p:nvSpPr>
+          <p:cNvPr id="3" name="Content Placeholder 2"/>
+          <p:cNvSpPr>
+            <a:spLocks noGrp="1"/>
+          </p:cNvSpPr>
+          <p:nvPr>
+            <p:ph idx="1"/>
+          </p:nvPr>
+        </p:nvSpPr>
         <p:spPr>
           <a:xfrm>
-            <a:off x="111078" y="1988840"/>
-            <a:ext cx="8967564" cy="3939508"/>
+            <a:off x="822959" y="1845734"/>
+            <a:ext cx="7543801" cy="4247562"/>
           </a:xfrm>
-          <a:prstGeom prst="rect">
-            <a:avLst/>
-          </a:prstGeom>
         </p:spPr>
-      </p:pic>
-      <p:sp>
-        <p:nvSpPr>
-          <p:cNvPr id="5" name="Rectangle 4"/>
-          <p:cNvSpPr/>
-          <p:nvPr/>
-        </p:nvSpPr>
-        <p:spPr>
-          <a:xfrm>
-            <a:off x="4594860" y="2852936"/>
-            <a:ext cx="2569428" cy="216024"/>
-          </a:xfrm>
-          <a:prstGeom prst="rect">
-            <a:avLst/>
-          </a:prstGeom>
-          <a:noFill/>
-          <a:ln>
-            <a:solidFill>
-              <a:srgbClr val="FF0000"/>
-            </a:solidFill>
-          </a:ln>
-        </p:spPr>
-        <p:style>
-          <a:lnRef idx="2">
-            <a:schemeClr val="accent1">
-              <a:shade val="50000"/>
-            </a:schemeClr>
-          </a:lnRef>
-          <a:fillRef idx="1">
-            <a:schemeClr val="accent1"/>
-          </a:fillRef>
-          <a:effectRef idx="0">
-            <a:schemeClr val="accent1"/>
-          </a:effectRef>
-          <a:fontRef idx="minor">
-            <a:schemeClr val="lt1"/>
-          </a:fontRef>
-        </p:style>
-        <p:txBody>
-          <a:bodyPr rtlCol="0" anchor="ctr"/>
-          <a:lstStyle/>
-          <a:p>
-            <a:pPr algn="ctr"/>
-            <a:endParaRPr lang="en-CA" dirty="0"/>
-          </a:p>
-        </p:txBody>
-      </p:sp>
-      <p:sp>
-        <p:nvSpPr>
-          <p:cNvPr id="6" name="TextBox 5"/>
-          <p:cNvSpPr txBox="1"/>
-          <p:nvPr/>
-        </p:nvSpPr>
-        <p:spPr>
-          <a:xfrm>
-            <a:off x="2490093" y="5661248"/>
-            <a:ext cx="3473580" cy="646331"/>
-          </a:xfrm>
-          <a:prstGeom prst="rect">
-            <a:avLst/>
-          </a:prstGeom>
-          <a:noFill/>
-        </p:spPr>
-        <p:txBody>
-          <a:bodyPr wrap="none" rtlCol="0">
-            <a:spAutoFit/>
+        <p:txBody>
+          <a:bodyPr>
+            <a:normAutofit fontScale="92500" lnSpcReduction="10000"/>
           </a:bodyPr>
           <a:lstStyle/>
           <a:p>
-            <a:r>
-              <a:rPr lang="en-CA" sz="3600" b="1" dirty="0" smtClean="0"/>
-              <a:t>scholar.google.ca</a:t>
-            </a:r>
-            <a:endParaRPr lang="en-CA" sz="3600" b="1" dirty="0"/>
+            <a:pPr marL="0" indent="0">
+              <a:lnSpc>
+                <a:spcPct val="60000"/>
+              </a:lnSpc>
+              <a:buNone/>
+            </a:pPr>
+            <a:r>
+              <a:rPr lang="en-CA" dirty="0" smtClean="0"/>
+              <a:t>0.0 Going on a hike</a:t>
+            </a:r>
+          </a:p>
+          <a:p>
+            <a:pPr marL="0" indent="0">
+              <a:lnSpc>
+                <a:spcPct val="60000"/>
+              </a:lnSpc>
+              <a:buNone/>
+            </a:pPr>
+            <a:r>
+              <a:rPr lang="en-CA" dirty="0"/>
+              <a:t> </a:t>
+            </a:r>
+            <a:r>
+              <a:rPr lang="en-CA" dirty="0" smtClean="0"/>
+              <a:t>   1.0 Scheduling / Planning</a:t>
+            </a:r>
+          </a:p>
+          <a:p>
+            <a:pPr marL="0" indent="0">
+              <a:lnSpc>
+                <a:spcPct val="60000"/>
+              </a:lnSpc>
+              <a:buNone/>
+            </a:pPr>
+            <a:r>
+              <a:rPr lang="en-CA" dirty="0"/>
+              <a:t> </a:t>
+            </a:r>
+            <a:r>
+              <a:rPr lang="en-CA" dirty="0" smtClean="0"/>
+              <a:t>       1.1 Confirm when Carl is free – </a:t>
+            </a:r>
+            <a:r>
+              <a:rPr lang="en-CA" dirty="0" smtClean="0">
+                <a:solidFill>
+                  <a:srgbClr val="FF0000"/>
+                </a:solidFill>
+              </a:rPr>
+              <a:t>Me </a:t>
+            </a:r>
+            <a:r>
+              <a:rPr lang="en-CA" dirty="0" smtClean="0">
+                <a:solidFill>
+                  <a:srgbClr val="0070C0"/>
+                </a:solidFill>
+              </a:rPr>
+              <a:t>– 15 </a:t>
+            </a:r>
+            <a:r>
+              <a:rPr lang="en-CA" dirty="0" err="1" smtClean="0">
+                <a:solidFill>
+                  <a:srgbClr val="0070C0"/>
+                </a:solidFill>
+              </a:rPr>
+              <a:t>mins</a:t>
+            </a:r>
+            <a:endParaRPr lang="en-CA" dirty="0" smtClean="0">
+              <a:solidFill>
+                <a:srgbClr val="0070C0"/>
+              </a:solidFill>
+            </a:endParaRPr>
+          </a:p>
+          <a:p>
+            <a:pPr marL="0" indent="0">
+              <a:lnSpc>
+                <a:spcPct val="60000"/>
+              </a:lnSpc>
+              <a:buNone/>
+            </a:pPr>
+            <a:r>
+              <a:rPr lang="en-CA" dirty="0"/>
+              <a:t> </a:t>
+            </a:r>
+            <a:r>
+              <a:rPr lang="en-CA" dirty="0" smtClean="0"/>
+              <a:t>       1.2 Print/Buy Maps – </a:t>
+            </a:r>
+            <a:r>
+              <a:rPr lang="en-CA" dirty="0" smtClean="0">
+                <a:solidFill>
+                  <a:srgbClr val="FF0000"/>
+                </a:solidFill>
+              </a:rPr>
+              <a:t>Carl </a:t>
+            </a:r>
+            <a:r>
+              <a:rPr lang="en-CA" dirty="0">
+                <a:solidFill>
+                  <a:srgbClr val="0070C0"/>
+                </a:solidFill>
+              </a:rPr>
+              <a:t>– </a:t>
+            </a:r>
+            <a:r>
+              <a:rPr lang="en-CA" dirty="0" smtClean="0">
+                <a:solidFill>
+                  <a:srgbClr val="0070C0"/>
+                </a:solidFill>
+              </a:rPr>
+              <a:t>30 </a:t>
+            </a:r>
+            <a:r>
+              <a:rPr lang="en-CA" dirty="0" err="1">
+                <a:solidFill>
+                  <a:srgbClr val="0070C0"/>
+                </a:solidFill>
+              </a:rPr>
+              <a:t>mins</a:t>
+            </a:r>
+            <a:endParaRPr lang="en-CA" dirty="0">
+              <a:solidFill>
+                <a:srgbClr val="0070C0"/>
+              </a:solidFill>
+            </a:endParaRPr>
+          </a:p>
+          <a:p>
+            <a:pPr marL="0" indent="0">
+              <a:lnSpc>
+                <a:spcPct val="60000"/>
+              </a:lnSpc>
+              <a:buNone/>
+            </a:pPr>
+            <a:r>
+              <a:rPr lang="en-CA" dirty="0" smtClean="0"/>
+              <a:t>        1.3 Pack – </a:t>
+            </a:r>
+            <a:r>
+              <a:rPr lang="en-CA" dirty="0" smtClean="0">
+                <a:solidFill>
+                  <a:srgbClr val="FF0000"/>
+                </a:solidFill>
+              </a:rPr>
+              <a:t>Me </a:t>
+            </a:r>
+            <a:r>
+              <a:rPr lang="en-CA" dirty="0">
+                <a:solidFill>
+                  <a:srgbClr val="0070C0"/>
+                </a:solidFill>
+              </a:rPr>
+              <a:t>– 1</a:t>
+            </a:r>
+            <a:r>
+              <a:rPr lang="en-CA" dirty="0" smtClean="0">
+                <a:solidFill>
+                  <a:srgbClr val="0070C0"/>
+                </a:solidFill>
+              </a:rPr>
+              <a:t> hour</a:t>
+            </a:r>
+            <a:endParaRPr lang="en-CA" dirty="0" smtClean="0">
+              <a:solidFill>
+                <a:srgbClr val="FF0000"/>
+              </a:solidFill>
+            </a:endParaRPr>
+          </a:p>
+          <a:p>
+            <a:pPr marL="0" indent="0">
+              <a:lnSpc>
+                <a:spcPct val="60000"/>
+              </a:lnSpc>
+              <a:buNone/>
+            </a:pPr>
+            <a:r>
+              <a:rPr lang="en-CA" dirty="0"/>
+              <a:t> </a:t>
+            </a:r>
+            <a:r>
+              <a:rPr lang="en-CA" dirty="0" smtClean="0"/>
+              <a:t>   2.0 Executing the Hike</a:t>
+            </a:r>
+          </a:p>
+          <a:p>
+            <a:pPr marL="0" indent="0">
+              <a:lnSpc>
+                <a:spcPct val="60000"/>
+              </a:lnSpc>
+              <a:buNone/>
+            </a:pPr>
+            <a:r>
+              <a:rPr lang="en-CA" dirty="0"/>
+              <a:t> </a:t>
+            </a:r>
+            <a:r>
+              <a:rPr lang="en-CA" dirty="0" smtClean="0"/>
+              <a:t>       2.1 Drive to Location – </a:t>
+            </a:r>
+            <a:r>
+              <a:rPr lang="en-CA" dirty="0" smtClean="0">
+                <a:solidFill>
+                  <a:srgbClr val="FF0000"/>
+                </a:solidFill>
+              </a:rPr>
+              <a:t>Carl </a:t>
+            </a:r>
+            <a:r>
+              <a:rPr lang="en-CA" dirty="0">
+                <a:solidFill>
+                  <a:srgbClr val="0070C0"/>
+                </a:solidFill>
+              </a:rPr>
+              <a:t>– </a:t>
+            </a:r>
+            <a:r>
+              <a:rPr lang="en-CA" dirty="0" smtClean="0">
+                <a:solidFill>
+                  <a:srgbClr val="0070C0"/>
+                </a:solidFill>
+              </a:rPr>
+              <a:t>1 hour</a:t>
+            </a:r>
+            <a:endParaRPr lang="en-CA" dirty="0" smtClean="0">
+              <a:solidFill>
+                <a:srgbClr val="FF0000"/>
+              </a:solidFill>
+            </a:endParaRPr>
+          </a:p>
+          <a:p>
+            <a:pPr marL="0" indent="0">
+              <a:lnSpc>
+                <a:spcPct val="60000"/>
+              </a:lnSpc>
+              <a:buNone/>
+            </a:pPr>
+            <a:r>
+              <a:rPr lang="en-CA" dirty="0"/>
+              <a:t> </a:t>
+            </a:r>
+            <a:r>
+              <a:rPr lang="en-CA" dirty="0" smtClean="0"/>
+              <a:t>       2.2 Hike – </a:t>
+            </a:r>
+            <a:r>
+              <a:rPr lang="en-CA" dirty="0" smtClean="0">
+                <a:solidFill>
+                  <a:srgbClr val="FF0000"/>
+                </a:solidFill>
+              </a:rPr>
+              <a:t>Me/Carl </a:t>
+            </a:r>
+            <a:r>
+              <a:rPr lang="en-CA" dirty="0">
+                <a:solidFill>
+                  <a:srgbClr val="0070C0"/>
+                </a:solidFill>
+              </a:rPr>
+              <a:t>– </a:t>
+            </a:r>
+            <a:r>
+              <a:rPr lang="en-CA" dirty="0" smtClean="0">
+                <a:solidFill>
+                  <a:srgbClr val="0070C0"/>
+                </a:solidFill>
+              </a:rPr>
+              <a:t>3.5 hours</a:t>
+            </a:r>
+            <a:endParaRPr lang="en-CA" dirty="0" smtClean="0">
+              <a:solidFill>
+                <a:srgbClr val="FF0000"/>
+              </a:solidFill>
+            </a:endParaRPr>
+          </a:p>
+          <a:p>
+            <a:pPr marL="0" indent="0">
+              <a:lnSpc>
+                <a:spcPct val="60000"/>
+              </a:lnSpc>
+              <a:buNone/>
+            </a:pPr>
+            <a:r>
+              <a:rPr lang="en-CA" dirty="0"/>
+              <a:t> </a:t>
+            </a:r>
+            <a:r>
+              <a:rPr lang="en-CA" dirty="0" smtClean="0"/>
+              <a:t>       2.3 Drive home – </a:t>
+            </a:r>
+            <a:r>
+              <a:rPr lang="en-CA" dirty="0" smtClean="0">
+                <a:solidFill>
+                  <a:srgbClr val="FF0000"/>
+                </a:solidFill>
+              </a:rPr>
+              <a:t>Carl </a:t>
+            </a:r>
+            <a:r>
+              <a:rPr lang="en-CA" dirty="0">
+                <a:solidFill>
+                  <a:srgbClr val="0070C0"/>
+                </a:solidFill>
+              </a:rPr>
+              <a:t>– </a:t>
+            </a:r>
+            <a:r>
+              <a:rPr lang="en-CA" dirty="0" smtClean="0">
+                <a:solidFill>
+                  <a:srgbClr val="0070C0"/>
+                </a:solidFill>
+              </a:rPr>
+              <a:t>1.5 hour</a:t>
+            </a:r>
+            <a:endParaRPr lang="en-CA" dirty="0" smtClean="0">
+              <a:solidFill>
+                <a:srgbClr val="FF0000"/>
+              </a:solidFill>
+            </a:endParaRPr>
+          </a:p>
+          <a:p>
+            <a:pPr marL="0" indent="0">
+              <a:lnSpc>
+                <a:spcPct val="60000"/>
+              </a:lnSpc>
+              <a:buNone/>
+            </a:pPr>
+            <a:r>
+              <a:rPr lang="en-CA" dirty="0"/>
+              <a:t> </a:t>
+            </a:r>
+            <a:r>
+              <a:rPr lang="en-CA" dirty="0" smtClean="0"/>
+              <a:t>   3.0 Finishing the Hike</a:t>
+            </a:r>
+          </a:p>
+          <a:p>
+            <a:pPr marL="0" indent="0">
+              <a:lnSpc>
+                <a:spcPct val="60000"/>
+              </a:lnSpc>
+              <a:buNone/>
+            </a:pPr>
+            <a:r>
+              <a:rPr lang="en-CA" dirty="0"/>
+              <a:t> </a:t>
+            </a:r>
+            <a:r>
+              <a:rPr lang="en-CA" dirty="0" smtClean="0"/>
+              <a:t>       3.1 Shower – </a:t>
+            </a:r>
+            <a:r>
+              <a:rPr lang="en-CA" dirty="0" smtClean="0">
+                <a:solidFill>
+                  <a:srgbClr val="FF0000"/>
+                </a:solidFill>
+              </a:rPr>
+              <a:t>Me </a:t>
+            </a:r>
+            <a:r>
+              <a:rPr lang="en-CA" dirty="0">
+                <a:solidFill>
+                  <a:srgbClr val="0070C0"/>
+                </a:solidFill>
+              </a:rPr>
+              <a:t>– </a:t>
+            </a:r>
+            <a:r>
+              <a:rPr lang="en-CA" dirty="0" smtClean="0">
+                <a:solidFill>
+                  <a:srgbClr val="0070C0"/>
+                </a:solidFill>
+              </a:rPr>
+              <a:t>30 </a:t>
+            </a:r>
+            <a:r>
+              <a:rPr lang="en-CA" dirty="0" err="1" smtClean="0">
+                <a:solidFill>
+                  <a:srgbClr val="0070C0"/>
+                </a:solidFill>
+              </a:rPr>
+              <a:t>mins</a:t>
+            </a:r>
+            <a:endParaRPr lang="en-CA" dirty="0" smtClean="0">
+              <a:solidFill>
+                <a:srgbClr val="FF0000"/>
+              </a:solidFill>
+            </a:endParaRPr>
+          </a:p>
+          <a:p>
+            <a:pPr marL="0" indent="0">
+              <a:lnSpc>
+                <a:spcPct val="60000"/>
+              </a:lnSpc>
+              <a:buNone/>
+            </a:pPr>
+            <a:r>
+              <a:rPr lang="en-CA" dirty="0"/>
+              <a:t> </a:t>
+            </a:r>
+            <a:r>
+              <a:rPr lang="en-CA" dirty="0" smtClean="0"/>
+              <a:t>       3.2 Wash Clothing – </a:t>
+            </a:r>
+            <a:r>
+              <a:rPr lang="en-CA" dirty="0" smtClean="0">
+                <a:solidFill>
+                  <a:srgbClr val="FF0000"/>
+                </a:solidFill>
+              </a:rPr>
+              <a:t>Me </a:t>
+            </a:r>
+            <a:r>
+              <a:rPr lang="en-CA" dirty="0">
+                <a:solidFill>
+                  <a:srgbClr val="0070C0"/>
+                </a:solidFill>
+              </a:rPr>
+              <a:t>– </a:t>
+            </a:r>
+            <a:r>
+              <a:rPr lang="en-CA" dirty="0" smtClean="0">
+                <a:solidFill>
+                  <a:srgbClr val="0070C0"/>
+                </a:solidFill>
+              </a:rPr>
+              <a:t>1.5 hours</a:t>
+            </a:r>
+            <a:endParaRPr lang="en-CA" dirty="0" smtClean="0">
+              <a:solidFill>
+                <a:srgbClr val="FF0000"/>
+              </a:solidFill>
+            </a:endParaRPr>
+          </a:p>
+          <a:p>
+            <a:pPr marL="0" indent="0">
+              <a:lnSpc>
+                <a:spcPct val="60000"/>
+              </a:lnSpc>
+              <a:buNone/>
+            </a:pPr>
+            <a:r>
+              <a:rPr lang="en-CA" dirty="0"/>
+              <a:t> </a:t>
+            </a:r>
+            <a:r>
+              <a:rPr lang="en-CA" dirty="0" smtClean="0"/>
+              <a:t>       3.3 Call mom – </a:t>
+            </a:r>
+            <a:r>
+              <a:rPr lang="en-CA" dirty="0" smtClean="0">
+                <a:solidFill>
+                  <a:srgbClr val="FF0000"/>
+                </a:solidFill>
+              </a:rPr>
+              <a:t>Me </a:t>
+            </a:r>
+            <a:r>
+              <a:rPr lang="en-CA" dirty="0">
+                <a:solidFill>
+                  <a:srgbClr val="0070C0"/>
+                </a:solidFill>
+              </a:rPr>
+              <a:t>– </a:t>
+            </a:r>
+            <a:r>
+              <a:rPr lang="en-CA" dirty="0" smtClean="0">
+                <a:solidFill>
+                  <a:srgbClr val="0070C0"/>
+                </a:solidFill>
+              </a:rPr>
+              <a:t>1 hour</a:t>
+            </a:r>
+            <a:endParaRPr lang="en-CA" dirty="0">
+              <a:solidFill>
+                <a:srgbClr val="0070C0"/>
+              </a:solidFill>
+            </a:endParaRPr>
+          </a:p>
+          <a:p>
+            <a:pPr marL="0" indent="0">
+              <a:lnSpc>
+                <a:spcPct val="60000"/>
+              </a:lnSpc>
+              <a:buNone/>
+            </a:pPr>
+            <a:endParaRPr lang="en-CA" dirty="0" smtClean="0">
+              <a:solidFill>
+                <a:srgbClr val="FF0000"/>
+              </a:solidFill>
+            </a:endParaRPr>
           </a:p>
         </p:txBody>
       </p:sp>
     </p:spTree>
     <p:extLst>
       <p:ext uri="{BB962C8B-B14F-4D97-AF65-F5344CB8AC3E}">
-        <p14:creationId xmlns:p14="http://schemas.microsoft.com/office/powerpoint/2010/main" val="4177726118"/>
+        <p14:creationId xmlns:p14="http://schemas.microsoft.com/office/powerpoint/2010/main" val="73453968"/>
       </p:ext>
     </p:extLst>
   </p:cSld>
   <p:clrMapOvr>
     <a:masterClrMapping/>
   </p:clrMapOvr>
-  <mc:AlternateContent xmlns:mc="http://schemas.openxmlformats.org/markup-compatibility/2006">
-    <mc:Choice xmlns:p14="http://schemas.microsoft.com/office/powerpoint/2010/main" Requires="p14">
+  <mc:AlternateContent xmlns:mc="http://schemas.openxmlformats.org/markup-compatibility/2006" xmlns:p14="http://schemas.microsoft.com/office/powerpoint/2010/main">
+    <mc:Choice Requires="p14">
       <p:transition spd="med" p14:dur="700">
         <p:fade/>
       </p:transition>
     </mc:Choice>
-    <mc:Fallback>
+    <mc:Fallback xmlns="">
       <p:transition spd="med">
         <p:fade/>
       </p:transition>
     </mc:Fallback>
   </mc:AlternateContent>
+  <p:timing>
+    <p:tnLst>
+      <p:par>
+        <p:cTn id="1" dur="indefinite" restart="never" nodeType="tmRoot"/>
+      </p:par>
+    </p:tnLst>
+  </p:timing>
 </p:sld>
 </file>
 
@@ -5716,69 +6336,16 @@
         </p:nvSpPr>
         <p:spPr/>
         <p:txBody>
-          <a:bodyPr>
-            <a:normAutofit/>
-          </a:bodyPr>
-          <a:lstStyle/>
-          <a:p>
-            <a:r>
-              <a:rPr lang="en-CA" sz="4400" dirty="0" smtClean="0"/>
-              <a:t>Example: Getting Patent Details</a:t>
-            </a:r>
-            <a:endParaRPr lang="en-CA" sz="4400" dirty="0"/>
-          </a:p>
-        </p:txBody>
-      </p:sp>
-      <p:sp>
-        <p:nvSpPr>
-          <p:cNvPr id="3" name="Content Placeholder 2"/>
-          <p:cNvSpPr>
-            <a:spLocks noGrp="1"/>
-          </p:cNvSpPr>
-          <p:nvPr>
-            <p:ph idx="1"/>
-          </p:nvPr>
-        </p:nvSpPr>
-        <p:spPr/>
-        <p:txBody>
-          <a:bodyPr>
-            <a:normAutofit/>
-          </a:bodyPr>
-          <a:lstStyle/>
-          <a:p>
-            <a:r>
-              <a:rPr lang="en-CA" sz="2800" b="1" u="sng" dirty="0" smtClean="0"/>
-              <a:t>USPTO Public Pair</a:t>
-            </a:r>
-            <a:endParaRPr lang="en-CA" sz="2800" b="1" u="sng" dirty="0"/>
-          </a:p>
-        </p:txBody>
-      </p:sp>
-      <p:sp>
-        <p:nvSpPr>
-          <p:cNvPr id="4" name="Rectangle 3"/>
-          <p:cNvSpPr/>
-          <p:nvPr/>
-        </p:nvSpPr>
-        <p:spPr>
-          <a:xfrm>
-            <a:off x="3707904" y="1845734"/>
-            <a:ext cx="5436096" cy="461665"/>
-          </a:xfrm>
-          <a:prstGeom prst="rect">
-            <a:avLst/>
-          </a:prstGeom>
-        </p:spPr>
-        <p:txBody>
-          <a:bodyPr wrap="square">
-            <a:spAutoFit/>
-          </a:bodyPr>
-          <a:lstStyle/>
-          <a:p>
-            <a:r>
-              <a:rPr lang="en-CA" dirty="0"/>
-              <a:t>http://portal.uspto.gov/pair/PublicPair</a:t>
-            </a:r>
+          <a:bodyPr/>
+          <a:lstStyle/>
+          <a:p>
+            <a:r>
+              <a:rPr lang="en-CA" dirty="0" smtClean="0">
+                <a:sym typeface="Wingdings" panose="05000000000000000000" pitchFamily="2" charset="2"/>
+              </a:rPr>
+              <a:t>Schedule</a:t>
+            </a:r>
+            <a:endParaRPr lang="en-CA" dirty="0"/>
           </a:p>
         </p:txBody>
       </p:sp>
@@ -5798,8 +6365,8 @@
         </p:blipFill>
         <p:spPr>
           <a:xfrm>
-            <a:off x="899592" y="2307399"/>
-            <a:ext cx="6388486" cy="4445826"/>
+            <a:off x="197192" y="1988840"/>
+            <a:ext cx="8795336" cy="3744416"/>
           </a:xfrm>
           <a:prstGeom prst="rect">
             <a:avLst/>
@@ -5809,25 +6376,32 @@
     </p:spTree>
     <p:extLst>
       <p:ext uri="{BB962C8B-B14F-4D97-AF65-F5344CB8AC3E}">
-        <p14:creationId xmlns:p14="http://schemas.microsoft.com/office/powerpoint/2010/main" val="901698148"/>
+        <p14:creationId xmlns:p14="http://schemas.microsoft.com/office/powerpoint/2010/main" val="689419386"/>
       </p:ext>
     </p:extLst>
   </p:cSld>
   <p:clrMapOvr>
     <a:masterClrMapping/>
   </p:clrMapOvr>
-  <mc:AlternateContent xmlns:mc="http://schemas.openxmlformats.org/markup-compatibility/2006">
-    <mc:Choice xmlns:p14="http://schemas.microsoft.com/office/powerpoint/2010/main" Requires="p14">
+  <mc:AlternateContent xmlns:mc="http://schemas.openxmlformats.org/markup-compatibility/2006" xmlns:p14="http://schemas.microsoft.com/office/powerpoint/2010/main">
+    <mc:Choice Requires="p14">
       <p:transition spd="med" p14:dur="700">
         <p:fade/>
       </p:transition>
     </mc:Choice>
-    <mc:Fallback>
+    <mc:Fallback xmlns="">
       <p:transition spd="med">
         <p:fade/>
       </p:transition>
     </mc:Fallback>
   </mc:AlternateContent>
+  <p:timing>
+    <p:tnLst>
+      <p:par>
+        <p:cTn id="1" dur="indefinite" restart="never" nodeType="tmRoot"/>
+      </p:par>
+    </p:tnLst>
+  </p:timing>
 </p:sld>
 </file>
 
@@ -5860,47 +6434,87 @@
         </p:nvSpPr>
         <p:spPr/>
         <p:txBody>
-          <a:bodyPr>
-            <a:normAutofit/>
-          </a:bodyPr>
-          <a:lstStyle/>
-          <a:p>
-            <a:r>
-              <a:rPr lang="en-CA" sz="4400" dirty="0" smtClean="0"/>
-              <a:t>Examples: Getting Patent Details</a:t>
-            </a:r>
-            <a:endParaRPr lang="en-CA" sz="4400" dirty="0"/>
-          </a:p>
-        </p:txBody>
-      </p:sp>
-      <p:pic>
-        <p:nvPicPr>
-          <p:cNvPr id="4" name="Picture 3"/>
-          <p:cNvPicPr>
-            <a:picLocks noChangeAspect="1"/>
-          </p:cNvPicPr>
-          <p:nvPr/>
-        </p:nvPicPr>
-        <p:blipFill>
-          <a:blip r:embed="rId2"/>
-          <a:stretch>
-            <a:fillRect/>
-          </a:stretch>
-        </p:blipFill>
-        <p:spPr>
-          <a:xfrm>
-            <a:off x="323528" y="1737361"/>
-            <a:ext cx="8322246" cy="4623470"/>
-          </a:xfrm>
-          <a:prstGeom prst="rect">
-            <a:avLst/>
-          </a:prstGeom>
-        </p:spPr>
-      </p:pic>
+          <a:bodyPr/>
+          <a:lstStyle/>
+          <a:p>
+            <a:r>
+              <a:rPr lang="en-CA" dirty="0" err="1" smtClean="0"/>
+              <a:t>Sidenote</a:t>
+            </a:r>
+            <a:r>
+              <a:rPr lang="en-CA" dirty="0" smtClean="0"/>
+              <a:t> on Making Gantt Charts</a:t>
+            </a:r>
+            <a:endParaRPr lang="en-CA" dirty="0"/>
+          </a:p>
+        </p:txBody>
+      </p:sp>
+      <p:sp>
+        <p:nvSpPr>
+          <p:cNvPr id="3" name="Content Placeholder 2"/>
+          <p:cNvSpPr>
+            <a:spLocks noGrp="1"/>
+          </p:cNvSpPr>
+          <p:nvPr>
+            <p:ph idx="1"/>
+          </p:nvPr>
+        </p:nvSpPr>
+        <p:spPr/>
+        <p:txBody>
+          <a:bodyPr/>
+          <a:lstStyle/>
+          <a:p>
+            <a:pPr>
+              <a:buFont typeface="Arial" panose="020B0604020202020204" pitchFamily="34" charset="0"/>
+              <a:buChar char="•"/>
+            </a:pPr>
+            <a:r>
+              <a:rPr lang="en-CA" dirty="0" smtClean="0"/>
+              <a:t>  Use free option such as </a:t>
+            </a:r>
+            <a:r>
+              <a:rPr lang="en-CA" dirty="0" err="1" smtClean="0"/>
+              <a:t>OpenProj</a:t>
+            </a:r>
+            <a:endParaRPr lang="en-CA" dirty="0" smtClean="0"/>
+          </a:p>
+          <a:p>
+            <a:pPr>
+              <a:buFont typeface="Arial" panose="020B0604020202020204" pitchFamily="34" charset="0"/>
+              <a:buChar char="•"/>
+            </a:pPr>
+            <a:r>
+              <a:rPr lang="en-CA" dirty="0" smtClean="0"/>
+              <a:t>  Simple </a:t>
+            </a:r>
+            <a:r>
+              <a:rPr lang="en-CA" dirty="0"/>
+              <a:t>online solutions (I used </a:t>
+            </a:r>
+            <a:r>
+              <a:rPr lang="en-CA" dirty="0">
+                <a:hlinkClick r:id="rId2"/>
+              </a:rPr>
+              <a:t>http://www.tomsplanner.com</a:t>
+            </a:r>
+            <a:r>
+              <a:rPr lang="en-CA" dirty="0" smtClean="0">
+                <a:hlinkClick r:id="rId2"/>
+              </a:rPr>
+              <a:t>/</a:t>
+            </a:r>
+            <a:r>
+              <a:rPr lang="en-CA" dirty="0" smtClean="0"/>
+              <a:t> for the previous slides, others available)</a:t>
+            </a:r>
+            <a:endParaRPr lang="en-CA" dirty="0"/>
+          </a:p>
+        </p:txBody>
+      </p:sp>
     </p:spTree>
     <p:extLst>
       <p:ext uri="{BB962C8B-B14F-4D97-AF65-F5344CB8AC3E}">
-        <p14:creationId xmlns:p14="http://schemas.microsoft.com/office/powerpoint/2010/main" val="573005154"/>
+        <p14:creationId xmlns:p14="http://schemas.microsoft.com/office/powerpoint/2010/main" val="1734395304"/>
       </p:ext>
     </p:extLst>
   </p:cSld>
@@ -5919,6 +6533,13 @@
       </p:transition>
     </mc:Fallback>
   </mc:AlternateContent>
+  <p:timing>
+    <p:tnLst>
+      <p:par>
+        <p:cTn id="1" dur="indefinite" restart="never" nodeType="tmRoot"/>
+      </p:par>
+    </p:tnLst>
+  </p:timing>
 </p:sld>
 </file>
 
@@ -5951,47 +6572,94 @@
         </p:nvSpPr>
         <p:spPr/>
         <p:txBody>
-          <a:bodyPr>
-            <a:normAutofit/>
-          </a:bodyPr>
-          <a:lstStyle/>
-          <a:p>
-            <a:r>
-              <a:rPr lang="en-CA" sz="4400" dirty="0" smtClean="0"/>
-              <a:t>Examples: Getting Patent Details</a:t>
-            </a:r>
-            <a:endParaRPr lang="en-CA" sz="4400" dirty="0"/>
+          <a:bodyPr/>
+          <a:lstStyle/>
+          <a:p>
+            <a:r>
+              <a:rPr lang="en-CA" dirty="0" smtClean="0"/>
+              <a:t>Critical Path</a:t>
+            </a:r>
+            <a:endParaRPr lang="en-CA" dirty="0"/>
           </a:p>
         </p:txBody>
       </p:sp>
       <p:pic>
         <p:nvPicPr>
-          <p:cNvPr id="4" name="Picture 3"/>
+          <p:cNvPr id="3074" name="Picture 2" descr="http://upload.wikimedia.org/wikipedia/en/7/73/Pert_example_gantt_chart.gif"/>
           <p:cNvPicPr>
-            <a:picLocks noChangeAspect="1"/>
+            <a:picLocks noChangeAspect="1" noChangeArrowheads="1"/>
           </p:cNvPicPr>
           <p:nvPr/>
         </p:nvPicPr>
         <p:blipFill>
-          <a:blip r:embed="rId2"/>
+          <a:blip r:embed="rId2">
+            <a:extLst>
+              <a:ext uri="{28A0092B-C50C-407E-A947-70E740481C1C}">
+                <a14:useLocalDpi xmlns:a14="http://schemas.microsoft.com/office/drawing/2010/main" val="0"/>
+              </a:ext>
+            </a:extLst>
+          </a:blip>
+          <a:srcRect/>
           <a:stretch>
             <a:fillRect/>
           </a:stretch>
         </p:blipFill>
+        <p:spPr bwMode="auto">
+          <a:xfrm>
+            <a:off x="908685" y="2132856"/>
+            <a:ext cx="7372350" cy="1695451"/>
+          </a:xfrm>
+          <a:prstGeom prst="rect">
+            <a:avLst/>
+          </a:prstGeom>
+          <a:noFill/>
+          <a:extLst>
+            <a:ext uri="{909E8E84-426E-40DD-AFC4-6F175D3DCCD1}">
+              <a14:hiddenFill xmlns:a14="http://schemas.microsoft.com/office/drawing/2010/main">
+                <a:solidFill>
+                  <a:srgbClr val="FFFFFF"/>
+                </a:solidFill>
+              </a14:hiddenFill>
+            </a:ext>
+          </a:extLst>
+        </p:spPr>
+      </p:pic>
+      <p:sp>
+        <p:nvSpPr>
+          <p:cNvPr id="4" name="Rectangle 3"/>
+          <p:cNvSpPr/>
+          <p:nvPr/>
+        </p:nvSpPr>
         <p:spPr>
           <a:xfrm>
-            <a:off x="1137285" y="1988840"/>
-            <a:ext cx="6915150" cy="3676650"/>
+            <a:off x="908685" y="5805264"/>
+            <a:ext cx="8919899" cy="276999"/>
           </a:xfrm>
           <a:prstGeom prst="rect">
             <a:avLst/>
           </a:prstGeom>
         </p:spPr>
-      </p:pic>
+        <p:txBody>
+          <a:bodyPr wrap="square">
+            <a:spAutoFit/>
+          </a:bodyPr>
+          <a:lstStyle/>
+          <a:p>
+            <a:r>
+              <a:rPr lang="en-CA" sz="1200" dirty="0" smtClean="0"/>
+              <a:t>Source: http</a:t>
+            </a:r>
+            <a:r>
+              <a:rPr lang="en-CA" sz="1200" dirty="0"/>
+              <a:t>://en.wikipedia.org/wiki/Gantt_chart</a:t>
+            </a:r>
+          </a:p>
+        </p:txBody>
+      </p:sp>
     </p:spTree>
     <p:extLst>
       <p:ext uri="{BB962C8B-B14F-4D97-AF65-F5344CB8AC3E}">
-        <p14:creationId xmlns:p14="http://schemas.microsoft.com/office/powerpoint/2010/main" val="3064192994"/>
+        <p14:creationId xmlns:p14="http://schemas.microsoft.com/office/powerpoint/2010/main" val="2053272148"/>
       </p:ext>
     </p:extLst>
   </p:cSld>
@@ -6010,6 +6678,13 @@
       </p:transition>
     </mc:Fallback>
   </mc:AlternateContent>
+  <p:timing>
+    <p:tnLst>
+      <p:par>
+        <p:cTn id="1" dur="indefinite" restart="never" nodeType="tmRoot"/>
+      </p:par>
+    </p:tnLst>
+  </p:timing>
 </p:sld>
 </file>
 
@@ -6047,7 +6722,7 @@
           <a:p>
             <a:r>
               <a:rPr lang="en-CA" dirty="0" smtClean="0"/>
-              <a:t>Checking Patent Status</a:t>
+              <a:t>Scheduling Notes</a:t>
             </a:r>
             <a:endParaRPr lang="en-CA" dirty="0"/>
           </a:p>
@@ -6068,62 +6743,75 @@
           <a:bodyPr/>
           <a:lstStyle/>
           <a:p>
-            <a:endParaRPr lang="en-CA"/>
-          </a:p>
-        </p:txBody>
-      </p:sp>
-      <p:sp>
-        <p:nvSpPr>
-          <p:cNvPr id="4" name="TextBox 3"/>
-          <p:cNvSpPr txBox="1"/>
-          <p:nvPr/>
-        </p:nvSpPr>
-        <p:spPr>
-          <a:xfrm>
-            <a:off x="683568" y="5746634"/>
-            <a:ext cx="8712968" cy="461665"/>
-          </a:xfrm>
-          <a:prstGeom prst="rect">
-            <a:avLst/>
-          </a:prstGeom>
-          <a:noFill/>
-        </p:spPr>
-        <p:txBody>
-          <a:bodyPr wrap="square" rtlCol="0">
-            <a:spAutoFit/>
-          </a:bodyPr>
-          <a:lstStyle/>
-          <a:p>
-            <a:r>
-              <a:rPr lang="en-CA" b="1" dirty="0" smtClean="0"/>
-              <a:t>**THIS IS NOT LEGAL ADVICE. I AM NOT A LAWYER.**</a:t>
-            </a:r>
-            <a:endParaRPr lang="en-CA" b="1" dirty="0"/>
+            <a:pPr marL="457200" indent="-457200">
+              <a:buFont typeface="+mj-lt"/>
+              <a:buAutoNum type="arabicPeriod"/>
+            </a:pPr>
+            <a:r>
+              <a:rPr lang="en-CA" dirty="0" smtClean="0"/>
+              <a:t>Your first schedules will be </a:t>
+            </a:r>
+            <a:r>
+              <a:rPr lang="en-CA" i="1" dirty="0" smtClean="0"/>
+              <a:t>horribly</a:t>
+            </a:r>
+            <a:r>
+              <a:rPr lang="en-CA" dirty="0" smtClean="0"/>
+              <a:t> wrong</a:t>
+            </a:r>
+          </a:p>
+          <a:p>
+            <a:pPr marL="457200" indent="-457200">
+              <a:buFont typeface="+mj-lt"/>
+              <a:buAutoNum type="arabicPeriod"/>
+            </a:pPr>
+            <a:r>
+              <a:rPr lang="en-CA" dirty="0" smtClean="0"/>
+              <a:t>Accept this, LEARN, and use it to improve future schedules</a:t>
+            </a:r>
+          </a:p>
+          <a:p>
+            <a:pPr marL="457200" indent="-457200">
+              <a:buFont typeface="+mj-lt"/>
+              <a:buAutoNum type="arabicPeriod"/>
+            </a:pPr>
+            <a:r>
+              <a:rPr lang="en-CA" dirty="0" smtClean="0"/>
+              <a:t>Consider scheduling for your robot – will be a big part of the plan</a:t>
+            </a:r>
+            <a:endParaRPr lang="en-CA" dirty="0"/>
           </a:p>
         </p:txBody>
       </p:sp>
     </p:spTree>
     <p:extLst>
       <p:ext uri="{BB962C8B-B14F-4D97-AF65-F5344CB8AC3E}">
-        <p14:creationId xmlns:p14="http://schemas.microsoft.com/office/powerpoint/2010/main" val="2880983621"/>
+        <p14:creationId xmlns:p14="http://schemas.microsoft.com/office/powerpoint/2010/main" val="2793770892"/>
       </p:ext>
     </p:extLst>
   </p:cSld>
   <p:clrMapOvr>
     <a:masterClrMapping/>
   </p:clrMapOvr>
-  <mc:AlternateContent xmlns:mc="http://schemas.openxmlformats.org/markup-compatibility/2006" xmlns:p14="http://schemas.microsoft.com/office/powerpoint/2010/main">
-    <mc:Choice Requires="p14">
+  <mc:AlternateContent xmlns:mc="http://schemas.openxmlformats.org/markup-compatibility/2006">
+    <mc:Choice xmlns:p14="http://schemas.microsoft.com/office/powerpoint/2010/main" Requires="p14">
       <p:transition spd="med" p14:dur="700">
         <p:fade/>
       </p:transition>
     </mc:Choice>
-    <mc:Fallback xmlns="">
+    <mc:Fallback>
       <p:transition spd="med">
         <p:fade/>
       </p:transition>
     </mc:Fallback>
   </mc:AlternateContent>
+  <p:timing>
+    <p:tnLst>
+      <p:par>
+        <p:cTn id="1" dur="indefinite" restart="never" nodeType="tmRoot"/>
+      </p:par>
+    </p:tnLst>
+  </p:timing>
 </p:sld>
 </file>
 
@@ -6161,7 +6849,7 @@
           <a:p>
             <a:r>
               <a:rPr lang="en-CA" dirty="0" smtClean="0"/>
-              <a:t>EMC/Safety Tests</a:t>
+              <a:t>Patents</a:t>
             </a:r>
             <a:endParaRPr lang="en-CA" dirty="0"/>
           </a:p>
@@ -6183,13 +6871,43 @@
           <a:lstStyle/>
           <a:p>
             <a:endParaRPr lang="en-CA"/>
+          </a:p>
+        </p:txBody>
+      </p:sp>
+      <p:sp>
+        <p:nvSpPr>
+          <p:cNvPr id="6" name="TextBox 5"/>
+          <p:cNvSpPr txBox="1"/>
+          <p:nvPr/>
+        </p:nvSpPr>
+        <p:spPr>
+          <a:xfrm>
+            <a:off x="683568" y="5746634"/>
+            <a:ext cx="8712968" cy="461665"/>
+          </a:xfrm>
+          <a:prstGeom prst="rect">
+            <a:avLst/>
+          </a:prstGeom>
+          <a:noFill/>
+        </p:spPr>
+        <p:txBody>
+          <a:bodyPr wrap="square" rtlCol="0">
+            <a:spAutoFit/>
+          </a:bodyPr>
+          <a:lstStyle/>
+          <a:p>
+            <a:r>
+              <a:rPr lang="en-CA" b="1" dirty="0" smtClean="0"/>
+              <a:t>**THIS IS NOT LEGAL ADVICE. I AM NOT A LAWYER.**</a:t>
+            </a:r>
+            <a:endParaRPr lang="en-CA" b="1" dirty="0"/>
           </a:p>
         </p:txBody>
       </p:sp>
     </p:spTree>
     <p:extLst>
       <p:ext uri="{BB962C8B-B14F-4D97-AF65-F5344CB8AC3E}">
-        <p14:creationId xmlns:p14="http://schemas.microsoft.com/office/powerpoint/2010/main" val="46303190"/>
+        <p14:creationId xmlns:p14="http://schemas.microsoft.com/office/powerpoint/2010/main" val="4208771709"/>
       </p:ext>
     </p:extLst>
   </p:cSld>
@@ -6208,6 +6926,13 @@
       </p:transition>
     </mc:Fallback>
   </mc:AlternateContent>
+  <p:timing>
+    <p:tnLst>
+      <p:par>
+        <p:cTn id="1" dur="indefinite" restart="never" nodeType="tmRoot"/>
+      </p:par>
+    </p:tnLst>
+  </p:timing>
 </p:sld>
 </file>
 
@@ -6301,6 +7026,30 @@
             <a:r>
               <a:rPr lang="en-CA" dirty="0"/>
               <a:t> </a:t>
+            </a:r>
+            <a:r>
+              <a:rPr lang="en-CA" dirty="0" smtClean="0"/>
+              <a:t>Issues hampering your project:</a:t>
+            </a:r>
+          </a:p>
+          <a:p>
+            <a:pPr lvl="1">
+              <a:buFont typeface="Arial" panose="020B0604020202020204" pitchFamily="34" charset="0"/>
+              <a:buChar char="•"/>
+            </a:pPr>
+            <a:r>
+              <a:rPr lang="en-CA" dirty="0" smtClean="0"/>
+              <a:t>Legal</a:t>
+            </a:r>
+          </a:p>
+          <a:p>
+            <a:pPr lvl="1">
+              <a:buFont typeface="Arial" panose="020B0604020202020204" pitchFamily="34" charset="0"/>
+              <a:buChar char="•"/>
+            </a:pPr>
+            <a:r>
+              <a:rPr lang="en-CA" dirty="0" smtClean="0"/>
+              <a:t>Compliance</a:t>
             </a:r>
             <a:endParaRPr lang="en-CA" dirty="0" smtClean="0"/>
           </a:p>
@@ -6372,7 +7121,7 @@
           <a:p>
             <a:r>
               <a:rPr lang="en-CA" dirty="0" smtClean="0"/>
-              <a:t>EMC Testing (Intentional Radiators)</a:t>
+              <a:t>Patents</a:t>
             </a:r>
             <a:endParaRPr lang="en-CA" dirty="0"/>
           </a:p>
@@ -6390,17 +7139,151 @@
         </p:nvSpPr>
         <p:spPr/>
         <p:txBody>
-          <a:bodyPr/>
-          <a:lstStyle/>
-          <a:p>
-            <a:endParaRPr lang="en-CA"/>
+          <a:bodyPr>
+            <a:normAutofit lnSpcReduction="10000"/>
+          </a:bodyPr>
+          <a:lstStyle/>
+          <a:p>
+            <a:pPr>
+              <a:buFont typeface="Arial" panose="020B0604020202020204" pitchFamily="34" charset="0"/>
+              <a:buChar char="•"/>
+            </a:pPr>
+            <a:r>
+              <a:rPr lang="en-CA" dirty="0"/>
+              <a:t> </a:t>
+            </a:r>
+            <a:r>
+              <a:rPr lang="en-CA" dirty="0" smtClean="0"/>
+              <a:t>Prevents someone else from selling a device which ‘infringes’ on your claims</a:t>
+            </a:r>
+          </a:p>
+          <a:p>
+            <a:pPr>
+              <a:buFont typeface="Arial" panose="020B0604020202020204" pitchFamily="34" charset="0"/>
+              <a:buChar char="•"/>
+            </a:pPr>
+            <a:r>
+              <a:rPr lang="en-CA" dirty="0"/>
+              <a:t> </a:t>
+            </a:r>
+            <a:r>
+              <a:rPr lang="en-CA" dirty="0" smtClean="0"/>
+              <a:t>Is *NOT* a license to sell the device, is possible your device still infringes on someone else's patent</a:t>
+            </a:r>
+          </a:p>
+          <a:p>
+            <a:pPr>
+              <a:buFont typeface="Arial" panose="020B0604020202020204" pitchFamily="34" charset="0"/>
+              <a:buChar char="•"/>
+            </a:pPr>
+            <a:r>
+              <a:rPr lang="en-CA" dirty="0"/>
+              <a:t> </a:t>
+            </a:r>
+            <a:r>
+              <a:rPr lang="en-CA" dirty="0" smtClean="0"/>
+              <a:t>Only enforceable in geographic area issued in (i.e. US, Canada, UK, China, etc.)</a:t>
+            </a:r>
+          </a:p>
+          <a:p>
+            <a:pPr>
+              <a:buFont typeface="Arial" panose="020B0604020202020204" pitchFamily="34" charset="0"/>
+              <a:buChar char="•"/>
+            </a:pPr>
+            <a:r>
+              <a:rPr lang="en-CA" dirty="0"/>
+              <a:t> </a:t>
+            </a:r>
+            <a:r>
+              <a:rPr lang="en-CA" dirty="0" smtClean="0"/>
+              <a:t>A patent is effectively </a:t>
+            </a:r>
+            <a:r>
+              <a:rPr lang="en-CA" b="1" dirty="0" smtClean="0"/>
+              <a:t>a legal proceeding</a:t>
+            </a:r>
+          </a:p>
+          <a:p>
+            <a:pPr marL="0" indent="0">
+              <a:buNone/>
+            </a:pPr>
+            <a:endParaRPr lang="en-CA" dirty="0" smtClean="0"/>
+          </a:p>
+          <a:p>
+            <a:pPr lvl="1">
+              <a:buFont typeface="Arial" panose="020B0604020202020204" pitchFamily="34" charset="0"/>
+              <a:buChar char="•"/>
+            </a:pPr>
+            <a:r>
+              <a:rPr lang="en-CA" dirty="0" smtClean="0"/>
+              <a:t>The patent office (and later possibly a third party) is using standard legal procedure to reach a ‘verdict’</a:t>
+            </a:r>
+          </a:p>
+          <a:p>
+            <a:pPr marL="201168" lvl="1" indent="0">
+              <a:buNone/>
+            </a:pPr>
+            <a:endParaRPr lang="en-CA" dirty="0" smtClean="0"/>
+          </a:p>
+          <a:p>
+            <a:pPr lvl="1">
+              <a:buFont typeface="Arial" panose="020B0604020202020204" pitchFamily="34" charset="0"/>
+              <a:buChar char="•"/>
+            </a:pPr>
+            <a:r>
+              <a:rPr lang="en-CA" dirty="0" smtClean="0"/>
+              <a:t>Your initial claims that will be </a:t>
+            </a:r>
+            <a:r>
+              <a:rPr lang="en-CA" b="1" dirty="0" smtClean="0"/>
+              <a:t>examined</a:t>
+            </a:r>
+            <a:r>
+              <a:rPr lang="en-CA" dirty="0" smtClean="0"/>
+              <a:t> are your </a:t>
+            </a:r>
+            <a:r>
+              <a:rPr lang="en-CA" b="1" dirty="0" smtClean="0"/>
+              <a:t>patent application</a:t>
+            </a:r>
+            <a:endParaRPr lang="en-CA" b="1" dirty="0"/>
+          </a:p>
+        </p:txBody>
+      </p:sp>
+      <p:sp>
+        <p:nvSpPr>
+          <p:cNvPr id="4" name="TextBox 3"/>
+          <p:cNvSpPr txBox="1"/>
+          <p:nvPr/>
+        </p:nvSpPr>
+        <p:spPr>
+          <a:xfrm>
+            <a:off x="683568" y="5746634"/>
+            <a:ext cx="8712968" cy="461665"/>
+          </a:xfrm>
+          <a:prstGeom prst="rect">
+            <a:avLst/>
+          </a:prstGeom>
+          <a:noFill/>
+        </p:spPr>
+        <p:txBody>
+          <a:bodyPr wrap="square" rtlCol="0">
+            <a:spAutoFit/>
+          </a:bodyPr>
+          <a:lstStyle/>
+          <a:p>
+            <a:r>
+              <a:rPr lang="en-CA" b="1" dirty="0" smtClean="0"/>
+              <a:t>**THIS IS NOT LEGAL ADVICE. I AM NOT A LAWYER.**</a:t>
+            </a:r>
+            <a:endParaRPr lang="en-CA" b="1" dirty="0"/>
           </a:p>
         </p:txBody>
       </p:sp>
     </p:spTree>
     <p:extLst>
       <p:ext uri="{BB962C8B-B14F-4D97-AF65-F5344CB8AC3E}">
-        <p14:creationId xmlns:p14="http://schemas.microsoft.com/office/powerpoint/2010/main" val="4100449664"/>
+        <p14:creationId xmlns:p14="http://schemas.microsoft.com/office/powerpoint/2010/main" val="836915073"/>
       </p:ext>
     </p:extLst>
   </p:cSld>
@@ -6419,6 +7302,13 @@
       </p:transition>
     </mc:Fallback>
   </mc:AlternateContent>
+  <p:timing>
+    <p:tnLst>
+      <p:par>
+        <p:cTn id="1" dur="indefinite" restart="never" nodeType="tmRoot"/>
+      </p:par>
+    </p:tnLst>
+  </p:timing>
 </p:sld>
 </file>
 
@@ -6456,7 +7346,7 @@
           <a:p>
             <a:r>
               <a:rPr lang="en-CA" dirty="0" smtClean="0"/>
-              <a:t>EMC Testing (unintentional radiator)</a:t>
+              <a:t>Reading a Patent</a:t>
             </a:r>
             <a:endParaRPr lang="en-CA" dirty="0"/>
           </a:p>
@@ -6477,14 +7367,105 @@
           <a:bodyPr/>
           <a:lstStyle/>
           <a:p>
-            <a:endParaRPr lang="en-CA"/>
+            <a:r>
+              <a:rPr lang="en-CA" dirty="0" smtClean="0"/>
+              <a:t>Important Sections:</a:t>
+            </a:r>
+          </a:p>
+          <a:p>
+            <a:r>
+              <a:rPr lang="en-CA" dirty="0" smtClean="0"/>
+              <a:t>1) Claims</a:t>
+            </a:r>
+          </a:p>
+          <a:p>
+            <a:r>
+              <a:rPr lang="en-CA" dirty="0" smtClean="0"/>
+              <a:t>2) Everything else</a:t>
+            </a:r>
+          </a:p>
+          <a:p>
+            <a:endParaRPr lang="en-CA" dirty="0"/>
+          </a:p>
+          <a:p>
+            <a:r>
+              <a:rPr lang="en-CA" dirty="0" smtClean="0"/>
+              <a:t>The ‘Claims’ is </a:t>
+            </a:r>
+            <a:r>
+              <a:rPr lang="en-CA" u="sng" dirty="0" smtClean="0"/>
+              <a:t>solely</a:t>
+            </a:r>
+            <a:r>
+              <a:rPr lang="en-CA" dirty="0" smtClean="0"/>
+              <a:t> what is claimed as the </a:t>
+            </a:r>
+            <a:r>
+              <a:rPr lang="en-CA" u="sng" dirty="0" smtClean="0"/>
+              <a:t>innovative material</a:t>
+            </a:r>
+            <a:r>
+              <a:rPr lang="en-CA" dirty="0" smtClean="0"/>
+              <a:t>.</a:t>
+            </a:r>
+          </a:p>
+          <a:p>
+            <a:r>
+              <a:rPr lang="en-CA" dirty="0" smtClean="0"/>
+              <a:t>The ‘Specification’ must detail how it works etc., and can restrict the claims. However lots of material written in the specification may be well-known already. </a:t>
+            </a:r>
+          </a:p>
+          <a:p>
+            <a:r>
+              <a:rPr lang="en-CA" dirty="0" smtClean="0"/>
+              <a:t>Prior art must read on the </a:t>
+            </a:r>
+            <a:r>
+              <a:rPr lang="en-CA" u="sng" dirty="0" smtClean="0"/>
+              <a:t>claims</a:t>
+            </a:r>
+            <a:r>
+              <a:rPr lang="en-CA" dirty="0" smtClean="0"/>
+              <a:t>.</a:t>
+            </a:r>
+            <a:endParaRPr lang="en-CA" dirty="0"/>
+          </a:p>
+        </p:txBody>
+      </p:sp>
+      <p:sp>
+        <p:nvSpPr>
+          <p:cNvPr id="4" name="TextBox 3"/>
+          <p:cNvSpPr txBox="1"/>
+          <p:nvPr/>
+        </p:nvSpPr>
+        <p:spPr>
+          <a:xfrm>
+            <a:off x="683568" y="5746634"/>
+            <a:ext cx="8712968" cy="461665"/>
+          </a:xfrm>
+          <a:prstGeom prst="rect">
+            <a:avLst/>
+          </a:prstGeom>
+          <a:noFill/>
+        </p:spPr>
+        <p:txBody>
+          <a:bodyPr wrap="square" rtlCol="0">
+            <a:spAutoFit/>
+          </a:bodyPr>
+          <a:lstStyle/>
+          <a:p>
+            <a:r>
+              <a:rPr lang="en-CA" b="1" dirty="0" smtClean="0"/>
+              <a:t>**THIS IS NOT LEGAL ADVICE. I AM NOT A LAWYER.**</a:t>
+            </a:r>
+            <a:endParaRPr lang="en-CA" b="1" dirty="0"/>
           </a:p>
         </p:txBody>
       </p:sp>
     </p:spTree>
     <p:extLst>
       <p:ext uri="{BB962C8B-B14F-4D97-AF65-F5344CB8AC3E}">
-        <p14:creationId xmlns:p14="http://schemas.microsoft.com/office/powerpoint/2010/main" val="2822345613"/>
+        <p14:creationId xmlns:p14="http://schemas.microsoft.com/office/powerpoint/2010/main" val="2204433833"/>
       </p:ext>
     </p:extLst>
   </p:cSld>
@@ -6503,6 +7484,13 @@
       </p:transition>
     </mc:Fallback>
   </mc:AlternateContent>
+  <p:timing>
+    <p:tnLst>
+      <p:par>
+        <p:cTn id="1" dur="indefinite" restart="never" nodeType="tmRoot"/>
+      </p:par>
+    </p:tnLst>
+  </p:timing>
 </p:sld>
 </file>
 
@@ -6540,7 +7528,7 @@
           <a:p>
             <a:r>
               <a:rPr lang="en-CA" dirty="0" smtClean="0"/>
-              <a:t>UL/Other Requirements</a:t>
+              <a:t>Patent Application</a:t>
             </a:r>
             <a:endParaRPr lang="en-CA" dirty="0"/>
           </a:p>
@@ -6558,17 +7546,64 @@
         </p:nvSpPr>
         <p:spPr/>
         <p:txBody>
-          <a:bodyPr/>
-          <a:lstStyle/>
-          <a:p>
-            <a:endParaRPr lang="en-CA"/>
+          <a:bodyPr>
+            <a:normAutofit/>
+          </a:bodyPr>
+          <a:lstStyle/>
+          <a:p>
+            <a:pPr algn="ctr"/>
+            <a:endParaRPr lang="en-CA" sz="3600" b="1" dirty="0" smtClean="0"/>
+          </a:p>
+          <a:p>
+            <a:pPr marL="0" indent="0" algn="ctr">
+              <a:buNone/>
+            </a:pPr>
+            <a:endParaRPr lang="en-CA" sz="3600" b="1" dirty="0"/>
+          </a:p>
+          <a:p>
+            <a:pPr algn="ctr"/>
+            <a:r>
+              <a:rPr lang="en-CA" sz="3600" b="1" u="sng" dirty="0" smtClean="0"/>
+              <a:t>A patent application IS NOT a patent</a:t>
+            </a:r>
+            <a:endParaRPr lang="en-CA" sz="3600" b="1" u="sng" dirty="0"/>
+          </a:p>
+        </p:txBody>
+      </p:sp>
+      <p:sp>
+        <p:nvSpPr>
+          <p:cNvPr id="4" name="TextBox 3"/>
+          <p:cNvSpPr txBox="1"/>
+          <p:nvPr/>
+        </p:nvSpPr>
+        <p:spPr>
+          <a:xfrm>
+            <a:off x="683568" y="5746634"/>
+            <a:ext cx="8712968" cy="461665"/>
+          </a:xfrm>
+          <a:prstGeom prst="rect">
+            <a:avLst/>
+          </a:prstGeom>
+          <a:noFill/>
+        </p:spPr>
+        <p:txBody>
+          <a:bodyPr wrap="square" rtlCol="0">
+            <a:spAutoFit/>
+          </a:bodyPr>
+          <a:lstStyle/>
+          <a:p>
+            <a:r>
+              <a:rPr lang="en-CA" b="1" dirty="0" smtClean="0"/>
+              <a:t>**THIS IS NOT LEGAL ADVICE. I AM NOT A LAWYER.**</a:t>
+            </a:r>
+            <a:endParaRPr lang="en-CA" b="1" dirty="0"/>
           </a:p>
         </p:txBody>
       </p:sp>
     </p:spTree>
     <p:extLst>
       <p:ext uri="{BB962C8B-B14F-4D97-AF65-F5344CB8AC3E}">
-        <p14:creationId xmlns:p14="http://schemas.microsoft.com/office/powerpoint/2010/main" val="3024624318"/>
+        <p14:creationId xmlns:p14="http://schemas.microsoft.com/office/powerpoint/2010/main" val="2032845611"/>
       </p:ext>
     </p:extLst>
   </p:cSld>
@@ -6587,6 +7622,13 @@
       </p:transition>
     </mc:Fallback>
   </mc:AlternateContent>
+  <p:timing>
+    <p:tnLst>
+      <p:par>
+        <p:cTn id="1" dur="indefinite" restart="never" nodeType="tmRoot"/>
+      </p:par>
+    </p:tnLst>
+  </p:timing>
 </p:sld>
 </file>
 
@@ -6624,7 +7666,7 @@
           <a:p>
             <a:r>
               <a:rPr lang="en-CA" dirty="0" smtClean="0"/>
-              <a:t>Resources </a:t>
+              <a:t>Patent Application</a:t>
             </a:r>
             <a:endParaRPr lang="en-CA" dirty="0"/>
           </a:p>
@@ -6645,14 +7687,105 @@
           <a:bodyPr/>
           <a:lstStyle/>
           <a:p>
-            <a:endParaRPr lang="en-CA"/>
+            <a:pPr>
+              <a:buFont typeface="Arial" panose="020B0604020202020204" pitchFamily="34" charset="0"/>
+              <a:buChar char="•"/>
+            </a:pPr>
+            <a:r>
+              <a:rPr lang="en-CA" dirty="0" smtClean="0"/>
+              <a:t> Patent Application = I have $400 USD. </a:t>
+            </a:r>
+            <a:r>
+              <a:rPr lang="en-CA" u="sng" dirty="0" smtClean="0"/>
+              <a:t>That is all it means.</a:t>
+            </a:r>
+          </a:p>
+          <a:p>
+            <a:pPr>
+              <a:buFont typeface="Arial" panose="020B0604020202020204" pitchFamily="34" charset="0"/>
+              <a:buChar char="•"/>
+            </a:pPr>
+            <a:r>
+              <a:rPr lang="en-CA" dirty="0"/>
+              <a:t> </a:t>
+            </a:r>
+            <a:r>
+              <a:rPr lang="en-CA" dirty="0" smtClean="0"/>
+              <a:t>A patent application that is </a:t>
+            </a:r>
+            <a:r>
+              <a:rPr lang="en-CA" i="1" dirty="0" smtClean="0"/>
+              <a:t>fairly likely to be enforceable</a:t>
+            </a:r>
+            <a:r>
+              <a:rPr lang="en-CA" dirty="0" smtClean="0"/>
+              <a:t> is &gt;$5 000 normally</a:t>
+            </a:r>
+          </a:p>
+          <a:p>
+            <a:pPr>
+              <a:buFont typeface="Arial" panose="020B0604020202020204" pitchFamily="34" charset="0"/>
+              <a:buChar char="•"/>
+            </a:pPr>
+            <a:r>
+              <a:rPr lang="en-CA" dirty="0"/>
+              <a:t> </a:t>
+            </a:r>
+            <a:r>
+              <a:rPr lang="en-CA" dirty="0" smtClean="0"/>
+              <a:t>Defending a patent can easily cost &gt; $50 000, after which point it has more value</a:t>
+            </a:r>
+          </a:p>
+          <a:p>
+            <a:pPr>
+              <a:buFont typeface="Arial" panose="020B0604020202020204" pitchFamily="34" charset="0"/>
+              <a:buChar char="•"/>
+            </a:pPr>
+            <a:r>
+              <a:rPr lang="en-CA" dirty="0"/>
+              <a:t> </a:t>
+            </a:r>
+            <a:r>
+              <a:rPr lang="en-CA" dirty="0" smtClean="0"/>
+              <a:t>Failures in the original application might mean someone can easily circumvent your patent, lets see some examples:</a:t>
+            </a:r>
+          </a:p>
+        </p:txBody>
+      </p:sp>
+      <p:sp>
+        <p:nvSpPr>
+          <p:cNvPr id="4" name="TextBox 3"/>
+          <p:cNvSpPr txBox="1"/>
+          <p:nvPr/>
+        </p:nvSpPr>
+        <p:spPr>
+          <a:xfrm>
+            <a:off x="683568" y="5746634"/>
+            <a:ext cx="8712968" cy="461665"/>
+          </a:xfrm>
+          <a:prstGeom prst="rect">
+            <a:avLst/>
+          </a:prstGeom>
+          <a:noFill/>
+        </p:spPr>
+        <p:txBody>
+          <a:bodyPr wrap="square" rtlCol="0">
+            <a:spAutoFit/>
+          </a:bodyPr>
+          <a:lstStyle/>
+          <a:p>
+            <a:r>
+              <a:rPr lang="en-CA" b="1" dirty="0" smtClean="0"/>
+              <a:t>**THIS IS NOT LEGAL ADVICE. I AM NOT A LAWYER.**</a:t>
+            </a:r>
+            <a:endParaRPr lang="en-CA" b="1" dirty="0"/>
           </a:p>
         </p:txBody>
       </p:sp>
     </p:spTree>
     <p:extLst>
       <p:ext uri="{BB962C8B-B14F-4D97-AF65-F5344CB8AC3E}">
-        <p14:creationId xmlns:p14="http://schemas.microsoft.com/office/powerpoint/2010/main" val="4042350749"/>
+        <p14:creationId xmlns:p14="http://schemas.microsoft.com/office/powerpoint/2010/main" val="567940428"/>
       </p:ext>
     </p:extLst>
   </p:cSld>
@@ -6671,6 +7804,13 @@
       </p:transition>
     </mc:Fallback>
   </mc:AlternateContent>
+  <p:timing>
+    <p:tnLst>
+      <p:par>
+        <p:cTn id="1" dur="indefinite" restart="never" nodeType="tmRoot"/>
+      </p:par>
+    </p:tnLst>
+  </p:timing>
 </p:sld>
 </file>
 
@@ -6708,12 +7848,186 @@
           <a:p>
             <a:r>
               <a:rPr lang="en-CA" dirty="0" smtClean="0"/>
-              <a:t>Summary</a:t>
+              <a:t>Example: Looking up a Patent</a:t>
             </a:r>
             <a:endParaRPr lang="en-CA" dirty="0"/>
           </a:p>
         </p:txBody>
       </p:sp>
+      <p:pic>
+        <p:nvPicPr>
+          <p:cNvPr id="4" name="Picture 3"/>
+          <p:cNvPicPr>
+            <a:picLocks noChangeAspect="1"/>
+          </p:cNvPicPr>
+          <p:nvPr/>
+        </p:nvPicPr>
+        <p:blipFill>
+          <a:blip r:embed="rId2"/>
+          <a:stretch>
+            <a:fillRect/>
+          </a:stretch>
+        </p:blipFill>
+        <p:spPr>
+          <a:xfrm>
+            <a:off x="111078" y="1988840"/>
+            <a:ext cx="8967564" cy="3939508"/>
+          </a:xfrm>
+          <a:prstGeom prst="rect">
+            <a:avLst/>
+          </a:prstGeom>
+        </p:spPr>
+      </p:pic>
+      <p:sp>
+        <p:nvSpPr>
+          <p:cNvPr id="5" name="Rectangle 4"/>
+          <p:cNvSpPr/>
+          <p:nvPr/>
+        </p:nvSpPr>
+        <p:spPr>
+          <a:xfrm>
+            <a:off x="4594860" y="2852936"/>
+            <a:ext cx="2569428" cy="216024"/>
+          </a:xfrm>
+          <a:prstGeom prst="rect">
+            <a:avLst/>
+          </a:prstGeom>
+          <a:noFill/>
+          <a:ln>
+            <a:solidFill>
+              <a:srgbClr val="FF0000"/>
+            </a:solidFill>
+          </a:ln>
+        </p:spPr>
+        <p:style>
+          <a:lnRef idx="2">
+            <a:schemeClr val="accent1">
+              <a:shade val="50000"/>
+            </a:schemeClr>
+          </a:lnRef>
+          <a:fillRef idx="1">
+            <a:schemeClr val="accent1"/>
+          </a:fillRef>
+          <a:effectRef idx="0">
+            <a:schemeClr val="accent1"/>
+          </a:effectRef>
+          <a:fontRef idx="minor">
+            <a:schemeClr val="lt1"/>
+          </a:fontRef>
+        </p:style>
+        <p:txBody>
+          <a:bodyPr rtlCol="0" anchor="ctr"/>
+          <a:lstStyle/>
+          <a:p>
+            <a:pPr algn="ctr"/>
+            <a:endParaRPr lang="en-CA" dirty="0"/>
+          </a:p>
+        </p:txBody>
+      </p:sp>
+      <p:sp>
+        <p:nvSpPr>
+          <p:cNvPr id="6" name="TextBox 5"/>
+          <p:cNvSpPr txBox="1"/>
+          <p:nvPr/>
+        </p:nvSpPr>
+        <p:spPr>
+          <a:xfrm>
+            <a:off x="2490093" y="5661248"/>
+            <a:ext cx="3473580" cy="646331"/>
+          </a:xfrm>
+          <a:prstGeom prst="rect">
+            <a:avLst/>
+          </a:prstGeom>
+          <a:noFill/>
+        </p:spPr>
+        <p:txBody>
+          <a:bodyPr wrap="none" rtlCol="0">
+            <a:spAutoFit/>
+          </a:bodyPr>
+          <a:lstStyle/>
+          <a:p>
+            <a:r>
+              <a:rPr lang="en-CA" sz="3600" b="1" dirty="0" smtClean="0"/>
+              <a:t>scholar.google.ca</a:t>
+            </a:r>
+            <a:endParaRPr lang="en-CA" sz="3600" b="1" dirty="0"/>
+          </a:p>
+        </p:txBody>
+      </p:sp>
+    </p:spTree>
+    <p:extLst>
+      <p:ext uri="{BB962C8B-B14F-4D97-AF65-F5344CB8AC3E}">
+        <p14:creationId xmlns:p14="http://schemas.microsoft.com/office/powerpoint/2010/main" val="4177726118"/>
+      </p:ext>
+    </p:extLst>
+  </p:cSld>
+  <p:clrMapOvr>
+    <a:masterClrMapping/>
+  </p:clrMapOvr>
+  <mc:AlternateContent xmlns:mc="http://schemas.openxmlformats.org/markup-compatibility/2006" xmlns:p14="http://schemas.microsoft.com/office/powerpoint/2010/main">
+    <mc:Choice Requires="p14">
+      <p:transition spd="med" p14:dur="700">
+        <p:fade/>
+      </p:transition>
+    </mc:Choice>
+    <mc:Fallback xmlns="">
+      <p:transition spd="med">
+        <p:fade/>
+      </p:transition>
+    </mc:Fallback>
+  </mc:AlternateContent>
+  <p:timing>
+    <p:tnLst>
+      <p:par>
+        <p:cTn id="1" dur="indefinite" restart="never" nodeType="tmRoot"/>
+      </p:par>
+    </p:tnLst>
+  </p:timing>
+</p:sld>
+</file>
+
+<file path=ppt/slides/slide25.xml><?xml version="1.0" encoding="utf-8"?>
+<p:sld xmlns:a="http://schemas.openxmlformats.org/drawingml/2006/main" xmlns:r="http://schemas.openxmlformats.org/officeDocument/2006/relationships" xmlns:p="http://schemas.openxmlformats.org/presentationml/2006/main">
+  <p:cSld>
+    <p:spTree>
+      <p:nvGrpSpPr>
+        <p:cNvPr id="1" name=""/>
+        <p:cNvGrpSpPr/>
+        <p:nvPr/>
+      </p:nvGrpSpPr>
+      <p:grpSpPr>
+        <a:xfrm>
+          <a:off x="0" y="0"/>
+          <a:ext cx="0" cy="0"/>
+          <a:chOff x="0" y="0"/>
+          <a:chExt cx="0" cy="0"/>
+        </a:xfrm>
+      </p:grpSpPr>
+      <p:sp>
+        <p:nvSpPr>
+          <p:cNvPr id="2" name="Title 1"/>
+          <p:cNvSpPr>
+            <a:spLocks noGrp="1"/>
+          </p:cNvSpPr>
+          <p:nvPr>
+            <p:ph type="title"/>
+          </p:nvPr>
+        </p:nvSpPr>
+        <p:spPr/>
+        <p:txBody>
+          <a:bodyPr>
+            <a:normAutofit/>
+          </a:bodyPr>
+          <a:lstStyle/>
+          <a:p>
+            <a:r>
+              <a:rPr lang="en-CA" sz="4400" dirty="0" smtClean="0"/>
+              <a:t>Example: Getting Patent Details</a:t>
+            </a:r>
+            <a:endParaRPr lang="en-CA" sz="4400" dirty="0"/>
+          </a:p>
+        </p:txBody>
+      </p:sp>
       <p:sp>
         <p:nvSpPr>
           <p:cNvPr id="3" name="Content Placeholder 2"/>
@@ -6725,6 +8039,451 @@
           </p:nvPr>
         </p:nvSpPr>
         <p:spPr/>
+        <p:txBody>
+          <a:bodyPr>
+            <a:normAutofit/>
+          </a:bodyPr>
+          <a:lstStyle/>
+          <a:p>
+            <a:r>
+              <a:rPr lang="en-CA" sz="2800" b="1" u="sng" dirty="0" smtClean="0"/>
+              <a:t>USPTO Public Pair</a:t>
+            </a:r>
+            <a:endParaRPr lang="en-CA" sz="2800" b="1" u="sng" dirty="0"/>
+          </a:p>
+        </p:txBody>
+      </p:sp>
+      <p:sp>
+        <p:nvSpPr>
+          <p:cNvPr id="4" name="Rectangle 3"/>
+          <p:cNvSpPr/>
+          <p:nvPr/>
+        </p:nvSpPr>
+        <p:spPr>
+          <a:xfrm>
+            <a:off x="3707904" y="1845734"/>
+            <a:ext cx="5436096" cy="461665"/>
+          </a:xfrm>
+          <a:prstGeom prst="rect">
+            <a:avLst/>
+          </a:prstGeom>
+        </p:spPr>
+        <p:txBody>
+          <a:bodyPr wrap="square">
+            <a:spAutoFit/>
+          </a:bodyPr>
+          <a:lstStyle/>
+          <a:p>
+            <a:r>
+              <a:rPr lang="en-CA" dirty="0"/>
+              <a:t>http://portal.uspto.gov/pair/PublicPair</a:t>
+            </a:r>
+          </a:p>
+        </p:txBody>
+      </p:sp>
+      <p:pic>
+        <p:nvPicPr>
+          <p:cNvPr id="5" name="Picture 4"/>
+          <p:cNvPicPr>
+            <a:picLocks noChangeAspect="1"/>
+          </p:cNvPicPr>
+          <p:nvPr/>
+        </p:nvPicPr>
+        <p:blipFill>
+          <a:blip r:embed="rId2"/>
+          <a:stretch>
+            <a:fillRect/>
+          </a:stretch>
+        </p:blipFill>
+        <p:spPr>
+          <a:xfrm>
+            <a:off x="899592" y="2307399"/>
+            <a:ext cx="6388486" cy="4445826"/>
+          </a:xfrm>
+          <a:prstGeom prst="rect">
+            <a:avLst/>
+          </a:prstGeom>
+        </p:spPr>
+      </p:pic>
+    </p:spTree>
+    <p:extLst>
+      <p:ext uri="{BB962C8B-B14F-4D97-AF65-F5344CB8AC3E}">
+        <p14:creationId xmlns:p14="http://schemas.microsoft.com/office/powerpoint/2010/main" val="901698148"/>
+      </p:ext>
+    </p:extLst>
+  </p:cSld>
+  <p:clrMapOvr>
+    <a:masterClrMapping/>
+  </p:clrMapOvr>
+  <mc:AlternateContent xmlns:mc="http://schemas.openxmlformats.org/markup-compatibility/2006" xmlns:p14="http://schemas.microsoft.com/office/powerpoint/2010/main">
+    <mc:Choice Requires="p14">
+      <p:transition spd="med" p14:dur="700">
+        <p:fade/>
+      </p:transition>
+    </mc:Choice>
+    <mc:Fallback xmlns="">
+      <p:transition spd="med">
+        <p:fade/>
+      </p:transition>
+    </mc:Fallback>
+  </mc:AlternateContent>
+  <p:timing>
+    <p:tnLst>
+      <p:par>
+        <p:cTn id="1" dur="indefinite" restart="never" nodeType="tmRoot"/>
+      </p:par>
+    </p:tnLst>
+  </p:timing>
+</p:sld>
+</file>
+
+<file path=ppt/slides/slide26.xml><?xml version="1.0" encoding="utf-8"?>
+<p:sld xmlns:a="http://schemas.openxmlformats.org/drawingml/2006/main" xmlns:r="http://schemas.openxmlformats.org/officeDocument/2006/relationships" xmlns:p="http://schemas.openxmlformats.org/presentationml/2006/main">
+  <p:cSld>
+    <p:spTree>
+      <p:nvGrpSpPr>
+        <p:cNvPr id="1" name=""/>
+        <p:cNvGrpSpPr/>
+        <p:nvPr/>
+      </p:nvGrpSpPr>
+      <p:grpSpPr>
+        <a:xfrm>
+          <a:off x="0" y="0"/>
+          <a:ext cx="0" cy="0"/>
+          <a:chOff x="0" y="0"/>
+          <a:chExt cx="0" cy="0"/>
+        </a:xfrm>
+      </p:grpSpPr>
+      <p:sp>
+        <p:nvSpPr>
+          <p:cNvPr id="2" name="Title 1"/>
+          <p:cNvSpPr>
+            <a:spLocks noGrp="1"/>
+          </p:cNvSpPr>
+          <p:nvPr>
+            <p:ph type="title"/>
+          </p:nvPr>
+        </p:nvSpPr>
+        <p:spPr/>
+        <p:txBody>
+          <a:bodyPr>
+            <a:normAutofit/>
+          </a:bodyPr>
+          <a:lstStyle/>
+          <a:p>
+            <a:r>
+              <a:rPr lang="en-CA" sz="4400" dirty="0" smtClean="0"/>
+              <a:t>Examples: Getting Patent Details</a:t>
+            </a:r>
+            <a:endParaRPr lang="en-CA" sz="4400" dirty="0"/>
+          </a:p>
+        </p:txBody>
+      </p:sp>
+      <p:pic>
+        <p:nvPicPr>
+          <p:cNvPr id="4" name="Picture 3"/>
+          <p:cNvPicPr>
+            <a:picLocks noChangeAspect="1"/>
+          </p:cNvPicPr>
+          <p:nvPr/>
+        </p:nvPicPr>
+        <p:blipFill>
+          <a:blip r:embed="rId2"/>
+          <a:stretch>
+            <a:fillRect/>
+          </a:stretch>
+        </p:blipFill>
+        <p:spPr>
+          <a:xfrm>
+            <a:off x="323528" y="1737361"/>
+            <a:ext cx="8322246" cy="4623470"/>
+          </a:xfrm>
+          <a:prstGeom prst="rect">
+            <a:avLst/>
+          </a:prstGeom>
+        </p:spPr>
+      </p:pic>
+    </p:spTree>
+    <p:extLst>
+      <p:ext uri="{BB962C8B-B14F-4D97-AF65-F5344CB8AC3E}">
+        <p14:creationId xmlns:p14="http://schemas.microsoft.com/office/powerpoint/2010/main" val="573005154"/>
+      </p:ext>
+    </p:extLst>
+  </p:cSld>
+  <p:clrMapOvr>
+    <a:masterClrMapping/>
+  </p:clrMapOvr>
+  <mc:AlternateContent xmlns:mc="http://schemas.openxmlformats.org/markup-compatibility/2006" xmlns:p14="http://schemas.microsoft.com/office/powerpoint/2010/main">
+    <mc:Choice Requires="p14">
+      <p:transition spd="med" p14:dur="700">
+        <p:fade/>
+      </p:transition>
+    </mc:Choice>
+    <mc:Fallback xmlns="">
+      <p:transition spd="med">
+        <p:fade/>
+      </p:transition>
+    </mc:Fallback>
+  </mc:AlternateContent>
+  <p:timing>
+    <p:tnLst>
+      <p:par>
+        <p:cTn id="1" dur="indefinite" restart="never" nodeType="tmRoot"/>
+      </p:par>
+    </p:tnLst>
+  </p:timing>
+</p:sld>
+</file>
+
+<file path=ppt/slides/slide27.xml><?xml version="1.0" encoding="utf-8"?>
+<p:sld xmlns:a="http://schemas.openxmlformats.org/drawingml/2006/main" xmlns:r="http://schemas.openxmlformats.org/officeDocument/2006/relationships" xmlns:p="http://schemas.openxmlformats.org/presentationml/2006/main">
+  <p:cSld>
+    <p:spTree>
+      <p:nvGrpSpPr>
+        <p:cNvPr id="1" name=""/>
+        <p:cNvGrpSpPr/>
+        <p:nvPr/>
+      </p:nvGrpSpPr>
+      <p:grpSpPr>
+        <a:xfrm>
+          <a:off x="0" y="0"/>
+          <a:ext cx="0" cy="0"/>
+          <a:chOff x="0" y="0"/>
+          <a:chExt cx="0" cy="0"/>
+        </a:xfrm>
+      </p:grpSpPr>
+      <p:sp>
+        <p:nvSpPr>
+          <p:cNvPr id="2" name="Title 1"/>
+          <p:cNvSpPr>
+            <a:spLocks noGrp="1"/>
+          </p:cNvSpPr>
+          <p:nvPr>
+            <p:ph type="title"/>
+          </p:nvPr>
+        </p:nvSpPr>
+        <p:spPr/>
+        <p:txBody>
+          <a:bodyPr>
+            <a:normAutofit/>
+          </a:bodyPr>
+          <a:lstStyle/>
+          <a:p>
+            <a:r>
+              <a:rPr lang="en-CA" sz="4400" dirty="0" smtClean="0"/>
+              <a:t>Examples: Getting Patent Details</a:t>
+            </a:r>
+            <a:endParaRPr lang="en-CA" sz="4400" dirty="0"/>
+          </a:p>
+        </p:txBody>
+      </p:sp>
+      <p:pic>
+        <p:nvPicPr>
+          <p:cNvPr id="4" name="Picture 3"/>
+          <p:cNvPicPr>
+            <a:picLocks noChangeAspect="1"/>
+          </p:cNvPicPr>
+          <p:nvPr/>
+        </p:nvPicPr>
+        <p:blipFill>
+          <a:blip r:embed="rId2"/>
+          <a:stretch>
+            <a:fillRect/>
+          </a:stretch>
+        </p:blipFill>
+        <p:spPr>
+          <a:xfrm>
+            <a:off x="1137285" y="1988840"/>
+            <a:ext cx="6915150" cy="3676650"/>
+          </a:xfrm>
+          <a:prstGeom prst="rect">
+            <a:avLst/>
+          </a:prstGeom>
+        </p:spPr>
+      </p:pic>
+    </p:spTree>
+    <p:extLst>
+      <p:ext uri="{BB962C8B-B14F-4D97-AF65-F5344CB8AC3E}">
+        <p14:creationId xmlns:p14="http://schemas.microsoft.com/office/powerpoint/2010/main" val="3064192994"/>
+      </p:ext>
+    </p:extLst>
+  </p:cSld>
+  <p:clrMapOvr>
+    <a:masterClrMapping/>
+  </p:clrMapOvr>
+  <mc:AlternateContent xmlns:mc="http://schemas.openxmlformats.org/markup-compatibility/2006" xmlns:p14="http://schemas.microsoft.com/office/powerpoint/2010/main">
+    <mc:Choice Requires="p14">
+      <p:transition spd="med" p14:dur="700">
+        <p:fade/>
+      </p:transition>
+    </mc:Choice>
+    <mc:Fallback xmlns="">
+      <p:transition spd="med">
+        <p:fade/>
+      </p:transition>
+    </mc:Fallback>
+  </mc:AlternateContent>
+  <p:timing>
+    <p:tnLst>
+      <p:par>
+        <p:cTn id="1" dur="indefinite" restart="never" nodeType="tmRoot"/>
+      </p:par>
+    </p:tnLst>
+  </p:timing>
+</p:sld>
+</file>
+
+<file path=ppt/slides/slide28.xml><?xml version="1.0" encoding="utf-8"?>
+<p:sld xmlns:a="http://schemas.openxmlformats.org/drawingml/2006/main" xmlns:r="http://schemas.openxmlformats.org/officeDocument/2006/relationships" xmlns:p="http://schemas.openxmlformats.org/presentationml/2006/main">
+  <p:cSld>
+    <p:spTree>
+      <p:nvGrpSpPr>
+        <p:cNvPr id="1" name=""/>
+        <p:cNvGrpSpPr/>
+        <p:nvPr/>
+      </p:nvGrpSpPr>
+      <p:grpSpPr>
+        <a:xfrm>
+          <a:off x="0" y="0"/>
+          <a:ext cx="0" cy="0"/>
+          <a:chOff x="0" y="0"/>
+          <a:chExt cx="0" cy="0"/>
+        </a:xfrm>
+      </p:grpSpPr>
+      <p:sp>
+        <p:nvSpPr>
+          <p:cNvPr id="4" name="Title 3"/>
+          <p:cNvSpPr>
+            <a:spLocks noGrp="1"/>
+          </p:cNvSpPr>
+          <p:nvPr>
+            <p:ph type="title"/>
+          </p:nvPr>
+        </p:nvSpPr>
+        <p:spPr/>
+        <p:txBody>
+          <a:bodyPr/>
+          <a:lstStyle/>
+          <a:p>
+            <a:r>
+              <a:rPr lang="en-CA" dirty="0" smtClean="0"/>
+              <a:t>EMC/Safety Tests</a:t>
+            </a:r>
+            <a:endParaRPr lang="en-CA" dirty="0"/>
+          </a:p>
+        </p:txBody>
+      </p:sp>
+      <p:sp>
+        <p:nvSpPr>
+          <p:cNvPr id="5" name="Text Placeholder 4"/>
+          <p:cNvSpPr>
+            <a:spLocks noGrp="1"/>
+          </p:cNvSpPr>
+          <p:nvPr>
+            <p:ph type="body" idx="1"/>
+          </p:nvPr>
+        </p:nvSpPr>
+        <p:spPr/>
+        <p:txBody>
+          <a:bodyPr/>
+          <a:lstStyle/>
+          <a:p>
+            <a:endParaRPr lang="en-CA"/>
+          </a:p>
+        </p:txBody>
+      </p:sp>
+    </p:spTree>
+    <p:extLst>
+      <p:ext uri="{BB962C8B-B14F-4D97-AF65-F5344CB8AC3E}">
+        <p14:creationId xmlns:p14="http://schemas.microsoft.com/office/powerpoint/2010/main" val="46303190"/>
+      </p:ext>
+    </p:extLst>
+  </p:cSld>
+  <p:clrMapOvr>
+    <a:masterClrMapping/>
+  </p:clrMapOvr>
+  <mc:AlternateContent xmlns:mc="http://schemas.openxmlformats.org/markup-compatibility/2006" xmlns:p14="http://schemas.microsoft.com/office/powerpoint/2010/main">
+    <mc:Choice Requires="p14">
+      <p:transition spd="med" p14:dur="700">
+        <p:fade/>
+      </p:transition>
+    </mc:Choice>
+    <mc:Fallback xmlns="">
+      <p:transition spd="med">
+        <p:fade/>
+      </p:transition>
+    </mc:Fallback>
+  </mc:AlternateContent>
+  <p:timing>
+    <p:tnLst>
+      <p:par>
+        <p:cTn id="1" dur="indefinite" restart="never" nodeType="tmRoot"/>
+      </p:par>
+    </p:tnLst>
+  </p:timing>
+</p:sld>
+</file>
+
+<file path=ppt/slides/slide29.xml><?xml version="1.0" encoding="utf-8"?>
+<p:sld xmlns:a="http://schemas.openxmlformats.org/drawingml/2006/main" xmlns:r="http://schemas.openxmlformats.org/officeDocument/2006/relationships" xmlns:p="http://schemas.openxmlformats.org/presentationml/2006/main">
+  <p:cSld>
+    <p:spTree>
+      <p:nvGrpSpPr>
+        <p:cNvPr id="1" name=""/>
+        <p:cNvGrpSpPr/>
+        <p:nvPr/>
+      </p:nvGrpSpPr>
+      <p:grpSpPr>
+        <a:xfrm>
+          <a:off x="0" y="0"/>
+          <a:ext cx="0" cy="0"/>
+          <a:chOff x="0" y="0"/>
+          <a:chExt cx="0" cy="0"/>
+        </a:xfrm>
+      </p:grpSpPr>
+      <p:sp>
+        <p:nvSpPr>
+          <p:cNvPr id="2" name="Title 1"/>
+          <p:cNvSpPr>
+            <a:spLocks noGrp="1"/>
+          </p:cNvSpPr>
+          <p:nvPr>
+            <p:ph type="title"/>
+          </p:nvPr>
+        </p:nvSpPr>
+        <p:spPr/>
+        <p:txBody>
+          <a:bodyPr/>
+          <a:lstStyle/>
+          <a:p>
+            <a:r>
+              <a:rPr lang="en-CA" dirty="0" smtClean="0"/>
+              <a:t>EMC </a:t>
+            </a:r>
+            <a:r>
+              <a:rPr lang="en-CA" dirty="0" smtClean="0"/>
+              <a:t>Testing</a:t>
+            </a:r>
+            <a:endParaRPr lang="en-CA" dirty="0"/>
+          </a:p>
+        </p:txBody>
+      </p:sp>
+      <p:sp>
+        <p:nvSpPr>
+          <p:cNvPr id="3" name="Content Placeholder 2"/>
+          <p:cNvSpPr>
+            <a:spLocks noGrp="1"/>
+          </p:cNvSpPr>
+          <p:nvPr>
+            <p:ph idx="1"/>
+          </p:nvPr>
+        </p:nvSpPr>
+        <p:spPr>
+          <a:xfrm>
+            <a:off x="822959" y="1845734"/>
+            <a:ext cx="7543801" cy="647162"/>
+          </a:xfrm>
+        </p:spPr>
         <p:txBody>
           <a:bodyPr/>
           <a:lstStyle/>
@@ -6735,16 +8494,55 @@
             </a:pPr>
             <a:r>
               <a:rPr lang="en-CA" dirty="0" smtClean="0"/>
-              <a:t> </a:t>
+              <a:t> Lots of these labels on devices:</a:t>
             </a:r>
             <a:endParaRPr lang="en-CA" dirty="0"/>
           </a:p>
         </p:txBody>
       </p:sp>
+      <p:pic>
+        <p:nvPicPr>
+          <p:cNvPr id="2050" name="Picture 2" descr="http://tablet-news.net/wp-content/uploads/2011/07/ASUS-Eee-Pad-Slider-SL101-FCC-badge.jpg"/>
+          <p:cNvPicPr>
+            <a:picLocks noChangeAspect="1" noChangeArrowheads="1"/>
+          </p:cNvPicPr>
+          <p:nvPr/>
+        </p:nvPicPr>
+        <p:blipFill rotWithShape="1">
+          <a:blip r:embed="rId2">
+            <a:extLst>
+              <a:ext uri="{28A0092B-C50C-407E-A947-70E740481C1C}">
+                <a14:useLocalDpi xmlns:a14="http://schemas.microsoft.com/office/drawing/2010/main" val="0"/>
+              </a:ext>
+            </a:extLst>
+          </a:blip>
+          <a:srcRect l="21641" t="25157"/>
+          <a:stretch/>
+        </p:blipFill>
+        <p:spPr bwMode="auto">
+          <a:xfrm>
+            <a:off x="1043608" y="2276872"/>
+            <a:ext cx="7821960" cy="3699838"/>
+          </a:xfrm>
+          <a:prstGeom prst="rect">
+            <a:avLst/>
+          </a:prstGeom>
+          <a:noFill/>
+          <a:extLst>
+            <a:ext uri="{909E8E84-426E-40DD-AFC4-6F175D3DCCD1}">
+              <a14:hiddenFill xmlns:a14="http://schemas.microsoft.com/office/drawing/2010/main">
+                <a:solidFill>
+                  <a:srgbClr val="FFFFFF"/>
+                </a:solidFill>
+              </a14:hiddenFill>
+            </a:ext>
+          </a:extLst>
+        </p:spPr>
+      </p:pic>
     </p:spTree>
     <p:extLst>
       <p:ext uri="{BB962C8B-B14F-4D97-AF65-F5344CB8AC3E}">
-        <p14:creationId xmlns:p14="http://schemas.microsoft.com/office/powerpoint/2010/main" val="318677108"/>
+        <p14:creationId xmlns:p14="http://schemas.microsoft.com/office/powerpoint/2010/main" val="4100449664"/>
       </p:ext>
     </p:extLst>
   </p:cSld>
@@ -6868,6 +8666,467 @@
       </p:transition>
     </mc:Fallback>
   </mc:AlternateContent>
+  <p:timing>
+    <p:tnLst>
+      <p:par>
+        <p:cTn id="1" dur="indefinite" restart="never" nodeType="tmRoot"/>
+      </p:par>
+    </p:tnLst>
+  </p:timing>
+</p:sld>
+</file>
+
+<file path=ppt/slides/slide30.xml><?xml version="1.0" encoding="utf-8"?>
+<p:sld xmlns:a="http://schemas.openxmlformats.org/drawingml/2006/main" xmlns:r="http://schemas.openxmlformats.org/officeDocument/2006/relationships" xmlns:p="http://schemas.openxmlformats.org/presentationml/2006/main">
+  <p:cSld>
+    <p:spTree>
+      <p:nvGrpSpPr>
+        <p:cNvPr id="1" name=""/>
+        <p:cNvGrpSpPr/>
+        <p:nvPr/>
+      </p:nvGrpSpPr>
+      <p:grpSpPr>
+        <a:xfrm>
+          <a:off x="0" y="0"/>
+          <a:ext cx="0" cy="0"/>
+          <a:chOff x="0" y="0"/>
+          <a:chExt cx="0" cy="0"/>
+        </a:xfrm>
+      </p:grpSpPr>
+      <p:sp>
+        <p:nvSpPr>
+          <p:cNvPr id="2" name="Title 1"/>
+          <p:cNvSpPr>
+            <a:spLocks noGrp="1"/>
+          </p:cNvSpPr>
+          <p:nvPr>
+            <p:ph type="title"/>
+          </p:nvPr>
+        </p:nvSpPr>
+        <p:spPr/>
+        <p:txBody>
+          <a:bodyPr/>
+          <a:lstStyle/>
+          <a:p>
+            <a:r>
+              <a:rPr lang="en-CA" dirty="0" smtClean="0"/>
+              <a:t>Testing</a:t>
+            </a:r>
+            <a:endParaRPr lang="en-CA" dirty="0"/>
+          </a:p>
+        </p:txBody>
+      </p:sp>
+      <p:sp>
+        <p:nvSpPr>
+          <p:cNvPr id="3" name="Content Placeholder 2"/>
+          <p:cNvSpPr>
+            <a:spLocks noGrp="1"/>
+          </p:cNvSpPr>
+          <p:nvPr>
+            <p:ph idx="1"/>
+          </p:nvPr>
+        </p:nvSpPr>
+        <p:spPr/>
+        <p:txBody>
+          <a:bodyPr/>
+          <a:lstStyle/>
+          <a:p>
+            <a:pPr>
+              <a:buFont typeface="Arial" panose="020B0604020202020204" pitchFamily="34" charset="0"/>
+              <a:buChar char="•"/>
+            </a:pPr>
+            <a:r>
+              <a:rPr lang="en-CA" dirty="0" smtClean="0"/>
+              <a:t> Getting these tests done is fairly expensive for a variety of reasons</a:t>
+            </a:r>
+          </a:p>
+          <a:p>
+            <a:pPr>
+              <a:buFont typeface="Arial" panose="020B0604020202020204" pitchFamily="34" charset="0"/>
+              <a:buChar char="•"/>
+            </a:pPr>
+            <a:r>
+              <a:rPr lang="en-CA" dirty="0"/>
+              <a:t> </a:t>
+            </a:r>
+            <a:r>
+              <a:rPr lang="en-CA" dirty="0" smtClean="0"/>
+              <a:t> i.e., EMC interference testing:</a:t>
+            </a:r>
+          </a:p>
+        </p:txBody>
+      </p:sp>
+      <p:pic>
+        <p:nvPicPr>
+          <p:cNvPr id="4098" name="Picture 2" descr="http://www.fujixerox.co.jp/company/news/release/2005/images/img0615_emc02.jpg"/>
+          <p:cNvPicPr>
+            <a:picLocks noChangeAspect="1" noChangeArrowheads="1"/>
+          </p:cNvPicPr>
+          <p:nvPr/>
+        </p:nvPicPr>
+        <p:blipFill>
+          <a:blip r:embed="rId2">
+            <a:extLst>
+              <a:ext uri="{28A0092B-C50C-407E-A947-70E740481C1C}">
+                <a14:useLocalDpi xmlns:a14="http://schemas.microsoft.com/office/drawing/2010/main" val="0"/>
+              </a:ext>
+            </a:extLst>
+          </a:blip>
+          <a:srcRect/>
+          <a:stretch>
+            <a:fillRect/>
+          </a:stretch>
+        </p:blipFill>
+        <p:spPr bwMode="auto">
+          <a:xfrm>
+            <a:off x="1403648" y="2780928"/>
+            <a:ext cx="5336872" cy="3473203"/>
+          </a:xfrm>
+          <a:prstGeom prst="rect">
+            <a:avLst/>
+          </a:prstGeom>
+          <a:noFill/>
+          <a:extLst>
+            <a:ext uri="{909E8E84-426E-40DD-AFC4-6F175D3DCCD1}">
+              <a14:hiddenFill xmlns:a14="http://schemas.microsoft.com/office/drawing/2010/main">
+                <a:solidFill>
+                  <a:srgbClr val="FFFFFF"/>
+                </a:solidFill>
+              </a14:hiddenFill>
+            </a:ext>
+          </a:extLst>
+        </p:spPr>
+      </p:pic>
+      <p:sp>
+        <p:nvSpPr>
+          <p:cNvPr id="5" name="Rectangle 4"/>
+          <p:cNvSpPr/>
+          <p:nvPr/>
+        </p:nvSpPr>
+        <p:spPr>
+          <a:xfrm>
+            <a:off x="3491880" y="6254131"/>
+            <a:ext cx="6858000" cy="276999"/>
+          </a:xfrm>
+          <a:prstGeom prst="rect">
+            <a:avLst/>
+          </a:prstGeom>
+        </p:spPr>
+        <p:txBody>
+          <a:bodyPr wrap="square">
+            <a:spAutoFit/>
+          </a:bodyPr>
+          <a:lstStyle/>
+          <a:p>
+            <a:r>
+              <a:rPr lang="en-CA" sz="1200" dirty="0" smtClean="0"/>
+              <a:t>Source: http</a:t>
+            </a:r>
+            <a:r>
+              <a:rPr lang="en-CA" sz="1200" dirty="0"/>
+              <a:t>://www.fujixerox.co.jp/eng/company/headline/2005/0615_emc.html</a:t>
+            </a:r>
+          </a:p>
+        </p:txBody>
+      </p:sp>
+    </p:spTree>
+    <p:extLst>
+      <p:ext uri="{BB962C8B-B14F-4D97-AF65-F5344CB8AC3E}">
+        <p14:creationId xmlns:p14="http://schemas.microsoft.com/office/powerpoint/2010/main" val="2635250543"/>
+      </p:ext>
+    </p:extLst>
+  </p:cSld>
+  <p:clrMapOvr>
+    <a:masterClrMapping/>
+  </p:clrMapOvr>
+  <mc:AlternateContent xmlns:mc="http://schemas.openxmlformats.org/markup-compatibility/2006">
+    <mc:Choice xmlns:p14="http://schemas.microsoft.com/office/powerpoint/2010/main" Requires="p14">
+      <p:transition spd="med" p14:dur="700">
+        <p:fade/>
+      </p:transition>
+    </mc:Choice>
+    <mc:Fallback>
+      <p:transition spd="med">
+        <p:fade/>
+      </p:transition>
+    </mc:Fallback>
+  </mc:AlternateContent>
+  <p:timing>
+    <p:tnLst>
+      <p:par>
+        <p:cTn id="1" dur="indefinite" restart="never" nodeType="tmRoot"/>
+      </p:par>
+    </p:tnLst>
+  </p:timing>
+</p:sld>
+</file>
+
+<file path=ppt/slides/slide31.xml><?xml version="1.0" encoding="utf-8"?>
+<p:sld xmlns:a="http://schemas.openxmlformats.org/drawingml/2006/main" xmlns:r="http://schemas.openxmlformats.org/officeDocument/2006/relationships" xmlns:p="http://schemas.openxmlformats.org/presentationml/2006/main">
+  <p:cSld>
+    <p:spTree>
+      <p:nvGrpSpPr>
+        <p:cNvPr id="1" name=""/>
+        <p:cNvGrpSpPr/>
+        <p:nvPr/>
+      </p:nvGrpSpPr>
+      <p:grpSpPr>
+        <a:xfrm>
+          <a:off x="0" y="0"/>
+          <a:ext cx="0" cy="0"/>
+          <a:chOff x="0" y="0"/>
+          <a:chExt cx="0" cy="0"/>
+        </a:xfrm>
+      </p:grpSpPr>
+      <p:sp>
+        <p:nvSpPr>
+          <p:cNvPr id="2" name="Title 1"/>
+          <p:cNvSpPr>
+            <a:spLocks noGrp="1"/>
+          </p:cNvSpPr>
+          <p:nvPr>
+            <p:ph type="title"/>
+          </p:nvPr>
+        </p:nvSpPr>
+        <p:spPr/>
+        <p:txBody>
+          <a:bodyPr/>
+          <a:lstStyle/>
+          <a:p>
+            <a:r>
+              <a:rPr lang="en-CA" dirty="0" err="1" smtClean="0"/>
+              <a:t>Interferece</a:t>
+            </a:r>
+            <a:r>
+              <a:rPr lang="en-CA" dirty="0" smtClean="0"/>
+              <a:t> Test Report</a:t>
+            </a:r>
+            <a:endParaRPr lang="en-CA" dirty="0"/>
+          </a:p>
+        </p:txBody>
+      </p:sp>
+      <p:pic>
+        <p:nvPicPr>
+          <p:cNvPr id="4" name="Picture 3"/>
+          <p:cNvPicPr>
+            <a:picLocks noChangeAspect="1"/>
+          </p:cNvPicPr>
+          <p:nvPr/>
+        </p:nvPicPr>
+        <p:blipFill>
+          <a:blip r:embed="rId2"/>
+          <a:stretch>
+            <a:fillRect/>
+          </a:stretch>
+        </p:blipFill>
+        <p:spPr>
+          <a:xfrm>
+            <a:off x="1331640" y="2132856"/>
+            <a:ext cx="6096000" cy="3248025"/>
+          </a:xfrm>
+          <a:prstGeom prst="rect">
+            <a:avLst/>
+          </a:prstGeom>
+        </p:spPr>
+      </p:pic>
+    </p:spTree>
+    <p:extLst>
+      <p:ext uri="{BB962C8B-B14F-4D97-AF65-F5344CB8AC3E}">
+        <p14:creationId xmlns:p14="http://schemas.microsoft.com/office/powerpoint/2010/main" val="3379966134"/>
+      </p:ext>
+    </p:extLst>
+  </p:cSld>
+  <p:clrMapOvr>
+    <a:masterClrMapping/>
+  </p:clrMapOvr>
+  <mc:AlternateContent xmlns:mc="http://schemas.openxmlformats.org/markup-compatibility/2006">
+    <mc:Choice xmlns:p14="http://schemas.microsoft.com/office/powerpoint/2010/main" Requires="p14">
+      <p:transition spd="med" p14:dur="700">
+        <p:fade/>
+      </p:transition>
+    </mc:Choice>
+    <mc:Fallback>
+      <p:transition spd="med">
+        <p:fade/>
+      </p:transition>
+    </mc:Fallback>
+  </mc:AlternateContent>
+  <p:timing>
+    <p:tnLst>
+      <p:par>
+        <p:cTn id="1" dur="indefinite" restart="never" nodeType="tmRoot"/>
+      </p:par>
+    </p:tnLst>
+  </p:timing>
+</p:sld>
+</file>
+
+<file path=ppt/slides/slide32.xml><?xml version="1.0" encoding="utf-8"?>
+<p:sld xmlns:a="http://schemas.openxmlformats.org/drawingml/2006/main" xmlns:r="http://schemas.openxmlformats.org/officeDocument/2006/relationships" xmlns:p="http://schemas.openxmlformats.org/presentationml/2006/main">
+  <p:cSld>
+    <p:spTree>
+      <p:nvGrpSpPr>
+        <p:cNvPr id="1" name=""/>
+        <p:cNvGrpSpPr/>
+        <p:nvPr/>
+      </p:nvGrpSpPr>
+      <p:grpSpPr>
+        <a:xfrm>
+          <a:off x="0" y="0"/>
+          <a:ext cx="0" cy="0"/>
+          <a:chOff x="0" y="0"/>
+          <a:chExt cx="0" cy="0"/>
+        </a:xfrm>
+      </p:grpSpPr>
+      <p:sp>
+        <p:nvSpPr>
+          <p:cNvPr id="2" name="Title 1"/>
+          <p:cNvSpPr>
+            <a:spLocks noGrp="1"/>
+          </p:cNvSpPr>
+          <p:nvPr>
+            <p:ph type="title"/>
+          </p:nvPr>
+        </p:nvSpPr>
+        <p:spPr/>
+        <p:txBody>
+          <a:bodyPr/>
+          <a:lstStyle/>
+          <a:p>
+            <a:r>
+              <a:rPr lang="en-CA" dirty="0" smtClean="0"/>
+              <a:t>Summary</a:t>
+            </a:r>
+            <a:endParaRPr lang="en-CA" dirty="0"/>
+          </a:p>
+        </p:txBody>
+      </p:sp>
+      <p:sp>
+        <p:nvSpPr>
+          <p:cNvPr id="3" name="Content Placeholder 2"/>
+          <p:cNvSpPr>
+            <a:spLocks noGrp="1"/>
+          </p:cNvSpPr>
+          <p:nvPr>
+            <p:ph idx="1"/>
+          </p:nvPr>
+        </p:nvSpPr>
+        <p:spPr/>
+        <p:txBody>
+          <a:bodyPr/>
+          <a:lstStyle/>
+          <a:p>
+            <a:pPr>
+              <a:buFont typeface="Arial" panose="020B0604020202020204" pitchFamily="34" charset="0"/>
+              <a:buChar char="•"/>
+            </a:pPr>
+            <a:r>
+              <a:rPr lang="en-CA" dirty="0" smtClean="0"/>
+              <a:t> Scheduling a critical part of your project planning</a:t>
+            </a:r>
+          </a:p>
+          <a:p>
+            <a:pPr>
+              <a:buFont typeface="Arial" panose="020B0604020202020204" pitchFamily="34" charset="0"/>
+              <a:buChar char="•"/>
+            </a:pPr>
+            <a:r>
+              <a:rPr lang="en-CA" dirty="0"/>
+              <a:t> </a:t>
+            </a:r>
+            <a:r>
+              <a:rPr lang="en-CA" dirty="0" smtClean="0"/>
+              <a:t>Doesn’t need to be complex!</a:t>
+            </a:r>
+          </a:p>
+          <a:p>
+            <a:pPr lvl="1">
+              <a:buFont typeface="Arial" panose="020B0604020202020204" pitchFamily="34" charset="0"/>
+              <a:buChar char="•"/>
+            </a:pPr>
+            <a:r>
+              <a:rPr lang="en-CA" dirty="0" smtClean="0"/>
+              <a:t>Write your tasks</a:t>
+            </a:r>
+          </a:p>
+          <a:p>
+            <a:pPr lvl="1">
+              <a:buFont typeface="Arial" panose="020B0604020202020204" pitchFamily="34" charset="0"/>
+              <a:buChar char="•"/>
+            </a:pPr>
+            <a:r>
+              <a:rPr lang="en-CA" dirty="0" smtClean="0"/>
+              <a:t>Break them down until you can estimate each task size</a:t>
+            </a:r>
+          </a:p>
+          <a:p>
+            <a:pPr lvl="1">
+              <a:buFont typeface="Arial" panose="020B0604020202020204" pitchFamily="34" charset="0"/>
+              <a:buChar char="•"/>
+            </a:pPr>
+            <a:r>
+              <a:rPr lang="en-CA" dirty="0" smtClean="0"/>
+              <a:t>String those broken down tasks together into a schedule</a:t>
+            </a:r>
+          </a:p>
+          <a:p>
+            <a:pPr lvl="1">
+              <a:buFont typeface="Arial" panose="020B0604020202020204" pitchFamily="34" charset="0"/>
+              <a:buChar char="•"/>
+            </a:pPr>
+            <a:r>
+              <a:rPr lang="en-CA" dirty="0" smtClean="0"/>
+              <a:t>Try to avoid dependency as much as possible… your </a:t>
+            </a:r>
+            <a:r>
+              <a:rPr lang="en-CA" u="sng" dirty="0" smtClean="0"/>
+              <a:t>critical path</a:t>
+            </a:r>
+            <a:r>
+              <a:rPr lang="en-CA" i="1" dirty="0"/>
+              <a:t> </a:t>
+            </a:r>
+            <a:r>
+              <a:rPr lang="en-CA" dirty="0" smtClean="0"/>
+              <a:t>is that which any delay in one subtask delays your entire project</a:t>
+            </a:r>
+            <a:r>
+              <a:rPr lang="en-CA" dirty="0" smtClean="0"/>
+              <a:t> </a:t>
+            </a:r>
+            <a:endParaRPr lang="en-CA" dirty="0"/>
+          </a:p>
+        </p:txBody>
+      </p:sp>
+    </p:spTree>
+    <p:extLst>
+      <p:ext uri="{BB962C8B-B14F-4D97-AF65-F5344CB8AC3E}">
+        <p14:creationId xmlns:p14="http://schemas.microsoft.com/office/powerpoint/2010/main" val="318677108"/>
+      </p:ext>
+    </p:extLst>
+  </p:cSld>
+  <p:clrMapOvr>
+    <a:masterClrMapping/>
+  </p:clrMapOvr>
+  <mc:AlternateContent xmlns:mc="http://schemas.openxmlformats.org/markup-compatibility/2006" xmlns:p14="http://schemas.microsoft.com/office/powerpoint/2010/main">
+    <mc:Choice Requires="p14">
+      <p:transition spd="med" p14:dur="700">
+        <p:fade/>
+      </p:transition>
+    </mc:Choice>
+    <mc:Fallback xmlns="">
+      <p:transition spd="med">
+        <p:fade/>
+      </p:transition>
+    </mc:Fallback>
+  </mc:AlternateContent>
+  <p:timing>
+    <p:tnLst>
+      <p:par>
+        <p:cTn id="1" dur="indefinite" restart="never" nodeType="tmRoot"/>
+      </p:par>
+    </p:tnLst>
+  </p:timing>
 </p:sld>
 </file>
 
@@ -7013,18 +9272,25 @@
   <p:clrMapOvr>
     <a:masterClrMapping/>
   </p:clrMapOvr>
-  <mc:AlternateContent xmlns:mc="http://schemas.openxmlformats.org/markup-compatibility/2006">
-    <mc:Choice xmlns:p14="http://schemas.microsoft.com/office/powerpoint/2010/main" Requires="p14">
+  <mc:AlternateContent xmlns:mc="http://schemas.openxmlformats.org/markup-compatibility/2006" xmlns:p14="http://schemas.microsoft.com/office/powerpoint/2010/main">
+    <mc:Choice Requires="p14">
       <p:transition spd="med" p14:dur="700">
         <p:fade/>
       </p:transition>
     </mc:Choice>
-    <mc:Fallback>
+    <mc:Fallback xmlns="">
       <p:transition spd="med">
         <p:fade/>
       </p:transition>
     </mc:Fallback>
   </mc:AlternateContent>
+  <p:timing>
+    <p:tnLst>
+      <p:par>
+        <p:cTn id="1" dur="indefinite" restart="never" nodeType="tmRoot"/>
+      </p:par>
+    </p:tnLst>
+  </p:timing>
 </p:sld>
 </file>
 
@@ -7211,98 +9477,17 @@
       </p:transition>
     </mc:Fallback>
   </mc:AlternateContent>
+  <p:timing>
+    <p:tnLst>
+      <p:par>
+        <p:cTn id="1" dur="indefinite" restart="never" nodeType="tmRoot"/>
+      </p:par>
+    </p:tnLst>
+  </p:timing>
 </p:sld>
 </file>
 
 <file path=ppt/slides/slide6.xml><?xml version="1.0" encoding="utf-8"?>
-<p:sld xmlns:a="http://schemas.openxmlformats.org/drawingml/2006/main" xmlns:r="http://schemas.openxmlformats.org/officeDocument/2006/relationships" xmlns:p="http://schemas.openxmlformats.org/presentationml/2006/main">
-  <p:cSld>
-    <p:spTree>
-      <p:nvGrpSpPr>
-        <p:cNvPr id="1" name=""/>
-        <p:cNvGrpSpPr/>
-        <p:nvPr/>
-      </p:nvGrpSpPr>
-      <p:grpSpPr>
-        <a:xfrm>
-          <a:off x="0" y="0"/>
-          <a:ext cx="0" cy="0"/>
-          <a:chOff x="0" y="0"/>
-          <a:chExt cx="0" cy="0"/>
-        </a:xfrm>
-      </p:grpSpPr>
-      <p:sp>
-        <p:nvSpPr>
-          <p:cNvPr id="2" name="Title 1"/>
-          <p:cNvSpPr>
-            <a:spLocks noGrp="1"/>
-          </p:cNvSpPr>
-          <p:nvPr>
-            <p:ph type="title"/>
-          </p:nvPr>
-        </p:nvSpPr>
-        <p:spPr/>
-        <p:txBody>
-          <a:bodyPr/>
-          <a:lstStyle/>
-          <a:p>
-            <a:r>
-              <a:rPr lang="en-CA" dirty="0" smtClean="0"/>
-              <a:t>Project Management 101</a:t>
-            </a:r>
-            <a:endParaRPr lang="en-CA" dirty="0"/>
-          </a:p>
-        </p:txBody>
-      </p:sp>
-      <p:sp>
-        <p:nvSpPr>
-          <p:cNvPr id="3" name="Content Placeholder 2"/>
-          <p:cNvSpPr>
-            <a:spLocks noGrp="1"/>
-          </p:cNvSpPr>
-          <p:nvPr>
-            <p:ph idx="1"/>
-          </p:nvPr>
-        </p:nvSpPr>
-        <p:spPr/>
-        <p:txBody>
-          <a:bodyPr/>
-          <a:lstStyle/>
-          <a:p>
-            <a:pPr marL="457200" indent="-457200">
-              <a:buFont typeface="+mj-lt"/>
-              <a:buAutoNum type="arabicPeriod"/>
-            </a:pPr>
-            <a:endParaRPr lang="en-CA" dirty="0" smtClean="0"/>
-          </a:p>
-        </p:txBody>
-      </p:sp>
-    </p:spTree>
-    <p:extLst>
-      <p:ext uri="{BB962C8B-B14F-4D97-AF65-F5344CB8AC3E}">
-        <p14:creationId xmlns:p14="http://schemas.microsoft.com/office/powerpoint/2010/main" val="3209290806"/>
-      </p:ext>
-    </p:extLst>
-  </p:cSld>
-  <p:clrMapOvr>
-    <a:masterClrMapping/>
-  </p:clrMapOvr>
-  <mc:AlternateContent xmlns:mc="http://schemas.openxmlformats.org/markup-compatibility/2006">
-    <mc:Choice xmlns:p14="http://schemas.microsoft.com/office/powerpoint/2010/main" Requires="p14">
-      <p:transition spd="med" p14:dur="700">
-        <p:fade/>
-      </p:transition>
-    </mc:Choice>
-    <mc:Fallback>
-      <p:transition spd="med">
-        <p:fade/>
-      </p:transition>
-    </mc:Fallback>
-  </mc:AlternateContent>
-</p:sld>
-</file>
-
-<file path=ppt/slides/slide7.xml><?xml version="1.0" encoding="utf-8"?>
 <p:sld xmlns:a="http://schemas.openxmlformats.org/drawingml/2006/main" xmlns:r="http://schemas.openxmlformats.org/officeDocument/2006/relationships" xmlns:p="http://schemas.openxmlformats.org/presentationml/2006/main">
   <p:cSld>
     <p:spTree>
@@ -7390,10 +9575,17 @@
       </p:transition>
     </mc:Fallback>
   </mc:AlternateContent>
+  <p:timing>
+    <p:tnLst>
+      <p:par>
+        <p:cTn id="1" dur="indefinite" restart="never" nodeType="tmRoot"/>
+      </p:par>
+    </p:tnLst>
+  </p:timing>
 </p:sld>
 </file>
 
-<file path=ppt/slides/slide8.xml><?xml version="1.0" encoding="utf-8"?>
+<file path=ppt/slides/slide7.xml><?xml version="1.0" encoding="utf-8"?>
 <p:sld xmlns:a="http://schemas.openxmlformats.org/drawingml/2006/main" xmlns:r="http://schemas.openxmlformats.org/officeDocument/2006/relationships" xmlns:p="http://schemas.openxmlformats.org/presentationml/2006/main">
   <p:cSld>
     <p:spTree>
@@ -7483,10 +9675,161 @@
           </a:prstGeom>
         </p:spPr>
       </p:pic>
+      <p:sp>
+        <p:nvSpPr>
+          <p:cNvPr id="3" name="TextBox 2"/>
+          <p:cNvSpPr txBox="1"/>
+          <p:nvPr/>
+        </p:nvSpPr>
+        <p:spPr>
+          <a:xfrm>
+            <a:off x="822960" y="5301208"/>
+            <a:ext cx="7709480" cy="830997"/>
+          </a:xfrm>
+          <a:prstGeom prst="rect">
+            <a:avLst/>
+          </a:prstGeom>
+          <a:noFill/>
+        </p:spPr>
+        <p:txBody>
+          <a:bodyPr wrap="square" rtlCol="0">
+            <a:spAutoFit/>
+          </a:bodyPr>
+          <a:lstStyle/>
+          <a:p>
+            <a:r>
+              <a:rPr lang="en-CA" dirty="0" smtClean="0"/>
+              <a:t>…this one isn’t too bad, many more outright failures or huge delays, all due to project management issues</a:t>
+            </a:r>
+            <a:endParaRPr lang="en-CA" dirty="0"/>
+          </a:p>
+        </p:txBody>
+      </p:sp>
     </p:spTree>
     <p:extLst>
       <p:ext uri="{BB962C8B-B14F-4D97-AF65-F5344CB8AC3E}">
         <p14:creationId xmlns:p14="http://schemas.microsoft.com/office/powerpoint/2010/main" val="4175984520"/>
+      </p:ext>
+    </p:extLst>
+  </p:cSld>
+  <p:clrMapOvr>
+    <a:masterClrMapping/>
+  </p:clrMapOvr>
+  <mc:AlternateContent xmlns:mc="http://schemas.openxmlformats.org/markup-compatibility/2006" xmlns:p14="http://schemas.microsoft.com/office/powerpoint/2010/main">
+    <mc:Choice Requires="p14">
+      <p:transition spd="med" p14:dur="700">
+        <p:fade/>
+      </p:transition>
+    </mc:Choice>
+    <mc:Fallback xmlns="">
+      <p:transition spd="med">
+        <p:fade/>
+      </p:transition>
+    </mc:Fallback>
+  </mc:AlternateContent>
+  <p:timing>
+    <p:tnLst>
+      <p:par>
+        <p:cTn id="1" dur="indefinite" restart="never" nodeType="tmRoot"/>
+      </p:par>
+    </p:tnLst>
+  </p:timing>
+</p:sld>
+</file>
+
+<file path=ppt/slides/slide8.xml><?xml version="1.0" encoding="utf-8"?>
+<p:sld xmlns:a="http://schemas.openxmlformats.org/drawingml/2006/main" xmlns:r="http://schemas.openxmlformats.org/officeDocument/2006/relationships" xmlns:p="http://schemas.openxmlformats.org/presentationml/2006/main">
+  <p:cSld>
+    <p:spTree>
+      <p:nvGrpSpPr>
+        <p:cNvPr id="1" name=""/>
+        <p:cNvGrpSpPr/>
+        <p:nvPr/>
+      </p:nvGrpSpPr>
+      <p:grpSpPr>
+        <a:xfrm>
+          <a:off x="0" y="0"/>
+          <a:ext cx="0" cy="0"/>
+          <a:chOff x="0" y="0"/>
+          <a:chExt cx="0" cy="0"/>
+        </a:xfrm>
+      </p:grpSpPr>
+      <p:sp>
+        <p:nvSpPr>
+          <p:cNvPr id="2" name="Title 1"/>
+          <p:cNvSpPr>
+            <a:spLocks noGrp="1"/>
+          </p:cNvSpPr>
+          <p:nvPr>
+            <p:ph type="title"/>
+          </p:nvPr>
+        </p:nvSpPr>
+        <p:spPr/>
+        <p:txBody>
+          <a:bodyPr/>
+          <a:lstStyle/>
+          <a:p>
+            <a:r>
+              <a:rPr lang="en-CA" dirty="0" smtClean="0"/>
+              <a:t>Project Management</a:t>
+            </a:r>
+            <a:endParaRPr lang="en-CA" dirty="0"/>
+          </a:p>
+        </p:txBody>
+      </p:sp>
+      <p:sp>
+        <p:nvSpPr>
+          <p:cNvPr id="3" name="Content Placeholder 2"/>
+          <p:cNvSpPr>
+            <a:spLocks noGrp="1"/>
+          </p:cNvSpPr>
+          <p:nvPr>
+            <p:ph idx="1"/>
+          </p:nvPr>
+        </p:nvSpPr>
+        <p:spPr/>
+        <p:txBody>
+          <a:bodyPr>
+            <a:normAutofit/>
+          </a:bodyPr>
+          <a:lstStyle/>
+          <a:p>
+            <a:pPr algn="ctr"/>
+            <a:endParaRPr lang="en-CA" sz="3200" b="1" dirty="0" smtClean="0"/>
+          </a:p>
+          <a:p>
+            <a:pPr algn="ctr"/>
+            <a:endParaRPr lang="en-CA" sz="3200" b="1" dirty="0" smtClean="0"/>
+          </a:p>
+          <a:p>
+            <a:pPr algn="ctr"/>
+            <a:endParaRPr lang="en-CA" sz="3200" b="1" dirty="0" smtClean="0"/>
+          </a:p>
+          <a:p>
+            <a:pPr algn="ctr"/>
+            <a:r>
+              <a:rPr lang="en-CA" sz="3200" b="1" dirty="0" smtClean="0"/>
+              <a:t>Your amazing project </a:t>
+            </a:r>
+            <a:r>
+              <a:rPr lang="en-CA" sz="3200" b="1" u="sng" dirty="0" smtClean="0">
+                <a:solidFill>
+                  <a:srgbClr val="FF0000"/>
+                </a:solidFill>
+              </a:rPr>
+              <a:t>WILL FAIL </a:t>
+            </a:r>
+            <a:r>
+              <a:rPr lang="en-CA" sz="3200" b="1" dirty="0" smtClean="0"/>
+              <a:t>without some form of project management.</a:t>
+            </a:r>
+          </a:p>
+        </p:txBody>
+      </p:sp>
+    </p:spTree>
+    <p:extLst>
+      <p:ext uri="{BB962C8B-B14F-4D97-AF65-F5344CB8AC3E}">
+        <p14:creationId xmlns:p14="http://schemas.microsoft.com/office/powerpoint/2010/main" val="4259479791"/>
       </p:ext>
     </p:extLst>
   </p:cSld>
@@ -7505,6 +9848,13 @@
       </p:transition>
     </mc:Fallback>
   </mc:AlternateContent>
+  <p:timing>
+    <p:tnLst>
+      <p:par>
+        <p:cTn id="1" dur="indefinite" restart="never" nodeType="tmRoot"/>
+      </p:par>
+    </p:tnLst>
+  </p:timing>
 </p:sld>
 </file>
 
@@ -7527,7 +9877,7 @@
       </p:grpSpPr>
       <p:sp>
         <p:nvSpPr>
-          <p:cNvPr id="4" name="Title 3"/>
+          <p:cNvPr id="2" name="Title 1"/>
           <p:cNvSpPr>
             <a:spLocks noGrp="1"/>
           </p:cNvSpPr>
@@ -7542,7 +9892,7 @@
           <a:p>
             <a:r>
               <a:rPr lang="en-CA" dirty="0" smtClean="0"/>
-              <a:t>Patents</a:t>
+              <a:t>Project Management 101</a:t>
             </a:r>
             <a:endParaRPr lang="en-CA" dirty="0"/>
           </a:p>
@@ -7550,12 +9900,12 @@
       </p:sp>
       <p:sp>
         <p:nvSpPr>
-          <p:cNvPr id="5" name="Text Placeholder 4"/>
-          <p:cNvSpPr>
-            <a:spLocks noGrp="1"/>
-          </p:cNvSpPr>
-          <p:nvPr>
-            <p:ph type="body" idx="1"/>
+          <p:cNvPr id="3" name="Content Placeholder 2"/>
+          <p:cNvSpPr>
+            <a:spLocks noGrp="1"/>
+          </p:cNvSpPr>
+          <p:nvPr>
+            <p:ph idx="1"/>
           </p:nvPr>
         </p:nvSpPr>
         <p:spPr/>
@@ -7563,44 +9913,116 @@
           <a:bodyPr/>
           <a:lstStyle/>
           <a:p>
-            <a:endParaRPr lang="en-CA"/>
-          </a:p>
-        </p:txBody>
-      </p:sp>
-      <p:sp>
-        <p:nvSpPr>
-          <p:cNvPr id="6" name="TextBox 5"/>
-          <p:cNvSpPr txBox="1"/>
-          <p:nvPr/>
-        </p:nvSpPr>
-        <p:spPr>
-          <a:xfrm>
-            <a:off x="683568" y="5746634"/>
-            <a:ext cx="8712968" cy="461665"/>
-          </a:xfrm>
-          <a:prstGeom prst="rect">
-            <a:avLst/>
-          </a:prstGeom>
-          <a:noFill/>
-        </p:spPr>
-        <p:txBody>
-          <a:bodyPr wrap="square" rtlCol="0">
-            <a:spAutoFit/>
-          </a:bodyPr>
-          <a:lstStyle/>
-          <a:p>
+            <a:pPr marL="457200" indent="-457200">
+              <a:buAutoNum type="arabicPeriod"/>
+            </a:pPr>
+            <a:r>
+              <a:rPr lang="en-CA" dirty="0" smtClean="0"/>
+              <a:t>Generate a “</a:t>
+            </a:r>
             <a:r>
               <a:rPr lang="en-CA" b="1" dirty="0" smtClean="0"/>
-              <a:t>**THIS IS NOT LEGAL ADVICE. I AM NOT A LAWYER.**</a:t>
-            </a:r>
-            <a:endParaRPr lang="en-CA" b="1" dirty="0"/>
+              <a:t>Work Breakdown Structure</a:t>
+            </a:r>
+            <a:r>
+              <a:rPr lang="en-CA" dirty="0" smtClean="0"/>
+              <a:t>” (WBS)</a:t>
+            </a:r>
+          </a:p>
+          <a:p>
+            <a:pPr marL="749808" lvl="1" indent="-457200">
+              <a:buAutoNum type="arabicPeriod"/>
+            </a:pPr>
+            <a:r>
+              <a:rPr lang="en-CA" dirty="0" smtClean="0"/>
+              <a:t>WBS breaks down our larger task into manageable chunks (deliverables)</a:t>
+            </a:r>
+          </a:p>
+          <a:p>
+            <a:pPr marL="749808" lvl="1" indent="-457200">
+              <a:buAutoNum type="arabicPeriod"/>
+            </a:pPr>
+            <a:r>
+              <a:rPr lang="en-CA" dirty="0" smtClean="0"/>
+              <a:t>WBS is *not* a schedule</a:t>
+            </a:r>
+          </a:p>
+          <a:p>
+            <a:pPr marL="749808" lvl="1" indent="-457200">
+              <a:buAutoNum type="arabicPeriod"/>
+            </a:pPr>
+            <a:r>
+              <a:rPr lang="en-CA" dirty="0" smtClean="0"/>
+              <a:t>WBS is done recursively until we reach a reasonable level of detail</a:t>
+            </a:r>
+          </a:p>
+          <a:p>
+            <a:pPr marL="457200" indent="-457200">
+              <a:buAutoNum type="arabicPeriod"/>
+            </a:pPr>
+            <a:r>
+              <a:rPr lang="en-CA" dirty="0" smtClean="0"/>
+              <a:t>Take WBS, turn it into a </a:t>
+            </a:r>
+            <a:r>
+              <a:rPr lang="en-CA" b="1" dirty="0" smtClean="0"/>
+              <a:t>schedule </a:t>
+            </a:r>
+            <a:endParaRPr lang="en-CA" dirty="0" smtClean="0"/>
+          </a:p>
+          <a:p>
+            <a:pPr marL="749808" lvl="1" indent="-457200">
+              <a:buAutoNum type="arabicPeriod"/>
+            </a:pPr>
+            <a:r>
+              <a:rPr lang="en-CA" dirty="0" smtClean="0"/>
+              <a:t>Estimate/determine time for each lower-level task</a:t>
+            </a:r>
+          </a:p>
+          <a:p>
+            <a:pPr marL="749808" lvl="1" indent="-457200">
+              <a:buAutoNum type="arabicPeriod"/>
+            </a:pPr>
+            <a:r>
+              <a:rPr lang="en-CA" dirty="0" smtClean="0"/>
+              <a:t>Chain tasks together, determine interconnection</a:t>
+            </a:r>
+          </a:p>
+          <a:p>
+            <a:pPr marL="749808" lvl="1" indent="-457200">
+              <a:buAutoNum type="arabicPeriod"/>
+            </a:pPr>
+            <a:r>
+              <a:rPr lang="en-CA" dirty="0" smtClean="0"/>
+              <a:t>Use graph if you want for this last step (the infamous </a:t>
+            </a:r>
+            <a:r>
+              <a:rPr lang="en-CA" b="1" dirty="0" smtClean="0"/>
+              <a:t>Gantt chart</a:t>
+            </a:r>
+            <a:r>
+              <a:rPr lang="en-CA" dirty="0" smtClean="0"/>
+              <a:t>)</a:t>
+            </a:r>
+          </a:p>
+          <a:p>
+            <a:pPr marL="749808" lvl="1" indent="-457200">
+              <a:buAutoNum type="arabicPeriod"/>
+            </a:pPr>
+            <a:endParaRPr lang="en-CA" dirty="0" smtClean="0"/>
+          </a:p>
+          <a:p>
+            <a:pPr marL="457200" indent="-457200">
+              <a:buAutoNum type="arabicPeriod"/>
+            </a:pPr>
+            <a:endParaRPr lang="en-CA" dirty="0" smtClean="0"/>
           </a:p>
         </p:txBody>
       </p:sp>
     </p:spTree>
     <p:extLst>
       <p:ext uri="{BB962C8B-B14F-4D97-AF65-F5344CB8AC3E}">
-        <p14:creationId xmlns:p14="http://schemas.microsoft.com/office/powerpoint/2010/main" val="4208771709"/>
+        <p14:creationId xmlns:p14="http://schemas.microsoft.com/office/powerpoint/2010/main" val="3209290806"/>
       </p:ext>
     </p:extLst>
   </p:cSld>
@@ -7619,6 +10041,13 @@
       </p:transition>
     </mc:Fallback>
   </mc:AlternateContent>
+  <p:timing>
+    <p:tnLst>
+      <p:par>
+        <p:cTn id="1" dur="indefinite" restart="never" nodeType="tmRoot"/>
+      </p:par>
+    </p:tnLst>
+  </p:timing>
 </p:sld>
 </file>
 

--- a/2015/Lectures/ECED 3901 - 03 - Project Managment.pptx
+++ b/2015/Lectures/ECED 3901 - 03 - Project Managment.pptx
@@ -5,10 +5,10 @@
     <p:sldMasterId id="2147483756" r:id="rId2"/>
   </p:sldMasterIdLst>
   <p:notesMasterIdLst>
-    <p:notesMasterId r:id="rId35"/>
+    <p:notesMasterId r:id="rId44"/>
   </p:notesMasterIdLst>
   <p:handoutMasterIdLst>
-    <p:handoutMasterId r:id="rId36"/>
+    <p:handoutMasterId r:id="rId45"/>
   </p:handoutMasterIdLst>
   <p:sldIdLst>
     <p:sldId id="257" r:id="rId3"/>
@@ -29,20 +29,29 @@
     <p:sldId id="317" r:id="rId18"/>
     <p:sldId id="318" r:id="rId19"/>
     <p:sldId id="316" r:id="rId20"/>
-    <p:sldId id="299" r:id="rId21"/>
-    <p:sldId id="287" r:id="rId22"/>
-    <p:sldId id="294" r:id="rId23"/>
-    <p:sldId id="288" r:id="rId24"/>
-    <p:sldId id="289" r:id="rId25"/>
-    <p:sldId id="303" r:id="rId26"/>
-    <p:sldId id="304" r:id="rId27"/>
-    <p:sldId id="305" r:id="rId28"/>
-    <p:sldId id="306" r:id="rId29"/>
-    <p:sldId id="298" r:id="rId30"/>
-    <p:sldId id="295" r:id="rId31"/>
-    <p:sldId id="309" r:id="rId32"/>
-    <p:sldId id="319" r:id="rId33"/>
-    <p:sldId id="284" r:id="rId34"/>
+    <p:sldId id="321" r:id="rId21"/>
+    <p:sldId id="322" r:id="rId22"/>
+    <p:sldId id="324" r:id="rId23"/>
+    <p:sldId id="325" r:id="rId24"/>
+    <p:sldId id="326" r:id="rId25"/>
+    <p:sldId id="327" r:id="rId26"/>
+    <p:sldId id="323" r:id="rId27"/>
+    <p:sldId id="299" r:id="rId28"/>
+    <p:sldId id="287" r:id="rId29"/>
+    <p:sldId id="294" r:id="rId30"/>
+    <p:sldId id="288" r:id="rId31"/>
+    <p:sldId id="289" r:id="rId32"/>
+    <p:sldId id="303" r:id="rId33"/>
+    <p:sldId id="304" r:id="rId34"/>
+    <p:sldId id="305" r:id="rId35"/>
+    <p:sldId id="306" r:id="rId36"/>
+    <p:sldId id="298" r:id="rId37"/>
+    <p:sldId id="295" r:id="rId38"/>
+    <p:sldId id="309" r:id="rId39"/>
+    <p:sldId id="319" r:id="rId40"/>
+    <p:sldId id="329" r:id="rId41"/>
+    <p:sldId id="328" r:id="rId42"/>
+    <p:sldId id="284" r:id="rId43"/>
   </p:sldIdLst>
   <p:sldSz cx="9144000" cy="6858000" type="screen4x3"/>
   <p:notesSz cx="6858000" cy="9144000"/>
@@ -256,7 +265,7 @@
           <a:p>
             <a:fld id="{FE5B4EDC-59C0-49C7-8ADA-5A781B329E02}" type="datetimeFigureOut">
               <a:rPr lang="en-US"/>
-              <a:t>5/12/2015</a:t>
+              <a:t>5/14/2015</a:t>
             </a:fld>
             <a:endParaRPr dirty="0"/>
           </a:p>
@@ -421,7 +430,7 @@
           <a:p>
             <a:fld id="{F2D8D46A-B586-417D-BFBD-8C8FE0AAF762}" type="datetimeFigureOut">
               <a:rPr lang="en-US"/>
-              <a:t>5/12/2015</a:t>
+              <a:t>5/14/2015</a:t>
             </a:fld>
             <a:endParaRPr dirty="0"/>
           </a:p>
@@ -914,7 +923,7 @@
           <a:p>
             <a:fld id="{F0DFD029-FB74-4578-B929-F66AA97659CA}" type="datetimeFigureOut">
               <a:rPr lang="en-US" smtClean="0"/>
-              <a:t>5/12/2015</a:t>
+              <a:t>5/14/2015</a:t>
             </a:fld>
             <a:endParaRPr lang="en-US" dirty="0"/>
           </a:p>
@@ -1145,7 +1154,7 @@
           <a:p>
             <a:fld id="{F0DFD029-FB74-4578-B929-F66AA97659CA}" type="datetimeFigureOut">
               <a:rPr lang="en-US" smtClean="0"/>
-              <a:t>5/12/2015</a:t>
+              <a:t>5/14/2015</a:t>
             </a:fld>
             <a:endParaRPr lang="en-US" dirty="0"/>
           </a:p>
@@ -1420,7 +1429,7 @@
           <a:p>
             <a:fld id="{F0DFD029-FB74-4578-B929-F66AA97659CA}" type="datetimeFigureOut">
               <a:rPr lang="en-US" smtClean="0"/>
-              <a:t>5/12/2015</a:t>
+              <a:t>5/14/2015</a:t>
             </a:fld>
             <a:endParaRPr lang="en-US" dirty="0"/>
           </a:p>
@@ -1609,7 +1618,7 @@
           <a:p>
             <a:fld id="{F0DFD029-FB74-4578-B929-F66AA97659CA}" type="datetimeFigureOut">
               <a:rPr lang="en-US" smtClean="0"/>
-              <a:t>5/12/2015</a:t>
+              <a:t>5/14/2015</a:t>
             </a:fld>
             <a:endParaRPr lang="en-US" dirty="0"/>
           </a:p>
@@ -1975,7 +1984,7 @@
           <a:p>
             <a:fld id="{F0DFD029-FB74-4578-B929-F66AA97659CA}" type="datetimeFigureOut">
               <a:rPr lang="en-US" smtClean="0"/>
-              <a:t>5/12/2015</a:t>
+              <a:t>5/14/2015</a:t>
             </a:fld>
             <a:endParaRPr lang="en-US" dirty="0"/>
           </a:p>
@@ -2269,7 +2278,7 @@
           <a:p>
             <a:fld id="{F0DFD029-FB74-4578-B929-F66AA97659CA}" type="datetimeFigureOut">
               <a:rPr lang="en-US" smtClean="0"/>
-              <a:t>5/12/2015</a:t>
+              <a:t>5/14/2015</a:t>
             </a:fld>
             <a:endParaRPr lang="en-US" dirty="0"/>
           </a:p>
@@ -2667,7 +2676,7 @@
           <a:p>
             <a:fld id="{F0DFD029-FB74-4578-B929-F66AA97659CA}" type="datetimeFigureOut">
               <a:rPr lang="en-US" smtClean="0"/>
-              <a:t>5/12/2015</a:t>
+              <a:t>5/14/2015</a:t>
             </a:fld>
             <a:endParaRPr lang="en-US" dirty="0"/>
           </a:p>
@@ -2804,7 +2813,7 @@
           <a:p>
             <a:fld id="{F0DFD029-FB74-4578-B929-F66AA97659CA}" type="datetimeFigureOut">
               <a:rPr lang="en-US" smtClean="0"/>
-              <a:t>5/12/2015</a:t>
+              <a:t>5/14/2015</a:t>
             </a:fld>
             <a:endParaRPr lang="en-US" dirty="0"/>
           </a:p>
@@ -2994,7 +3003,7 @@
           <a:p>
             <a:fld id="{F0DFD029-FB74-4578-B929-F66AA97659CA}" type="datetimeFigureOut">
               <a:rPr lang="en-US" smtClean="0"/>
-              <a:t>5/12/2015</a:t>
+              <a:t>5/14/2015</a:t>
             </a:fld>
             <a:endParaRPr lang="en-US" dirty="0"/>
           </a:p>
@@ -3367,7 +3376,7 @@
           <a:p>
             <a:fld id="{F0DFD029-FB74-4578-B929-F66AA97659CA}" type="datetimeFigureOut">
               <a:rPr lang="en-US" smtClean="0"/>
-              <a:t>5/12/2015</a:t>
+              <a:t>5/14/2015</a:t>
             </a:fld>
             <a:endParaRPr lang="en-US" dirty="0"/>
           </a:p>
@@ -3763,7 +3772,7 @@
           <a:p>
             <a:fld id="{F0DFD029-FB74-4578-B929-F66AA97659CA}" type="datetimeFigureOut">
               <a:rPr lang="en-US" smtClean="0"/>
-              <a:t>5/12/2015</a:t>
+              <a:t>5/14/2015</a:t>
             </a:fld>
             <a:endParaRPr lang="en-US" dirty="0"/>
           </a:p>
@@ -4077,7 +4086,7 @@
             <a:fld id="{F0DFD029-FB74-4578-B929-F66AA97659CA}" type="datetimeFigureOut">
               <a:rPr lang="en-US" smtClean="0"/>
               <a:pPr/>
-              <a:t>5/12/2015</a:t>
+              <a:t>5/14/2015</a:t>
             </a:fld>
             <a:endParaRPr lang="en-US" dirty="0"/>
           </a:p>
@@ -4890,13 +4899,13 @@
   <p:clrMapOvr>
     <a:masterClrMapping/>
   </p:clrMapOvr>
-  <mc:AlternateContent xmlns:mc="http://schemas.openxmlformats.org/markup-compatibility/2006">
-    <mc:Choice xmlns:p14="http://schemas.microsoft.com/office/powerpoint/2010/main" Requires="p14">
+  <mc:AlternateContent xmlns:mc="http://schemas.openxmlformats.org/markup-compatibility/2006" xmlns:p14="http://schemas.microsoft.com/office/powerpoint/2010/main">
+    <mc:Choice Requires="p14">
       <p:transition spd="med" p14:dur="700">
         <p:fade/>
       </p:transition>
     </mc:Choice>
-    <mc:Fallback>
+    <mc:Fallback xmlns="">
       <p:transition spd="med">
         <p:fade/>
       </p:transition>
@@ -6521,13 +6530,13 @@
   <p:clrMapOvr>
     <a:masterClrMapping/>
   </p:clrMapOvr>
-  <mc:AlternateContent xmlns:mc="http://schemas.openxmlformats.org/markup-compatibility/2006">
-    <mc:Choice xmlns:p14="http://schemas.microsoft.com/office/powerpoint/2010/main" Requires="p14">
+  <mc:AlternateContent xmlns:mc="http://schemas.openxmlformats.org/markup-compatibility/2006" xmlns:p14="http://schemas.microsoft.com/office/powerpoint/2010/main">
+    <mc:Choice Requires="p14">
       <p:transition spd="med" p14:dur="700">
         <p:fade/>
       </p:transition>
     </mc:Choice>
-    <mc:Fallback>
+    <mc:Fallback xmlns="">
       <p:transition spd="med">
         <p:fade/>
       </p:transition>
@@ -6666,13 +6675,13 @@
   <p:clrMapOvr>
     <a:masterClrMapping/>
   </p:clrMapOvr>
-  <mc:AlternateContent xmlns:mc="http://schemas.openxmlformats.org/markup-compatibility/2006">
-    <mc:Choice xmlns:p14="http://schemas.microsoft.com/office/powerpoint/2010/main" Requires="p14">
+  <mc:AlternateContent xmlns:mc="http://schemas.openxmlformats.org/markup-compatibility/2006" xmlns:p14="http://schemas.microsoft.com/office/powerpoint/2010/main">
+    <mc:Choice Requires="p14">
       <p:transition spd="med" p14:dur="700">
         <p:fade/>
       </p:transition>
     </mc:Choice>
-    <mc:Fallback>
+    <mc:Fallback xmlns="">
       <p:transition spd="med">
         <p:fade/>
       </p:transition>
@@ -6779,6 +6788,28 @@
               <a:rPr lang="en-CA" dirty="0" smtClean="0"/>
               <a:t>Consider scheduling for your robot – will be a big part of the plan</a:t>
             </a:r>
+          </a:p>
+          <a:p>
+            <a:pPr marL="457200" indent="-457200">
+              <a:buFont typeface="+mj-lt"/>
+              <a:buAutoNum type="arabicPeriod"/>
+            </a:pPr>
+            <a:r>
+              <a:rPr lang="en-CA" dirty="0" smtClean="0"/>
+              <a:t>Scheduling will be a </a:t>
+            </a:r>
+            <a:r>
+              <a:rPr lang="en-CA" i="1" dirty="0" smtClean="0"/>
+              <a:t>major</a:t>
+            </a:r>
+            <a:r>
+              <a:rPr lang="en-CA" dirty="0"/>
+              <a:t> </a:t>
+            </a:r>
+            <a:r>
+              <a:rPr lang="en-CA" dirty="0" smtClean="0"/>
+              <a:t>part of your progress report and final report – so start thinking about it now!</a:t>
+            </a:r>
             <a:endParaRPr lang="en-CA" dirty="0"/>
           </a:p>
         </p:txBody>
@@ -6793,13 +6824,13 @@
   <p:clrMapOvr>
     <a:masterClrMapping/>
   </p:clrMapOvr>
-  <mc:AlternateContent xmlns:mc="http://schemas.openxmlformats.org/markup-compatibility/2006">
-    <mc:Choice xmlns:p14="http://schemas.microsoft.com/office/powerpoint/2010/main" Requires="p14">
+  <mc:AlternateContent xmlns:mc="http://schemas.openxmlformats.org/markup-compatibility/2006" xmlns:p14="http://schemas.microsoft.com/office/powerpoint/2010/main">
+    <mc:Choice Requires="p14">
       <p:transition spd="med" p14:dur="700">
         <p:fade/>
       </p:transition>
     </mc:Choice>
-    <mc:Fallback>
+    <mc:Fallback xmlns="">
       <p:transition spd="med">
         <p:fade/>
       </p:transition>
@@ -6834,7 +6865,7 @@
       </p:grpSpPr>
       <p:sp>
         <p:nvSpPr>
-          <p:cNvPr id="4" name="Title 3"/>
+          <p:cNvPr id="6" name="Title 5"/>
           <p:cNvSpPr>
             <a:spLocks noGrp="1"/>
           </p:cNvSpPr>
@@ -6849,7 +6880,7 @@
           <a:p>
             <a:r>
               <a:rPr lang="en-CA" dirty="0" smtClean="0"/>
-              <a:t>Patents</a:t>
+              <a:t>Risk Management</a:t>
             </a:r>
             <a:endParaRPr lang="en-CA" dirty="0"/>
           </a:p>
@@ -6857,7 +6888,7 @@
       </p:sp>
       <p:sp>
         <p:nvSpPr>
-          <p:cNvPr id="5" name="Text Placeholder 4"/>
+          <p:cNvPr id="7" name="Text Placeholder 6"/>
           <p:cNvSpPr>
             <a:spLocks noGrp="1"/>
           </p:cNvSpPr>
@@ -6871,43 +6902,13 @@
           <a:lstStyle/>
           <a:p>
             <a:endParaRPr lang="en-CA"/>
-          </a:p>
-        </p:txBody>
-      </p:sp>
-      <p:sp>
-        <p:nvSpPr>
-          <p:cNvPr id="6" name="TextBox 5"/>
-          <p:cNvSpPr txBox="1"/>
-          <p:nvPr/>
-        </p:nvSpPr>
-        <p:spPr>
-          <a:xfrm>
-            <a:off x="683568" y="5746634"/>
-            <a:ext cx="8712968" cy="461665"/>
-          </a:xfrm>
-          <a:prstGeom prst="rect">
-            <a:avLst/>
-          </a:prstGeom>
-          <a:noFill/>
-        </p:spPr>
-        <p:txBody>
-          <a:bodyPr wrap="square" rtlCol="0">
-            <a:spAutoFit/>
-          </a:bodyPr>
-          <a:lstStyle/>
-          <a:p>
-            <a:r>
-              <a:rPr lang="en-CA" b="1" dirty="0" smtClean="0"/>
-              <a:t>**THIS IS NOT LEGAL ADVICE. I AM NOT A LAWYER.**</a:t>
-            </a:r>
-            <a:endParaRPr lang="en-CA" b="1" dirty="0"/>
           </a:p>
         </p:txBody>
       </p:sp>
     </p:spTree>
     <p:extLst>
       <p:ext uri="{BB962C8B-B14F-4D97-AF65-F5344CB8AC3E}">
-        <p14:creationId xmlns:p14="http://schemas.microsoft.com/office/powerpoint/2010/main" val="4208771709"/>
+        <p14:creationId xmlns:p14="http://schemas.microsoft.com/office/powerpoint/2010/main" val="1182595102"/>
       </p:ext>
     </p:extLst>
   </p:cSld>
@@ -7051,7 +7052,6 @@
               <a:rPr lang="en-CA" dirty="0" smtClean="0"/>
               <a:t>Compliance</a:t>
             </a:r>
-            <a:endParaRPr lang="en-CA" dirty="0" smtClean="0"/>
           </a:p>
         </p:txBody>
       </p:sp>
@@ -7106,7 +7106,7 @@
       </p:grpSpPr>
       <p:sp>
         <p:nvSpPr>
-          <p:cNvPr id="2" name="Title 1"/>
+          <p:cNvPr id="4" name="Title 3"/>
           <p:cNvSpPr>
             <a:spLocks noGrp="1"/>
           </p:cNvSpPr>
@@ -7121,7 +7121,7 @@
           <a:p>
             <a:r>
               <a:rPr lang="en-CA" dirty="0" smtClean="0"/>
-              <a:t>Patents</a:t>
+              <a:t>Common Risks</a:t>
             </a:r>
             <a:endParaRPr lang="en-CA" dirty="0"/>
           </a:p>
@@ -7129,7 +7129,7 @@
       </p:sp>
       <p:sp>
         <p:nvSpPr>
-          <p:cNvPr id="3" name="Content Placeholder 2"/>
+          <p:cNvPr id="5" name="Content Placeholder 4"/>
           <p:cNvSpPr>
             <a:spLocks noGrp="1"/>
           </p:cNvSpPr>
@@ -7139,9 +7139,7 @@
         </p:nvSpPr>
         <p:spPr/>
         <p:txBody>
-          <a:bodyPr>
-            <a:normAutofit lnSpcReduction="10000"/>
-          </a:bodyPr>
+          <a:bodyPr/>
           <a:lstStyle/>
           <a:p>
             <a:pPr>
@@ -7149,13 +7147,15 @@
               <a:buChar char="•"/>
             </a:pPr>
             <a:r>
-              <a:rPr lang="en-CA" dirty="0"/>
-              <a:t> </a:t>
-            </a:r>
-            <a:r>
-              <a:rPr lang="en-CA" dirty="0" smtClean="0"/>
-              <a:t>Prevents someone else from selling a device which ‘infringes’ on your claims</a:t>
-            </a:r>
+              <a:rPr lang="en-CA" dirty="0" smtClean="0"/>
+              <a:t> Time &amp; Cost estimates incorrect</a:t>
+            </a:r>
+          </a:p>
+          <a:p>
+            <a:pPr marL="0" indent="0">
+              <a:buNone/>
+            </a:pPr>
+            <a:endParaRPr lang="en-CA" dirty="0" smtClean="0"/>
           </a:p>
           <a:p>
             <a:pPr>
@@ -7168,8 +7168,14 @@
             </a:r>
             <a:r>
               <a:rPr lang="en-CA" dirty="0" smtClean="0"/>
-              <a:t>Is *NOT* a license to sell the device, is possible your device still infringes on someone else's patent</a:t>
-            </a:r>
+              <a:t>Budget Changes</a:t>
+            </a:r>
+          </a:p>
+          <a:p>
+            <a:pPr marL="0" indent="0">
+              <a:buNone/>
+            </a:pPr>
+            <a:endParaRPr lang="en-CA" dirty="0" smtClean="0"/>
           </a:p>
           <a:p>
             <a:pPr>
@@ -7182,8 +7188,14 @@
             </a:r>
             <a:r>
               <a:rPr lang="en-CA" dirty="0" smtClean="0"/>
-              <a:t>Only enforceable in geographic area issued in (i.e. US, Canada, UK, China, etc.)</a:t>
-            </a:r>
+              <a:t>Change of Scope</a:t>
+            </a:r>
+          </a:p>
+          <a:p>
+            <a:pPr marL="0" indent="0">
+              <a:buNone/>
+            </a:pPr>
+            <a:endParaRPr lang="en-CA" dirty="0" smtClean="0"/>
           </a:p>
           <a:p>
             <a:pPr>
@@ -7196,11 +7208,7 @@
             </a:r>
             <a:r>
               <a:rPr lang="en-CA" dirty="0" smtClean="0"/>
-              <a:t>A patent is effectively </a:t>
-            </a:r>
-            <a:r>
-              <a:rPr lang="en-CA" b="1" dirty="0" smtClean="0"/>
-              <a:t>a legal proceeding</a:t>
+              <a:t>Legal issues</a:t>
             </a:r>
           </a:p>
           <a:p>
@@ -7210,80 +7218,26 @@
             <a:endParaRPr lang="en-CA" dirty="0" smtClean="0"/>
           </a:p>
           <a:p>
-            <a:pPr lvl="1">
+            <a:pPr>
               <a:buFont typeface="Arial" panose="020B0604020202020204" pitchFamily="34" charset="0"/>
               <a:buChar char="•"/>
             </a:pPr>
             <a:r>
-              <a:rPr lang="en-CA" dirty="0" smtClean="0"/>
-              <a:t>The patent office (and later possibly a third party) is using standard legal procedure to reach a ‘verdict’</a:t>
-            </a:r>
-          </a:p>
-          <a:p>
-            <a:pPr marL="201168" lvl="1" indent="0">
-              <a:buNone/>
-            </a:pPr>
-            <a:endParaRPr lang="en-CA" dirty="0" smtClean="0"/>
-          </a:p>
-          <a:p>
-            <a:pPr lvl="1">
-              <a:buFont typeface="Arial" panose="020B0604020202020204" pitchFamily="34" charset="0"/>
-              <a:buChar char="•"/>
-            </a:pPr>
-            <a:r>
-              <a:rPr lang="en-CA" dirty="0" smtClean="0"/>
-              <a:t>Your initial claims that will be </a:t>
-            </a:r>
-            <a:r>
-              <a:rPr lang="en-CA" b="1" dirty="0" smtClean="0"/>
-              <a:t>examined</a:t>
-            </a:r>
-            <a:r>
-              <a:rPr lang="en-CA" dirty="0" smtClean="0"/>
-              <a:t> are your </a:t>
-            </a:r>
-            <a:r>
-              <a:rPr lang="en-CA" b="1" dirty="0" smtClean="0"/>
-              <a:t>patent application</a:t>
-            </a:r>
-            <a:endParaRPr lang="en-CA" b="1" dirty="0"/>
-          </a:p>
-        </p:txBody>
-      </p:sp>
-      <p:sp>
-        <p:nvSpPr>
-          <p:cNvPr id="4" name="TextBox 3"/>
-          <p:cNvSpPr txBox="1"/>
-          <p:nvPr/>
-        </p:nvSpPr>
-        <p:spPr>
-          <a:xfrm>
-            <a:off x="683568" y="5746634"/>
-            <a:ext cx="8712968" cy="461665"/>
-          </a:xfrm>
-          <a:prstGeom prst="rect">
-            <a:avLst/>
-          </a:prstGeom>
-          <a:noFill/>
-        </p:spPr>
-        <p:txBody>
-          <a:bodyPr wrap="square" rtlCol="0">
-            <a:spAutoFit/>
-          </a:bodyPr>
-          <a:lstStyle/>
-          <a:p>
-            <a:r>
-              <a:rPr lang="en-CA" b="1" dirty="0" smtClean="0"/>
-              <a:t>**THIS IS NOT LEGAL ADVICE. I AM NOT A LAWYER.**</a:t>
-            </a:r>
-            <a:endParaRPr lang="en-CA" b="1" dirty="0"/>
+              <a:rPr lang="en-CA" dirty="0"/>
+              <a:t> </a:t>
+            </a:r>
+            <a:r>
+              <a:rPr lang="en-CA" dirty="0" smtClean="0"/>
+              <a:t>Supplier issues</a:t>
+            </a:r>
+            <a:endParaRPr lang="en-CA" dirty="0"/>
           </a:p>
         </p:txBody>
       </p:sp>
     </p:spTree>
     <p:extLst>
       <p:ext uri="{BB962C8B-B14F-4D97-AF65-F5344CB8AC3E}">
-        <p14:creationId xmlns:p14="http://schemas.microsoft.com/office/powerpoint/2010/main" val="836915073"/>
+        <p14:creationId xmlns:p14="http://schemas.microsoft.com/office/powerpoint/2010/main" val="1804398478"/>
       </p:ext>
     </p:extLst>
   </p:cSld>
@@ -7331,7 +7285,7 @@
       </p:grpSpPr>
       <p:sp>
         <p:nvSpPr>
-          <p:cNvPr id="2" name="Title 1"/>
+          <p:cNvPr id="4" name="Title 3"/>
           <p:cNvSpPr>
             <a:spLocks noGrp="1"/>
           </p:cNvSpPr>
@@ -7346,7 +7300,7 @@
           <a:p>
             <a:r>
               <a:rPr lang="en-CA" dirty="0" smtClean="0"/>
-              <a:t>Reading a Patent</a:t>
+              <a:t>Common Risks</a:t>
             </a:r>
             <a:endParaRPr lang="en-CA" dirty="0"/>
           </a:p>
@@ -7354,7 +7308,7 @@
       </p:sp>
       <p:sp>
         <p:nvSpPr>
-          <p:cNvPr id="3" name="Content Placeholder 2"/>
+          <p:cNvPr id="5" name="Content Placeholder 4"/>
           <p:cNvSpPr>
             <a:spLocks noGrp="1"/>
           </p:cNvSpPr>
@@ -7364,108 +7318,181 @@
         </p:nvSpPr>
         <p:spPr/>
         <p:txBody>
-          <a:bodyPr/>
-          <a:lstStyle/>
-          <a:p>
-            <a:r>
-              <a:rPr lang="en-CA" dirty="0" smtClean="0"/>
-              <a:t>Important Sections:</a:t>
-            </a:r>
-          </a:p>
-          <a:p>
-            <a:r>
-              <a:rPr lang="en-CA" dirty="0" smtClean="0"/>
-              <a:t>1) Claims</a:t>
-            </a:r>
-          </a:p>
-          <a:p>
-            <a:r>
-              <a:rPr lang="en-CA" dirty="0" smtClean="0"/>
-              <a:t>2) Everything else</a:t>
-            </a:r>
-          </a:p>
-          <a:p>
-            <a:endParaRPr lang="en-CA" dirty="0"/>
-          </a:p>
-          <a:p>
-            <a:r>
-              <a:rPr lang="en-CA" dirty="0" smtClean="0"/>
-              <a:t>The ‘Claims’ is </a:t>
-            </a:r>
-            <a:r>
-              <a:rPr lang="en-CA" u="sng" dirty="0" smtClean="0"/>
-              <a:t>solely</a:t>
-            </a:r>
-            <a:r>
-              <a:rPr lang="en-CA" dirty="0" smtClean="0"/>
-              <a:t> what is claimed as the </a:t>
-            </a:r>
-            <a:r>
-              <a:rPr lang="en-CA" u="sng" dirty="0" smtClean="0"/>
-              <a:t>innovative material</a:t>
-            </a:r>
-            <a:r>
-              <a:rPr lang="en-CA" dirty="0" smtClean="0"/>
-              <a:t>.</a:t>
-            </a:r>
-          </a:p>
-          <a:p>
-            <a:r>
-              <a:rPr lang="en-CA" dirty="0" smtClean="0"/>
-              <a:t>The ‘Specification’ must detail how it works etc., and can restrict the claims. However lots of material written in the specification may be well-known already. </a:t>
-            </a:r>
-          </a:p>
-          <a:p>
-            <a:r>
-              <a:rPr lang="en-CA" dirty="0" smtClean="0"/>
-              <a:t>Prior art must read on the </a:t>
-            </a:r>
-            <a:r>
-              <a:rPr lang="en-CA" u="sng" dirty="0" smtClean="0"/>
-              <a:t>claims</a:t>
-            </a:r>
-            <a:r>
-              <a:rPr lang="en-CA" dirty="0" smtClean="0"/>
-              <a:t>.</a:t>
-            </a:r>
-            <a:endParaRPr lang="en-CA" dirty="0"/>
-          </a:p>
-        </p:txBody>
-      </p:sp>
-      <p:sp>
-        <p:nvSpPr>
-          <p:cNvPr id="4" name="TextBox 3"/>
-          <p:cNvSpPr txBox="1"/>
-          <p:nvPr/>
-        </p:nvSpPr>
-        <p:spPr>
-          <a:xfrm>
-            <a:off x="683568" y="5746634"/>
-            <a:ext cx="8712968" cy="461665"/>
-          </a:xfrm>
-          <a:prstGeom prst="rect">
-            <a:avLst/>
-          </a:prstGeom>
-          <a:noFill/>
-        </p:spPr>
-        <p:txBody>
-          <a:bodyPr wrap="square" rtlCol="0">
-            <a:spAutoFit/>
+          <a:bodyPr>
+            <a:normAutofit fontScale="85000" lnSpcReduction="20000"/>
           </a:bodyPr>
           <a:lstStyle/>
           <a:p>
-            <a:r>
-              <a:rPr lang="en-CA" b="1" dirty="0" smtClean="0"/>
-              <a:t>**THIS IS NOT LEGAL ADVICE. I AM NOT A LAWYER.**</a:t>
-            </a:r>
-            <a:endParaRPr lang="en-CA" b="1" dirty="0"/>
+            <a:pPr>
+              <a:buFont typeface="Arial" panose="020B0604020202020204" pitchFamily="34" charset="0"/>
+              <a:buChar char="•"/>
+            </a:pPr>
+            <a:r>
+              <a:rPr lang="en-CA" dirty="0" smtClean="0"/>
+              <a:t> Time &amp; Cost estimates incorrect</a:t>
+            </a:r>
+          </a:p>
+          <a:p>
+            <a:pPr marL="0" indent="0">
+              <a:buNone/>
+            </a:pPr>
+            <a:r>
+              <a:rPr lang="en-CA" dirty="0" smtClean="0">
+                <a:solidFill>
+                  <a:srgbClr val="FF0000"/>
+                </a:solidFill>
+              </a:rPr>
+              <a:t>     Project is more complicated than expected</a:t>
+            </a:r>
+          </a:p>
+          <a:p>
+            <a:pPr>
+              <a:buFont typeface="Arial" panose="020B0604020202020204" pitchFamily="34" charset="0"/>
+              <a:buChar char="•"/>
+            </a:pPr>
+            <a:r>
+              <a:rPr lang="en-CA" dirty="0"/>
+              <a:t> </a:t>
+            </a:r>
+            <a:r>
+              <a:rPr lang="en-CA" dirty="0" smtClean="0"/>
+              <a:t>Budget Changes</a:t>
+            </a:r>
+          </a:p>
+          <a:p>
+            <a:pPr marL="0" indent="0">
+              <a:buNone/>
+            </a:pPr>
+            <a:r>
+              <a:rPr lang="en-CA" dirty="0" smtClean="0">
+                <a:solidFill>
+                  <a:srgbClr val="FF0000"/>
+                </a:solidFill>
+              </a:rPr>
+              <a:t>     Project based on overall budget, then overall budget cut</a:t>
+            </a:r>
+          </a:p>
+          <a:p>
+            <a:pPr>
+              <a:buFont typeface="Arial" panose="020B0604020202020204" pitchFamily="34" charset="0"/>
+              <a:buChar char="•"/>
+            </a:pPr>
+            <a:r>
+              <a:rPr lang="en-CA" dirty="0"/>
+              <a:t> </a:t>
+            </a:r>
+            <a:r>
+              <a:rPr lang="en-CA" dirty="0" smtClean="0"/>
+              <a:t>Change of Scope</a:t>
+            </a:r>
+          </a:p>
+          <a:p>
+            <a:pPr marL="0" indent="0">
+              <a:buNone/>
+            </a:pPr>
+            <a:r>
+              <a:rPr lang="en-CA" dirty="0" smtClean="0">
+                <a:solidFill>
+                  <a:srgbClr val="FF0000"/>
+                </a:solidFill>
+              </a:rPr>
+              <a:t>     Not fully defined before starting project</a:t>
+            </a:r>
+          </a:p>
+          <a:p>
+            <a:pPr>
+              <a:buFont typeface="Arial" panose="020B0604020202020204" pitchFamily="34" charset="0"/>
+              <a:buChar char="•"/>
+            </a:pPr>
+            <a:r>
+              <a:rPr lang="en-CA" dirty="0"/>
+              <a:t> </a:t>
+            </a:r>
+            <a:r>
+              <a:rPr lang="en-CA" dirty="0" smtClean="0"/>
+              <a:t>Legal issues</a:t>
+            </a:r>
+          </a:p>
+          <a:p>
+            <a:pPr marL="0" indent="0">
+              <a:buNone/>
+            </a:pPr>
+            <a:r>
+              <a:rPr lang="en-CA" dirty="0" smtClean="0"/>
+              <a:t>     </a:t>
+            </a:r>
+            <a:r>
+              <a:rPr lang="en-CA" dirty="0" smtClean="0">
+                <a:solidFill>
+                  <a:srgbClr val="FF0000"/>
+                </a:solidFill>
+              </a:rPr>
+              <a:t>We need special certifications, those cost $50k and take 6 months</a:t>
+            </a:r>
+          </a:p>
+          <a:p>
+            <a:pPr>
+              <a:buFont typeface="Arial" panose="020B0604020202020204" pitchFamily="34" charset="0"/>
+              <a:buChar char="•"/>
+            </a:pPr>
+            <a:r>
+              <a:rPr lang="en-CA" dirty="0"/>
+              <a:t> </a:t>
+            </a:r>
+            <a:r>
+              <a:rPr lang="en-CA" dirty="0" smtClean="0"/>
+              <a:t>Supplier issues</a:t>
+            </a:r>
+          </a:p>
+          <a:p>
+            <a:pPr marL="0" indent="0">
+              <a:buNone/>
+            </a:pPr>
+            <a:r>
+              <a:rPr lang="en-CA" dirty="0" smtClean="0"/>
+              <a:t>     </a:t>
+            </a:r>
+            <a:r>
+              <a:rPr lang="en-CA" dirty="0" smtClean="0">
+                <a:solidFill>
+                  <a:srgbClr val="FF0000"/>
+                </a:solidFill>
+              </a:rPr>
+              <a:t>Part is on backorder with 14-week lead time, but when we designed the  </a:t>
+            </a:r>
+          </a:p>
+          <a:p>
+            <a:pPr marL="0" indent="0">
+              <a:buNone/>
+            </a:pPr>
+            <a:r>
+              <a:rPr lang="en-CA" dirty="0">
+                <a:solidFill>
+                  <a:srgbClr val="FF0000"/>
+                </a:solidFill>
+              </a:rPr>
+              <a:t> </a:t>
+            </a:r>
+            <a:r>
+              <a:rPr lang="en-CA" dirty="0" smtClean="0">
+                <a:solidFill>
+                  <a:srgbClr val="FF0000"/>
+                </a:solidFill>
+              </a:rPr>
+              <a:t>     system it was widely available.</a:t>
+            </a:r>
+            <a:endParaRPr lang="en-CA" dirty="0">
+              <a:solidFill>
+                <a:srgbClr val="FF0000"/>
+              </a:solidFill>
+            </a:endParaRPr>
           </a:p>
         </p:txBody>
       </p:sp>
     </p:spTree>
     <p:extLst>
       <p:ext uri="{BB962C8B-B14F-4D97-AF65-F5344CB8AC3E}">
-        <p14:creationId xmlns:p14="http://schemas.microsoft.com/office/powerpoint/2010/main" val="2204433833"/>
+        <p14:creationId xmlns:p14="http://schemas.microsoft.com/office/powerpoint/2010/main" val="3048094154"/>
       </p:ext>
     </p:extLst>
   </p:cSld>
@@ -7528,7 +7555,7 @@
           <a:p>
             <a:r>
               <a:rPr lang="en-CA" dirty="0" smtClean="0"/>
-              <a:t>Patent Application</a:t>
+              <a:t>Risk Management</a:t>
             </a:r>
             <a:endParaRPr lang="en-CA" dirty="0"/>
           </a:p>
@@ -7546,64 +7573,75 @@
         </p:nvSpPr>
         <p:spPr/>
         <p:txBody>
-          <a:bodyPr>
-            <a:normAutofit/>
-          </a:bodyPr>
-          <a:lstStyle/>
-          <a:p>
-            <a:pPr algn="ctr"/>
-            <a:endParaRPr lang="en-CA" sz="3600" b="1" dirty="0" smtClean="0"/>
-          </a:p>
-          <a:p>
-            <a:pPr marL="0" indent="0" algn="ctr">
-              <a:buNone/>
-            </a:pPr>
-            <a:endParaRPr lang="en-CA" sz="3600" b="1" dirty="0"/>
-          </a:p>
-          <a:p>
-            <a:pPr algn="ctr"/>
-            <a:r>
-              <a:rPr lang="en-CA" sz="3600" b="1" u="sng" dirty="0" smtClean="0"/>
-              <a:t>A patent application IS NOT a patent</a:t>
-            </a:r>
-            <a:endParaRPr lang="en-CA" sz="3600" b="1" u="sng" dirty="0"/>
-          </a:p>
-        </p:txBody>
-      </p:sp>
-      <p:sp>
-        <p:nvSpPr>
-          <p:cNvPr id="4" name="TextBox 3"/>
-          <p:cNvSpPr txBox="1"/>
-          <p:nvPr/>
-        </p:nvSpPr>
-        <p:spPr>
-          <a:xfrm>
-            <a:off x="683568" y="5746634"/>
-            <a:ext cx="8712968" cy="461665"/>
-          </a:xfrm>
-          <a:prstGeom prst="rect">
-            <a:avLst/>
-          </a:prstGeom>
-          <a:noFill/>
-        </p:spPr>
-        <p:txBody>
-          <a:bodyPr wrap="square" rtlCol="0">
-            <a:spAutoFit/>
-          </a:bodyPr>
-          <a:lstStyle/>
-          <a:p>
-            <a:r>
-              <a:rPr lang="en-CA" b="1" dirty="0" smtClean="0"/>
-              <a:t>**THIS IS NOT LEGAL ADVICE. I AM NOT A LAWYER.**</a:t>
-            </a:r>
-            <a:endParaRPr lang="en-CA" b="1" dirty="0"/>
+          <a:bodyPr/>
+          <a:lstStyle/>
+          <a:p>
+            <a:pPr marL="457200" indent="-457200">
+              <a:buFont typeface="+mj-lt"/>
+              <a:buAutoNum type="arabicPeriod"/>
+            </a:pPr>
+            <a:r>
+              <a:rPr lang="en-CA" dirty="0" smtClean="0"/>
+              <a:t>Identify Risks</a:t>
+            </a:r>
+          </a:p>
+          <a:p>
+            <a:pPr marL="457200" indent="-457200">
+              <a:buFont typeface="+mj-lt"/>
+              <a:buAutoNum type="arabicPeriod"/>
+            </a:pPr>
+            <a:r>
+              <a:rPr lang="en-CA" dirty="0" smtClean="0"/>
+              <a:t>Analyze the risks</a:t>
+            </a:r>
+          </a:p>
+          <a:p>
+            <a:pPr marL="457200" indent="-457200">
+              <a:buFont typeface="+mj-lt"/>
+              <a:buAutoNum type="arabicPeriod"/>
+            </a:pPr>
+            <a:r>
+              <a:rPr lang="en-CA" dirty="0" smtClean="0"/>
+              <a:t>Prioritize the risks</a:t>
+            </a:r>
+          </a:p>
+          <a:p>
+            <a:pPr marL="457200" indent="-457200">
+              <a:buFont typeface="+mj-lt"/>
+              <a:buAutoNum type="arabicPeriod"/>
+            </a:pPr>
+            <a:r>
+              <a:rPr lang="en-CA" dirty="0" smtClean="0"/>
+              <a:t>Plan a risk response</a:t>
+            </a:r>
+          </a:p>
+          <a:p>
+            <a:pPr marL="457200" indent="-457200">
+              <a:buFont typeface="+mj-lt"/>
+              <a:buAutoNum type="arabicPeriod"/>
+            </a:pPr>
+            <a:r>
+              <a:rPr lang="en-CA" dirty="0" smtClean="0"/>
+              <a:t>Monitor the risks</a:t>
+            </a:r>
+          </a:p>
+          <a:p>
+            <a:pPr marL="457200" indent="-457200">
+              <a:buFont typeface="+mj-lt"/>
+              <a:buAutoNum type="arabicPeriod"/>
+            </a:pPr>
+            <a:r>
+              <a:rPr lang="en-CA" dirty="0" smtClean="0"/>
+              <a:t>Control the risks</a:t>
+            </a:r>
+            <a:endParaRPr lang="en-CA" dirty="0"/>
           </a:p>
         </p:txBody>
       </p:sp>
     </p:spTree>
     <p:extLst>
       <p:ext uri="{BB962C8B-B14F-4D97-AF65-F5344CB8AC3E}">
-        <p14:creationId xmlns:p14="http://schemas.microsoft.com/office/powerpoint/2010/main" val="2032845611"/>
+        <p14:creationId xmlns:p14="http://schemas.microsoft.com/office/powerpoint/2010/main" val="3870136484"/>
       </p:ext>
     </p:extLst>
   </p:cSld>
@@ -7666,126 +7704,57 @@
           <a:p>
             <a:r>
               <a:rPr lang="en-CA" dirty="0" smtClean="0"/>
-              <a:t>Patent Application</a:t>
+              <a:t>Risk Management</a:t>
             </a:r>
             <a:endParaRPr lang="en-CA" dirty="0"/>
           </a:p>
         </p:txBody>
       </p:sp>
-      <p:sp>
-        <p:nvSpPr>
-          <p:cNvPr id="3" name="Content Placeholder 2"/>
-          <p:cNvSpPr>
-            <a:spLocks noGrp="1"/>
-          </p:cNvSpPr>
-          <p:nvPr>
-            <p:ph idx="1"/>
-          </p:nvPr>
-        </p:nvSpPr>
-        <p:spPr/>
-        <p:txBody>
-          <a:bodyPr/>
-          <a:lstStyle/>
-          <a:p>
-            <a:pPr>
-              <a:buFont typeface="Arial" panose="020B0604020202020204" pitchFamily="34" charset="0"/>
-              <a:buChar char="•"/>
-            </a:pPr>
-            <a:r>
-              <a:rPr lang="en-CA" dirty="0" smtClean="0"/>
-              <a:t> Patent Application = I have $400 USD. </a:t>
-            </a:r>
-            <a:r>
-              <a:rPr lang="en-CA" u="sng" dirty="0" smtClean="0"/>
-              <a:t>That is all it means.</a:t>
-            </a:r>
-          </a:p>
-          <a:p>
-            <a:pPr>
-              <a:buFont typeface="Arial" panose="020B0604020202020204" pitchFamily="34" charset="0"/>
-              <a:buChar char="•"/>
-            </a:pPr>
-            <a:r>
-              <a:rPr lang="en-CA" dirty="0"/>
-              <a:t> </a:t>
-            </a:r>
-            <a:r>
-              <a:rPr lang="en-CA" dirty="0" smtClean="0"/>
-              <a:t>A patent application that is </a:t>
-            </a:r>
-            <a:r>
-              <a:rPr lang="en-CA" i="1" dirty="0" smtClean="0"/>
-              <a:t>fairly likely to be enforceable</a:t>
-            </a:r>
-            <a:r>
-              <a:rPr lang="en-CA" dirty="0" smtClean="0"/>
-              <a:t> is &gt;$5 000 normally</a:t>
-            </a:r>
-          </a:p>
-          <a:p>
-            <a:pPr>
-              <a:buFont typeface="Arial" panose="020B0604020202020204" pitchFamily="34" charset="0"/>
-              <a:buChar char="•"/>
-            </a:pPr>
-            <a:r>
-              <a:rPr lang="en-CA" dirty="0"/>
-              <a:t> </a:t>
-            </a:r>
-            <a:r>
-              <a:rPr lang="en-CA" dirty="0" smtClean="0"/>
-              <a:t>Defending a patent can easily cost &gt; $50 000, after which point it has more value</a:t>
-            </a:r>
-          </a:p>
-          <a:p>
-            <a:pPr>
-              <a:buFont typeface="Arial" panose="020B0604020202020204" pitchFamily="34" charset="0"/>
-              <a:buChar char="•"/>
-            </a:pPr>
-            <a:r>
-              <a:rPr lang="en-CA" dirty="0"/>
-              <a:t> </a:t>
-            </a:r>
-            <a:r>
-              <a:rPr lang="en-CA" dirty="0" smtClean="0"/>
-              <a:t>Failures in the original application might mean someone can easily circumvent your patent, lets see some examples:</a:t>
-            </a:r>
-          </a:p>
-        </p:txBody>
-      </p:sp>
-      <p:sp>
-        <p:nvSpPr>
-          <p:cNvPr id="4" name="TextBox 3"/>
-          <p:cNvSpPr txBox="1"/>
+      <p:pic>
+        <p:nvPicPr>
+          <p:cNvPr id="1026" name="Picture 2" descr="Likelihood versus Consequence"/>
+          <p:cNvPicPr>
+            <a:picLocks noChangeAspect="1" noChangeArrowheads="1"/>
+          </p:cNvPicPr>
           <p:nvPr/>
-        </p:nvSpPr>
-        <p:spPr>
+        </p:nvPicPr>
+        <p:blipFill>
+          <a:blip r:embed="rId2">
+            <a:extLst>
+              <a:ext uri="{28A0092B-C50C-407E-A947-70E740481C1C}">
+                <a14:useLocalDpi xmlns:a14="http://schemas.microsoft.com/office/drawing/2010/main" val="0"/>
+              </a:ext>
+            </a:extLst>
+          </a:blip>
+          <a:srcRect/>
+          <a:stretch>
+            <a:fillRect/>
+          </a:stretch>
+        </p:blipFill>
+        <p:spPr bwMode="auto">
           <a:xfrm>
-            <a:off x="683568" y="5746634"/>
-            <a:ext cx="8712968" cy="461665"/>
+            <a:off x="2051720" y="2132856"/>
+            <a:ext cx="4320480" cy="3970171"/>
           </a:xfrm>
           <a:prstGeom prst="rect">
             <a:avLst/>
           </a:prstGeom>
           <a:noFill/>
+          <a:extLst>
+            <a:ext uri="{909E8E84-426E-40DD-AFC4-6F175D3DCCD1}">
+              <a14:hiddenFill xmlns:a14="http://schemas.microsoft.com/office/drawing/2010/main">
+                <a:solidFill>
+                  <a:srgbClr val="FFFFFF"/>
+                </a:solidFill>
+              </a14:hiddenFill>
+            </a:ext>
+          </a:extLst>
         </p:spPr>
-        <p:txBody>
-          <a:bodyPr wrap="square" rtlCol="0">
-            <a:spAutoFit/>
-          </a:bodyPr>
-          <a:lstStyle/>
-          <a:p>
-            <a:r>
-              <a:rPr lang="en-CA" b="1" dirty="0" smtClean="0"/>
-              <a:t>**THIS IS NOT LEGAL ADVICE. I AM NOT A LAWYER.**</a:t>
-            </a:r>
-            <a:endParaRPr lang="en-CA" b="1" dirty="0"/>
-          </a:p>
-        </p:txBody>
-      </p:sp>
+      </p:pic>
     </p:spTree>
     <p:extLst>
       <p:ext uri="{BB962C8B-B14F-4D97-AF65-F5344CB8AC3E}">
-        <p14:creationId xmlns:p14="http://schemas.microsoft.com/office/powerpoint/2010/main" val="567940428"/>
+        <p14:creationId xmlns:p14="http://schemas.microsoft.com/office/powerpoint/2010/main" val="3817124523"/>
       </p:ext>
     </p:extLst>
   </p:cSld>
@@ -7848,6 +7817,1170 @@
           <a:p>
             <a:r>
               <a:rPr lang="en-CA" dirty="0" smtClean="0"/>
+              <a:t>Example of Risk Management</a:t>
+            </a:r>
+            <a:endParaRPr lang="en-CA" dirty="0"/>
+          </a:p>
+        </p:txBody>
+      </p:sp>
+    </p:spTree>
+    <p:extLst>
+      <p:ext uri="{BB962C8B-B14F-4D97-AF65-F5344CB8AC3E}">
+        <p14:creationId xmlns:p14="http://schemas.microsoft.com/office/powerpoint/2010/main" val="2629491250"/>
+      </p:ext>
+    </p:extLst>
+  </p:cSld>
+  <p:clrMapOvr>
+    <a:masterClrMapping/>
+  </p:clrMapOvr>
+  <mc:AlternateContent xmlns:mc="http://schemas.openxmlformats.org/markup-compatibility/2006" xmlns:p14="http://schemas.microsoft.com/office/powerpoint/2010/main">
+    <mc:Choice Requires="p14">
+      <p:transition spd="med" p14:dur="700">
+        <p:fade/>
+      </p:transition>
+    </mc:Choice>
+    <mc:Fallback xmlns="">
+      <p:transition spd="med">
+        <p:fade/>
+      </p:transition>
+    </mc:Fallback>
+  </mc:AlternateContent>
+  <p:timing>
+    <p:tnLst>
+      <p:par>
+        <p:cTn id="1" dur="indefinite" restart="never" nodeType="tmRoot"/>
+      </p:par>
+    </p:tnLst>
+  </p:timing>
+</p:sld>
+</file>
+
+<file path=ppt/slides/slide25.xml><?xml version="1.0" encoding="utf-8"?>
+<p:sld xmlns:a="http://schemas.openxmlformats.org/drawingml/2006/main" xmlns:r="http://schemas.openxmlformats.org/officeDocument/2006/relationships" xmlns:p="http://schemas.openxmlformats.org/presentationml/2006/main">
+  <p:cSld>
+    <p:spTree>
+      <p:nvGrpSpPr>
+        <p:cNvPr id="1" name=""/>
+        <p:cNvGrpSpPr/>
+        <p:nvPr/>
+      </p:nvGrpSpPr>
+      <p:grpSpPr>
+        <a:xfrm>
+          <a:off x="0" y="0"/>
+          <a:ext cx="0" cy="0"/>
+          <a:chOff x="0" y="0"/>
+          <a:chExt cx="0" cy="0"/>
+        </a:xfrm>
+      </p:grpSpPr>
+      <p:sp>
+        <p:nvSpPr>
+          <p:cNvPr id="2" name="Title 1"/>
+          <p:cNvSpPr>
+            <a:spLocks noGrp="1"/>
+          </p:cNvSpPr>
+          <p:nvPr>
+            <p:ph type="title"/>
+          </p:nvPr>
+        </p:nvSpPr>
+        <p:spPr/>
+        <p:txBody>
+          <a:bodyPr>
+            <a:normAutofit/>
+          </a:bodyPr>
+          <a:lstStyle/>
+          <a:p>
+            <a:r>
+              <a:rPr lang="en-CA" sz="4000" dirty="0" smtClean="0"/>
+              <a:t>When Cost-Benefit runs awry..</a:t>
+            </a:r>
+            <a:endParaRPr lang="en-CA" sz="4000" dirty="0"/>
+          </a:p>
+        </p:txBody>
+      </p:sp>
+      <p:sp>
+        <p:nvSpPr>
+          <p:cNvPr id="4" name="Rectangle 3"/>
+          <p:cNvSpPr/>
+          <p:nvPr/>
+        </p:nvSpPr>
+        <p:spPr>
+          <a:xfrm>
+            <a:off x="490404" y="1844824"/>
+            <a:ext cx="8208912" cy="461665"/>
+          </a:xfrm>
+          <a:prstGeom prst="rect">
+            <a:avLst/>
+          </a:prstGeom>
+        </p:spPr>
+        <p:txBody>
+          <a:bodyPr wrap="square">
+            <a:spAutoFit/>
+          </a:bodyPr>
+          <a:lstStyle/>
+          <a:p>
+            <a:r>
+              <a:rPr lang="en-CA" dirty="0">
+                <a:hlinkClick r:id="rId2"/>
+              </a:rPr>
+              <a:t>http://</a:t>
+            </a:r>
+            <a:r>
+              <a:rPr lang="en-CA" dirty="0" smtClean="0">
+                <a:hlinkClick r:id="rId2"/>
+              </a:rPr>
+              <a:t>www.autosafety.org/uploads/phpq3mJ7F_FordMemo.pdf</a:t>
+            </a:r>
+            <a:r>
+              <a:rPr lang="en-CA" dirty="0" smtClean="0"/>
+              <a:t> </a:t>
+            </a:r>
+            <a:endParaRPr lang="en-CA" dirty="0"/>
+          </a:p>
+        </p:txBody>
+      </p:sp>
+      <p:pic>
+        <p:nvPicPr>
+          <p:cNvPr id="5" name="Picture 4"/>
+          <p:cNvPicPr>
+            <a:picLocks noChangeAspect="1"/>
+          </p:cNvPicPr>
+          <p:nvPr/>
+        </p:nvPicPr>
+        <p:blipFill>
+          <a:blip r:embed="rId3"/>
+          <a:stretch>
+            <a:fillRect/>
+          </a:stretch>
+        </p:blipFill>
+        <p:spPr>
+          <a:xfrm>
+            <a:off x="558630" y="2337613"/>
+            <a:ext cx="7832757" cy="3962970"/>
+          </a:xfrm>
+          <a:prstGeom prst="rect">
+            <a:avLst/>
+          </a:prstGeom>
+        </p:spPr>
+      </p:pic>
+    </p:spTree>
+    <p:extLst>
+      <p:ext uri="{BB962C8B-B14F-4D97-AF65-F5344CB8AC3E}">
+        <p14:creationId xmlns:p14="http://schemas.microsoft.com/office/powerpoint/2010/main" val="4275826236"/>
+      </p:ext>
+    </p:extLst>
+  </p:cSld>
+  <p:clrMapOvr>
+    <a:masterClrMapping/>
+  </p:clrMapOvr>
+  <mc:AlternateContent xmlns:mc="http://schemas.openxmlformats.org/markup-compatibility/2006" xmlns:p14="http://schemas.microsoft.com/office/powerpoint/2010/main">
+    <mc:Choice Requires="p14">
+      <p:transition spd="med" p14:dur="700">
+        <p:fade/>
+      </p:transition>
+    </mc:Choice>
+    <mc:Fallback xmlns="">
+      <p:transition spd="med">
+        <p:fade/>
+      </p:transition>
+    </mc:Fallback>
+  </mc:AlternateContent>
+  <p:timing>
+    <p:tnLst>
+      <p:par>
+        <p:cTn id="1" dur="indefinite" restart="never" nodeType="tmRoot"/>
+      </p:par>
+    </p:tnLst>
+  </p:timing>
+</p:sld>
+</file>
+
+<file path=ppt/slides/slide26.xml><?xml version="1.0" encoding="utf-8"?>
+<p:sld xmlns:a="http://schemas.openxmlformats.org/drawingml/2006/main" xmlns:r="http://schemas.openxmlformats.org/officeDocument/2006/relationships" xmlns:p="http://schemas.openxmlformats.org/presentationml/2006/main">
+  <p:cSld>
+    <p:spTree>
+      <p:nvGrpSpPr>
+        <p:cNvPr id="1" name=""/>
+        <p:cNvGrpSpPr/>
+        <p:nvPr/>
+      </p:nvGrpSpPr>
+      <p:grpSpPr>
+        <a:xfrm>
+          <a:off x="0" y="0"/>
+          <a:ext cx="0" cy="0"/>
+          <a:chOff x="0" y="0"/>
+          <a:chExt cx="0" cy="0"/>
+        </a:xfrm>
+      </p:grpSpPr>
+      <p:sp>
+        <p:nvSpPr>
+          <p:cNvPr id="4" name="Title 3"/>
+          <p:cNvSpPr>
+            <a:spLocks noGrp="1"/>
+          </p:cNvSpPr>
+          <p:nvPr>
+            <p:ph type="title"/>
+          </p:nvPr>
+        </p:nvSpPr>
+        <p:spPr/>
+        <p:txBody>
+          <a:bodyPr/>
+          <a:lstStyle/>
+          <a:p>
+            <a:r>
+              <a:rPr lang="en-CA" dirty="0" smtClean="0"/>
+              <a:t>Patents</a:t>
+            </a:r>
+            <a:endParaRPr lang="en-CA" dirty="0"/>
+          </a:p>
+        </p:txBody>
+      </p:sp>
+      <p:sp>
+        <p:nvSpPr>
+          <p:cNvPr id="5" name="Text Placeholder 4"/>
+          <p:cNvSpPr>
+            <a:spLocks noGrp="1"/>
+          </p:cNvSpPr>
+          <p:nvPr>
+            <p:ph type="body" idx="1"/>
+          </p:nvPr>
+        </p:nvSpPr>
+        <p:spPr/>
+        <p:txBody>
+          <a:bodyPr/>
+          <a:lstStyle/>
+          <a:p>
+            <a:endParaRPr lang="en-CA"/>
+          </a:p>
+        </p:txBody>
+      </p:sp>
+      <p:sp>
+        <p:nvSpPr>
+          <p:cNvPr id="6" name="TextBox 5"/>
+          <p:cNvSpPr txBox="1"/>
+          <p:nvPr/>
+        </p:nvSpPr>
+        <p:spPr>
+          <a:xfrm>
+            <a:off x="683568" y="5746634"/>
+            <a:ext cx="8712968" cy="461665"/>
+          </a:xfrm>
+          <a:prstGeom prst="rect">
+            <a:avLst/>
+          </a:prstGeom>
+          <a:noFill/>
+        </p:spPr>
+        <p:txBody>
+          <a:bodyPr wrap="square" rtlCol="0">
+            <a:spAutoFit/>
+          </a:bodyPr>
+          <a:lstStyle/>
+          <a:p>
+            <a:r>
+              <a:rPr lang="en-CA" b="1" dirty="0" smtClean="0"/>
+              <a:t>**THIS IS NOT LEGAL ADVICE. I AM NOT A LAWYER.**</a:t>
+            </a:r>
+            <a:endParaRPr lang="en-CA" b="1" dirty="0"/>
+          </a:p>
+        </p:txBody>
+      </p:sp>
+    </p:spTree>
+    <p:extLst>
+      <p:ext uri="{BB962C8B-B14F-4D97-AF65-F5344CB8AC3E}">
+        <p14:creationId xmlns:p14="http://schemas.microsoft.com/office/powerpoint/2010/main" val="4208771709"/>
+      </p:ext>
+    </p:extLst>
+  </p:cSld>
+  <p:clrMapOvr>
+    <a:masterClrMapping/>
+  </p:clrMapOvr>
+  <mc:AlternateContent xmlns:mc="http://schemas.openxmlformats.org/markup-compatibility/2006" xmlns:p14="http://schemas.microsoft.com/office/powerpoint/2010/main">
+    <mc:Choice Requires="p14">
+      <p:transition spd="med" p14:dur="700">
+        <p:fade/>
+      </p:transition>
+    </mc:Choice>
+    <mc:Fallback xmlns="">
+      <p:transition spd="med">
+        <p:fade/>
+      </p:transition>
+    </mc:Fallback>
+  </mc:AlternateContent>
+  <p:timing>
+    <p:tnLst>
+      <p:par>
+        <p:cTn id="1" dur="indefinite" restart="never" nodeType="tmRoot"/>
+      </p:par>
+    </p:tnLst>
+  </p:timing>
+</p:sld>
+</file>
+
+<file path=ppt/slides/slide27.xml><?xml version="1.0" encoding="utf-8"?>
+<p:sld xmlns:a="http://schemas.openxmlformats.org/drawingml/2006/main" xmlns:r="http://schemas.openxmlformats.org/officeDocument/2006/relationships" xmlns:p="http://schemas.openxmlformats.org/presentationml/2006/main">
+  <p:cSld>
+    <p:spTree>
+      <p:nvGrpSpPr>
+        <p:cNvPr id="1" name=""/>
+        <p:cNvGrpSpPr/>
+        <p:nvPr/>
+      </p:nvGrpSpPr>
+      <p:grpSpPr>
+        <a:xfrm>
+          <a:off x="0" y="0"/>
+          <a:ext cx="0" cy="0"/>
+          <a:chOff x="0" y="0"/>
+          <a:chExt cx="0" cy="0"/>
+        </a:xfrm>
+      </p:grpSpPr>
+      <p:sp>
+        <p:nvSpPr>
+          <p:cNvPr id="2" name="Title 1"/>
+          <p:cNvSpPr>
+            <a:spLocks noGrp="1"/>
+          </p:cNvSpPr>
+          <p:nvPr>
+            <p:ph type="title"/>
+          </p:nvPr>
+        </p:nvSpPr>
+        <p:spPr/>
+        <p:txBody>
+          <a:bodyPr/>
+          <a:lstStyle/>
+          <a:p>
+            <a:r>
+              <a:rPr lang="en-CA" dirty="0" smtClean="0"/>
+              <a:t>Patents</a:t>
+            </a:r>
+            <a:endParaRPr lang="en-CA" dirty="0"/>
+          </a:p>
+        </p:txBody>
+      </p:sp>
+      <p:sp>
+        <p:nvSpPr>
+          <p:cNvPr id="3" name="Content Placeholder 2"/>
+          <p:cNvSpPr>
+            <a:spLocks noGrp="1"/>
+          </p:cNvSpPr>
+          <p:nvPr>
+            <p:ph idx="1"/>
+          </p:nvPr>
+        </p:nvSpPr>
+        <p:spPr/>
+        <p:txBody>
+          <a:bodyPr>
+            <a:normAutofit lnSpcReduction="10000"/>
+          </a:bodyPr>
+          <a:lstStyle/>
+          <a:p>
+            <a:pPr>
+              <a:buFont typeface="Arial" panose="020B0604020202020204" pitchFamily="34" charset="0"/>
+              <a:buChar char="•"/>
+            </a:pPr>
+            <a:r>
+              <a:rPr lang="en-CA" dirty="0"/>
+              <a:t> </a:t>
+            </a:r>
+            <a:r>
+              <a:rPr lang="en-CA" dirty="0" smtClean="0"/>
+              <a:t>Prevents someone else from selling a device which ‘infringes’ on your claims</a:t>
+            </a:r>
+          </a:p>
+          <a:p>
+            <a:pPr>
+              <a:buFont typeface="Arial" panose="020B0604020202020204" pitchFamily="34" charset="0"/>
+              <a:buChar char="•"/>
+            </a:pPr>
+            <a:r>
+              <a:rPr lang="en-CA" dirty="0"/>
+              <a:t> </a:t>
+            </a:r>
+            <a:r>
+              <a:rPr lang="en-CA" dirty="0" smtClean="0"/>
+              <a:t>Is *NOT* a license to sell the device, is possible your device still infringes on someone else's patent</a:t>
+            </a:r>
+          </a:p>
+          <a:p>
+            <a:pPr>
+              <a:buFont typeface="Arial" panose="020B0604020202020204" pitchFamily="34" charset="0"/>
+              <a:buChar char="•"/>
+            </a:pPr>
+            <a:r>
+              <a:rPr lang="en-CA" dirty="0"/>
+              <a:t> </a:t>
+            </a:r>
+            <a:r>
+              <a:rPr lang="en-CA" dirty="0" smtClean="0"/>
+              <a:t>Only enforceable in geographic area issued in (i.e. US, Canada, UK, China, etc.)</a:t>
+            </a:r>
+          </a:p>
+          <a:p>
+            <a:pPr>
+              <a:buFont typeface="Arial" panose="020B0604020202020204" pitchFamily="34" charset="0"/>
+              <a:buChar char="•"/>
+            </a:pPr>
+            <a:r>
+              <a:rPr lang="en-CA" dirty="0"/>
+              <a:t> </a:t>
+            </a:r>
+            <a:r>
+              <a:rPr lang="en-CA" dirty="0" smtClean="0"/>
+              <a:t>A patent is effectively </a:t>
+            </a:r>
+            <a:r>
+              <a:rPr lang="en-CA" b="1" dirty="0" smtClean="0"/>
+              <a:t>a legal proceeding</a:t>
+            </a:r>
+          </a:p>
+          <a:p>
+            <a:pPr marL="0" indent="0">
+              <a:buNone/>
+            </a:pPr>
+            <a:endParaRPr lang="en-CA" dirty="0" smtClean="0"/>
+          </a:p>
+          <a:p>
+            <a:pPr lvl="1">
+              <a:buFont typeface="Arial" panose="020B0604020202020204" pitchFamily="34" charset="0"/>
+              <a:buChar char="•"/>
+            </a:pPr>
+            <a:r>
+              <a:rPr lang="en-CA" dirty="0" smtClean="0"/>
+              <a:t>The patent office (and later possibly a third party) is using standard legal procedure to reach a ‘verdict’</a:t>
+            </a:r>
+          </a:p>
+          <a:p>
+            <a:pPr marL="201168" lvl="1" indent="0">
+              <a:buNone/>
+            </a:pPr>
+            <a:endParaRPr lang="en-CA" dirty="0" smtClean="0"/>
+          </a:p>
+          <a:p>
+            <a:pPr lvl="1">
+              <a:buFont typeface="Arial" panose="020B0604020202020204" pitchFamily="34" charset="0"/>
+              <a:buChar char="•"/>
+            </a:pPr>
+            <a:r>
+              <a:rPr lang="en-CA" dirty="0" smtClean="0"/>
+              <a:t>Your initial claims that will be </a:t>
+            </a:r>
+            <a:r>
+              <a:rPr lang="en-CA" b="1" dirty="0" smtClean="0"/>
+              <a:t>examined</a:t>
+            </a:r>
+            <a:r>
+              <a:rPr lang="en-CA" dirty="0" smtClean="0"/>
+              <a:t> are your </a:t>
+            </a:r>
+            <a:r>
+              <a:rPr lang="en-CA" b="1" dirty="0" smtClean="0"/>
+              <a:t>patent application</a:t>
+            </a:r>
+            <a:endParaRPr lang="en-CA" b="1" dirty="0"/>
+          </a:p>
+        </p:txBody>
+      </p:sp>
+      <p:sp>
+        <p:nvSpPr>
+          <p:cNvPr id="4" name="TextBox 3"/>
+          <p:cNvSpPr txBox="1"/>
+          <p:nvPr/>
+        </p:nvSpPr>
+        <p:spPr>
+          <a:xfrm>
+            <a:off x="683568" y="5746634"/>
+            <a:ext cx="8712968" cy="461665"/>
+          </a:xfrm>
+          <a:prstGeom prst="rect">
+            <a:avLst/>
+          </a:prstGeom>
+          <a:noFill/>
+        </p:spPr>
+        <p:txBody>
+          <a:bodyPr wrap="square" rtlCol="0">
+            <a:spAutoFit/>
+          </a:bodyPr>
+          <a:lstStyle/>
+          <a:p>
+            <a:r>
+              <a:rPr lang="en-CA" b="1" dirty="0" smtClean="0"/>
+              <a:t>**THIS IS NOT LEGAL ADVICE. I AM NOT A LAWYER.**</a:t>
+            </a:r>
+            <a:endParaRPr lang="en-CA" b="1" dirty="0"/>
+          </a:p>
+        </p:txBody>
+      </p:sp>
+    </p:spTree>
+    <p:extLst>
+      <p:ext uri="{BB962C8B-B14F-4D97-AF65-F5344CB8AC3E}">
+        <p14:creationId xmlns:p14="http://schemas.microsoft.com/office/powerpoint/2010/main" val="836915073"/>
+      </p:ext>
+    </p:extLst>
+  </p:cSld>
+  <p:clrMapOvr>
+    <a:masterClrMapping/>
+  </p:clrMapOvr>
+  <mc:AlternateContent xmlns:mc="http://schemas.openxmlformats.org/markup-compatibility/2006" xmlns:p14="http://schemas.microsoft.com/office/powerpoint/2010/main">
+    <mc:Choice Requires="p14">
+      <p:transition spd="med" p14:dur="700">
+        <p:fade/>
+      </p:transition>
+    </mc:Choice>
+    <mc:Fallback xmlns="">
+      <p:transition spd="med">
+        <p:fade/>
+      </p:transition>
+    </mc:Fallback>
+  </mc:AlternateContent>
+  <p:timing>
+    <p:tnLst>
+      <p:par>
+        <p:cTn id="1" dur="indefinite" restart="never" nodeType="tmRoot"/>
+      </p:par>
+    </p:tnLst>
+  </p:timing>
+</p:sld>
+</file>
+
+<file path=ppt/slides/slide28.xml><?xml version="1.0" encoding="utf-8"?>
+<p:sld xmlns:a="http://schemas.openxmlformats.org/drawingml/2006/main" xmlns:r="http://schemas.openxmlformats.org/officeDocument/2006/relationships" xmlns:p="http://schemas.openxmlformats.org/presentationml/2006/main">
+  <p:cSld>
+    <p:spTree>
+      <p:nvGrpSpPr>
+        <p:cNvPr id="1" name=""/>
+        <p:cNvGrpSpPr/>
+        <p:nvPr/>
+      </p:nvGrpSpPr>
+      <p:grpSpPr>
+        <a:xfrm>
+          <a:off x="0" y="0"/>
+          <a:ext cx="0" cy="0"/>
+          <a:chOff x="0" y="0"/>
+          <a:chExt cx="0" cy="0"/>
+        </a:xfrm>
+      </p:grpSpPr>
+      <p:sp>
+        <p:nvSpPr>
+          <p:cNvPr id="2" name="Title 1"/>
+          <p:cNvSpPr>
+            <a:spLocks noGrp="1"/>
+          </p:cNvSpPr>
+          <p:nvPr>
+            <p:ph type="title"/>
+          </p:nvPr>
+        </p:nvSpPr>
+        <p:spPr/>
+        <p:txBody>
+          <a:bodyPr/>
+          <a:lstStyle/>
+          <a:p>
+            <a:r>
+              <a:rPr lang="en-CA" dirty="0" smtClean="0"/>
+              <a:t>Reading a Patent</a:t>
+            </a:r>
+            <a:endParaRPr lang="en-CA" dirty="0"/>
+          </a:p>
+        </p:txBody>
+      </p:sp>
+      <p:sp>
+        <p:nvSpPr>
+          <p:cNvPr id="3" name="Content Placeholder 2"/>
+          <p:cNvSpPr>
+            <a:spLocks noGrp="1"/>
+          </p:cNvSpPr>
+          <p:nvPr>
+            <p:ph idx="1"/>
+          </p:nvPr>
+        </p:nvSpPr>
+        <p:spPr/>
+        <p:txBody>
+          <a:bodyPr/>
+          <a:lstStyle/>
+          <a:p>
+            <a:r>
+              <a:rPr lang="en-CA" dirty="0" smtClean="0"/>
+              <a:t>Important Sections:</a:t>
+            </a:r>
+          </a:p>
+          <a:p>
+            <a:r>
+              <a:rPr lang="en-CA" dirty="0" smtClean="0"/>
+              <a:t>1) Claims</a:t>
+            </a:r>
+          </a:p>
+          <a:p>
+            <a:r>
+              <a:rPr lang="en-CA" dirty="0" smtClean="0"/>
+              <a:t>2) Everything else</a:t>
+            </a:r>
+          </a:p>
+          <a:p>
+            <a:endParaRPr lang="en-CA" dirty="0"/>
+          </a:p>
+          <a:p>
+            <a:r>
+              <a:rPr lang="en-CA" dirty="0" smtClean="0"/>
+              <a:t>The ‘Claims’ is </a:t>
+            </a:r>
+            <a:r>
+              <a:rPr lang="en-CA" u="sng" dirty="0" smtClean="0"/>
+              <a:t>solely</a:t>
+            </a:r>
+            <a:r>
+              <a:rPr lang="en-CA" dirty="0" smtClean="0"/>
+              <a:t> what is claimed as the </a:t>
+            </a:r>
+            <a:r>
+              <a:rPr lang="en-CA" u="sng" dirty="0" smtClean="0"/>
+              <a:t>innovative material</a:t>
+            </a:r>
+            <a:r>
+              <a:rPr lang="en-CA" dirty="0" smtClean="0"/>
+              <a:t>.</a:t>
+            </a:r>
+          </a:p>
+          <a:p>
+            <a:r>
+              <a:rPr lang="en-CA" dirty="0" smtClean="0"/>
+              <a:t>The ‘Specification’ must detail how it works etc., and can restrict the claims. However lots of material written in the specification may be well-known already. </a:t>
+            </a:r>
+          </a:p>
+          <a:p>
+            <a:r>
+              <a:rPr lang="en-CA" dirty="0" smtClean="0"/>
+              <a:t>Prior art must read on the </a:t>
+            </a:r>
+            <a:r>
+              <a:rPr lang="en-CA" u="sng" dirty="0" smtClean="0"/>
+              <a:t>claims</a:t>
+            </a:r>
+            <a:r>
+              <a:rPr lang="en-CA" dirty="0" smtClean="0"/>
+              <a:t>.</a:t>
+            </a:r>
+            <a:endParaRPr lang="en-CA" dirty="0"/>
+          </a:p>
+        </p:txBody>
+      </p:sp>
+      <p:sp>
+        <p:nvSpPr>
+          <p:cNvPr id="4" name="TextBox 3"/>
+          <p:cNvSpPr txBox="1"/>
+          <p:nvPr/>
+        </p:nvSpPr>
+        <p:spPr>
+          <a:xfrm>
+            <a:off x="683568" y="5746634"/>
+            <a:ext cx="8712968" cy="461665"/>
+          </a:xfrm>
+          <a:prstGeom prst="rect">
+            <a:avLst/>
+          </a:prstGeom>
+          <a:noFill/>
+        </p:spPr>
+        <p:txBody>
+          <a:bodyPr wrap="square" rtlCol="0">
+            <a:spAutoFit/>
+          </a:bodyPr>
+          <a:lstStyle/>
+          <a:p>
+            <a:r>
+              <a:rPr lang="en-CA" b="1" dirty="0" smtClean="0"/>
+              <a:t>**THIS IS NOT LEGAL ADVICE. I AM NOT A LAWYER.**</a:t>
+            </a:r>
+            <a:endParaRPr lang="en-CA" b="1" dirty="0"/>
+          </a:p>
+        </p:txBody>
+      </p:sp>
+    </p:spTree>
+    <p:extLst>
+      <p:ext uri="{BB962C8B-B14F-4D97-AF65-F5344CB8AC3E}">
+        <p14:creationId xmlns:p14="http://schemas.microsoft.com/office/powerpoint/2010/main" val="2204433833"/>
+      </p:ext>
+    </p:extLst>
+  </p:cSld>
+  <p:clrMapOvr>
+    <a:masterClrMapping/>
+  </p:clrMapOvr>
+  <mc:AlternateContent xmlns:mc="http://schemas.openxmlformats.org/markup-compatibility/2006" xmlns:p14="http://schemas.microsoft.com/office/powerpoint/2010/main">
+    <mc:Choice Requires="p14">
+      <p:transition spd="med" p14:dur="700">
+        <p:fade/>
+      </p:transition>
+    </mc:Choice>
+    <mc:Fallback xmlns="">
+      <p:transition spd="med">
+        <p:fade/>
+      </p:transition>
+    </mc:Fallback>
+  </mc:AlternateContent>
+  <p:timing>
+    <p:tnLst>
+      <p:par>
+        <p:cTn id="1" dur="indefinite" restart="never" nodeType="tmRoot"/>
+      </p:par>
+    </p:tnLst>
+  </p:timing>
+</p:sld>
+</file>
+
+<file path=ppt/slides/slide29.xml><?xml version="1.0" encoding="utf-8"?>
+<p:sld xmlns:a="http://schemas.openxmlformats.org/drawingml/2006/main" xmlns:r="http://schemas.openxmlformats.org/officeDocument/2006/relationships" xmlns:p="http://schemas.openxmlformats.org/presentationml/2006/main">
+  <p:cSld>
+    <p:spTree>
+      <p:nvGrpSpPr>
+        <p:cNvPr id="1" name=""/>
+        <p:cNvGrpSpPr/>
+        <p:nvPr/>
+      </p:nvGrpSpPr>
+      <p:grpSpPr>
+        <a:xfrm>
+          <a:off x="0" y="0"/>
+          <a:ext cx="0" cy="0"/>
+          <a:chOff x="0" y="0"/>
+          <a:chExt cx="0" cy="0"/>
+        </a:xfrm>
+      </p:grpSpPr>
+      <p:sp>
+        <p:nvSpPr>
+          <p:cNvPr id="2" name="Title 1"/>
+          <p:cNvSpPr>
+            <a:spLocks noGrp="1"/>
+          </p:cNvSpPr>
+          <p:nvPr>
+            <p:ph type="title"/>
+          </p:nvPr>
+        </p:nvSpPr>
+        <p:spPr/>
+        <p:txBody>
+          <a:bodyPr/>
+          <a:lstStyle/>
+          <a:p>
+            <a:r>
+              <a:rPr lang="en-CA" dirty="0" smtClean="0"/>
+              <a:t>Patent Application</a:t>
+            </a:r>
+            <a:endParaRPr lang="en-CA" dirty="0"/>
+          </a:p>
+        </p:txBody>
+      </p:sp>
+      <p:sp>
+        <p:nvSpPr>
+          <p:cNvPr id="3" name="Content Placeholder 2"/>
+          <p:cNvSpPr>
+            <a:spLocks noGrp="1"/>
+          </p:cNvSpPr>
+          <p:nvPr>
+            <p:ph idx="1"/>
+          </p:nvPr>
+        </p:nvSpPr>
+        <p:spPr/>
+        <p:txBody>
+          <a:bodyPr>
+            <a:normAutofit/>
+          </a:bodyPr>
+          <a:lstStyle/>
+          <a:p>
+            <a:pPr algn="ctr"/>
+            <a:endParaRPr lang="en-CA" sz="3600" b="1" dirty="0" smtClean="0"/>
+          </a:p>
+          <a:p>
+            <a:pPr marL="0" indent="0" algn="ctr">
+              <a:buNone/>
+            </a:pPr>
+            <a:endParaRPr lang="en-CA" sz="3600" b="1" dirty="0"/>
+          </a:p>
+          <a:p>
+            <a:pPr algn="ctr"/>
+            <a:r>
+              <a:rPr lang="en-CA" sz="3600" b="1" u="sng" dirty="0" smtClean="0"/>
+              <a:t>A patent application IS NOT a patent</a:t>
+            </a:r>
+            <a:endParaRPr lang="en-CA" sz="3600" b="1" u="sng" dirty="0"/>
+          </a:p>
+        </p:txBody>
+      </p:sp>
+      <p:sp>
+        <p:nvSpPr>
+          <p:cNvPr id="4" name="TextBox 3"/>
+          <p:cNvSpPr txBox="1"/>
+          <p:nvPr/>
+        </p:nvSpPr>
+        <p:spPr>
+          <a:xfrm>
+            <a:off x="683568" y="5746634"/>
+            <a:ext cx="8712968" cy="461665"/>
+          </a:xfrm>
+          <a:prstGeom prst="rect">
+            <a:avLst/>
+          </a:prstGeom>
+          <a:noFill/>
+        </p:spPr>
+        <p:txBody>
+          <a:bodyPr wrap="square" rtlCol="0">
+            <a:spAutoFit/>
+          </a:bodyPr>
+          <a:lstStyle/>
+          <a:p>
+            <a:r>
+              <a:rPr lang="en-CA" b="1" dirty="0" smtClean="0"/>
+              <a:t>**THIS IS NOT LEGAL ADVICE. I AM NOT A LAWYER.**</a:t>
+            </a:r>
+            <a:endParaRPr lang="en-CA" b="1" dirty="0"/>
+          </a:p>
+        </p:txBody>
+      </p:sp>
+    </p:spTree>
+    <p:extLst>
+      <p:ext uri="{BB962C8B-B14F-4D97-AF65-F5344CB8AC3E}">
+        <p14:creationId xmlns:p14="http://schemas.microsoft.com/office/powerpoint/2010/main" val="2032845611"/>
+      </p:ext>
+    </p:extLst>
+  </p:cSld>
+  <p:clrMapOvr>
+    <a:masterClrMapping/>
+  </p:clrMapOvr>
+  <mc:AlternateContent xmlns:mc="http://schemas.openxmlformats.org/markup-compatibility/2006" xmlns:p14="http://schemas.microsoft.com/office/powerpoint/2010/main">
+    <mc:Choice Requires="p14">
+      <p:transition spd="med" p14:dur="700">
+        <p:fade/>
+      </p:transition>
+    </mc:Choice>
+    <mc:Fallback xmlns="">
+      <p:transition spd="med">
+        <p:fade/>
+      </p:transition>
+    </mc:Fallback>
+  </mc:AlternateContent>
+  <p:timing>
+    <p:tnLst>
+      <p:par>
+        <p:cTn id="1" dur="indefinite" restart="never" nodeType="tmRoot"/>
+      </p:par>
+    </p:tnLst>
+  </p:timing>
+</p:sld>
+</file>
+
+<file path=ppt/slides/slide3.xml><?xml version="1.0" encoding="utf-8"?>
+<p:sld xmlns:a="http://schemas.openxmlformats.org/drawingml/2006/main" xmlns:r="http://schemas.openxmlformats.org/officeDocument/2006/relationships" xmlns:p="http://schemas.openxmlformats.org/presentationml/2006/main">
+  <p:cSld>
+    <p:spTree>
+      <p:nvGrpSpPr>
+        <p:cNvPr id="1" name=""/>
+        <p:cNvGrpSpPr/>
+        <p:nvPr/>
+      </p:nvGrpSpPr>
+      <p:grpSpPr>
+        <a:xfrm>
+          <a:off x="0" y="0"/>
+          <a:ext cx="0" cy="0"/>
+          <a:chOff x="0" y="0"/>
+          <a:chExt cx="0" cy="0"/>
+        </a:xfrm>
+      </p:grpSpPr>
+      <p:sp>
+        <p:nvSpPr>
+          <p:cNvPr id="2" name="Title 1"/>
+          <p:cNvSpPr>
+            <a:spLocks noGrp="1"/>
+          </p:cNvSpPr>
+          <p:nvPr>
+            <p:ph type="title"/>
+          </p:nvPr>
+        </p:nvSpPr>
+        <p:spPr/>
+        <p:txBody>
+          <a:bodyPr/>
+          <a:lstStyle/>
+          <a:p>
+            <a:r>
+              <a:rPr lang="en-CA" dirty="0" smtClean="0"/>
+              <a:t>Example: Mailing 500 Items</a:t>
+            </a:r>
+            <a:endParaRPr lang="en-CA" dirty="0"/>
+          </a:p>
+        </p:txBody>
+      </p:sp>
+      <p:sp>
+        <p:nvSpPr>
+          <p:cNvPr id="3" name="Content Placeholder 2"/>
+          <p:cNvSpPr>
+            <a:spLocks noGrp="1"/>
+          </p:cNvSpPr>
+          <p:nvPr>
+            <p:ph idx="1"/>
+          </p:nvPr>
+        </p:nvSpPr>
+        <p:spPr/>
+        <p:txBody>
+          <a:bodyPr/>
+          <a:lstStyle/>
+          <a:p>
+            <a:r>
+              <a:rPr lang="en-CA" b="1" dirty="0" smtClean="0"/>
+              <a:t>Q: </a:t>
+            </a:r>
+            <a:r>
+              <a:rPr lang="en-CA" dirty="0" smtClean="0"/>
+              <a:t>I need you to mail out 500 boxes. I have a printed list of addresses. The boxes are all uniform size, but you will need to print labels/postage using a web service.</a:t>
+            </a:r>
+          </a:p>
+          <a:p>
+            <a:r>
+              <a:rPr lang="en-CA" dirty="0" smtClean="0"/>
+              <a:t>How long will this take?</a:t>
+            </a:r>
+            <a:endParaRPr lang="en-CA" dirty="0"/>
+          </a:p>
+        </p:txBody>
+      </p:sp>
+    </p:spTree>
+    <p:extLst>
+      <p:ext uri="{BB962C8B-B14F-4D97-AF65-F5344CB8AC3E}">
+        <p14:creationId xmlns:p14="http://schemas.microsoft.com/office/powerpoint/2010/main" val="187983288"/>
+      </p:ext>
+    </p:extLst>
+  </p:cSld>
+  <p:clrMapOvr>
+    <a:masterClrMapping/>
+  </p:clrMapOvr>
+  <mc:AlternateContent xmlns:mc="http://schemas.openxmlformats.org/markup-compatibility/2006" xmlns:p14="http://schemas.microsoft.com/office/powerpoint/2010/main">
+    <mc:Choice Requires="p14">
+      <p:transition spd="med" p14:dur="700">
+        <p:fade/>
+      </p:transition>
+    </mc:Choice>
+    <mc:Fallback xmlns="">
+      <p:transition spd="med">
+        <p:fade/>
+      </p:transition>
+    </mc:Fallback>
+  </mc:AlternateContent>
+  <p:timing>
+    <p:tnLst>
+      <p:par>
+        <p:cTn id="1" dur="indefinite" restart="never" nodeType="tmRoot"/>
+      </p:par>
+    </p:tnLst>
+  </p:timing>
+</p:sld>
+</file>
+
+<file path=ppt/slides/slide30.xml><?xml version="1.0" encoding="utf-8"?>
+<p:sld xmlns:a="http://schemas.openxmlformats.org/drawingml/2006/main" xmlns:r="http://schemas.openxmlformats.org/officeDocument/2006/relationships" xmlns:p="http://schemas.openxmlformats.org/presentationml/2006/main">
+  <p:cSld>
+    <p:spTree>
+      <p:nvGrpSpPr>
+        <p:cNvPr id="1" name=""/>
+        <p:cNvGrpSpPr/>
+        <p:nvPr/>
+      </p:nvGrpSpPr>
+      <p:grpSpPr>
+        <a:xfrm>
+          <a:off x="0" y="0"/>
+          <a:ext cx="0" cy="0"/>
+          <a:chOff x="0" y="0"/>
+          <a:chExt cx="0" cy="0"/>
+        </a:xfrm>
+      </p:grpSpPr>
+      <p:sp>
+        <p:nvSpPr>
+          <p:cNvPr id="2" name="Title 1"/>
+          <p:cNvSpPr>
+            <a:spLocks noGrp="1"/>
+          </p:cNvSpPr>
+          <p:nvPr>
+            <p:ph type="title"/>
+          </p:nvPr>
+        </p:nvSpPr>
+        <p:spPr/>
+        <p:txBody>
+          <a:bodyPr/>
+          <a:lstStyle/>
+          <a:p>
+            <a:r>
+              <a:rPr lang="en-CA" dirty="0" smtClean="0"/>
+              <a:t>Patent Application</a:t>
+            </a:r>
+            <a:endParaRPr lang="en-CA" dirty="0"/>
+          </a:p>
+        </p:txBody>
+      </p:sp>
+      <p:sp>
+        <p:nvSpPr>
+          <p:cNvPr id="3" name="Content Placeholder 2"/>
+          <p:cNvSpPr>
+            <a:spLocks noGrp="1"/>
+          </p:cNvSpPr>
+          <p:nvPr>
+            <p:ph idx="1"/>
+          </p:nvPr>
+        </p:nvSpPr>
+        <p:spPr/>
+        <p:txBody>
+          <a:bodyPr/>
+          <a:lstStyle/>
+          <a:p>
+            <a:pPr>
+              <a:buFont typeface="Arial" panose="020B0604020202020204" pitchFamily="34" charset="0"/>
+              <a:buChar char="•"/>
+            </a:pPr>
+            <a:r>
+              <a:rPr lang="en-CA" dirty="0" smtClean="0"/>
+              <a:t> Patent Application = I have $400 USD. </a:t>
+            </a:r>
+            <a:r>
+              <a:rPr lang="en-CA" u="sng" dirty="0" smtClean="0"/>
+              <a:t>That is all it means.</a:t>
+            </a:r>
+          </a:p>
+          <a:p>
+            <a:pPr>
+              <a:buFont typeface="Arial" panose="020B0604020202020204" pitchFamily="34" charset="0"/>
+              <a:buChar char="•"/>
+            </a:pPr>
+            <a:r>
+              <a:rPr lang="en-CA" dirty="0"/>
+              <a:t> </a:t>
+            </a:r>
+            <a:r>
+              <a:rPr lang="en-CA" dirty="0" smtClean="0"/>
+              <a:t>A patent application that is </a:t>
+            </a:r>
+            <a:r>
+              <a:rPr lang="en-CA" i="1" dirty="0" smtClean="0"/>
+              <a:t>fairly likely to be enforceable</a:t>
+            </a:r>
+            <a:r>
+              <a:rPr lang="en-CA" dirty="0" smtClean="0"/>
+              <a:t> is &gt;$5 000 normally</a:t>
+            </a:r>
+          </a:p>
+          <a:p>
+            <a:pPr>
+              <a:buFont typeface="Arial" panose="020B0604020202020204" pitchFamily="34" charset="0"/>
+              <a:buChar char="•"/>
+            </a:pPr>
+            <a:r>
+              <a:rPr lang="en-CA" dirty="0"/>
+              <a:t> </a:t>
+            </a:r>
+            <a:r>
+              <a:rPr lang="en-CA" dirty="0" smtClean="0"/>
+              <a:t>Defending a patent can easily cost &gt; $50 000, after which point it has more value</a:t>
+            </a:r>
+          </a:p>
+          <a:p>
+            <a:pPr>
+              <a:buFont typeface="Arial" panose="020B0604020202020204" pitchFamily="34" charset="0"/>
+              <a:buChar char="•"/>
+            </a:pPr>
+            <a:r>
+              <a:rPr lang="en-CA" dirty="0"/>
+              <a:t> </a:t>
+            </a:r>
+            <a:r>
+              <a:rPr lang="en-CA" dirty="0" smtClean="0"/>
+              <a:t>Failures in the original application might mean someone can easily circumvent your patent, lets see some examples:</a:t>
+            </a:r>
+          </a:p>
+        </p:txBody>
+      </p:sp>
+      <p:sp>
+        <p:nvSpPr>
+          <p:cNvPr id="4" name="TextBox 3"/>
+          <p:cNvSpPr txBox="1"/>
+          <p:nvPr/>
+        </p:nvSpPr>
+        <p:spPr>
+          <a:xfrm>
+            <a:off x="683568" y="5746634"/>
+            <a:ext cx="8712968" cy="461665"/>
+          </a:xfrm>
+          <a:prstGeom prst="rect">
+            <a:avLst/>
+          </a:prstGeom>
+          <a:noFill/>
+        </p:spPr>
+        <p:txBody>
+          <a:bodyPr wrap="square" rtlCol="0">
+            <a:spAutoFit/>
+          </a:bodyPr>
+          <a:lstStyle/>
+          <a:p>
+            <a:r>
+              <a:rPr lang="en-CA" b="1" dirty="0" smtClean="0"/>
+              <a:t>**THIS IS NOT LEGAL ADVICE. I AM NOT A LAWYER.**</a:t>
+            </a:r>
+            <a:endParaRPr lang="en-CA" b="1" dirty="0"/>
+          </a:p>
+        </p:txBody>
+      </p:sp>
+    </p:spTree>
+    <p:extLst>
+      <p:ext uri="{BB962C8B-B14F-4D97-AF65-F5344CB8AC3E}">
+        <p14:creationId xmlns:p14="http://schemas.microsoft.com/office/powerpoint/2010/main" val="567940428"/>
+      </p:ext>
+    </p:extLst>
+  </p:cSld>
+  <p:clrMapOvr>
+    <a:masterClrMapping/>
+  </p:clrMapOvr>
+  <mc:AlternateContent xmlns:mc="http://schemas.openxmlformats.org/markup-compatibility/2006" xmlns:p14="http://schemas.microsoft.com/office/powerpoint/2010/main">
+    <mc:Choice Requires="p14">
+      <p:transition spd="med" p14:dur="700">
+        <p:fade/>
+      </p:transition>
+    </mc:Choice>
+    <mc:Fallback xmlns="">
+      <p:transition spd="med">
+        <p:fade/>
+      </p:transition>
+    </mc:Fallback>
+  </mc:AlternateContent>
+  <p:timing>
+    <p:tnLst>
+      <p:par>
+        <p:cTn id="1" dur="indefinite" restart="never" nodeType="tmRoot"/>
+      </p:par>
+    </p:tnLst>
+  </p:timing>
+</p:sld>
+</file>
+
+<file path=ppt/slides/slide31.xml><?xml version="1.0" encoding="utf-8"?>
+<p:sld xmlns:a="http://schemas.openxmlformats.org/drawingml/2006/main" xmlns:r="http://schemas.openxmlformats.org/officeDocument/2006/relationships" xmlns:p="http://schemas.openxmlformats.org/presentationml/2006/main">
+  <p:cSld>
+    <p:spTree>
+      <p:nvGrpSpPr>
+        <p:cNvPr id="1" name=""/>
+        <p:cNvGrpSpPr/>
+        <p:nvPr/>
+      </p:nvGrpSpPr>
+      <p:grpSpPr>
+        <a:xfrm>
+          <a:off x="0" y="0"/>
+          <a:ext cx="0" cy="0"/>
+          <a:chOff x="0" y="0"/>
+          <a:chExt cx="0" cy="0"/>
+        </a:xfrm>
+      </p:grpSpPr>
+      <p:sp>
+        <p:nvSpPr>
+          <p:cNvPr id="2" name="Title 1"/>
+          <p:cNvSpPr>
+            <a:spLocks noGrp="1"/>
+          </p:cNvSpPr>
+          <p:nvPr>
+            <p:ph type="title"/>
+          </p:nvPr>
+        </p:nvSpPr>
+        <p:spPr/>
+        <p:txBody>
+          <a:bodyPr/>
+          <a:lstStyle/>
+          <a:p>
+            <a:r>
+              <a:rPr lang="en-CA" dirty="0" smtClean="0"/>
               <a:t>Example: Looking up a Patent</a:t>
             </a:r>
             <a:endParaRPr lang="en-CA" dirty="0"/>
@@ -7933,7 +9066,7 @@
         <p:spPr>
           <a:xfrm>
             <a:off x="2490093" y="5661248"/>
-            <a:ext cx="3473580" cy="646331"/>
+            <a:ext cx="3569439" cy="646331"/>
           </a:xfrm>
           <a:prstGeom prst="rect">
             <a:avLst/>
@@ -7948,7 +9081,7 @@
           <a:p>
             <a:r>
               <a:rPr lang="en-CA" sz="3600" b="1" dirty="0" smtClean="0"/>
-              <a:t>scholar.google.ca</a:t>
+              <a:t>Patents.google.ca</a:t>
             </a:r>
             <a:endParaRPr lang="en-CA" sz="3600" b="1" dirty="0"/>
           </a:p>
@@ -7986,7 +9119,7 @@
 </p:sld>
 </file>
 
-<file path=ppt/slides/slide25.xml><?xml version="1.0" encoding="utf-8"?>
+<file path=ppt/slides/slide32.xml><?xml version="1.0" encoding="utf-8"?>
 <p:sld xmlns:a="http://schemas.openxmlformats.org/drawingml/2006/main" xmlns:r="http://schemas.openxmlformats.org/officeDocument/2006/relationships" xmlns:p="http://schemas.openxmlformats.org/presentationml/2006/main">
   <p:cSld>
     <p:spTree>
@@ -8137,7 +9270,7 @@
 </p:sld>
 </file>
 
-<file path=ppt/slides/slide26.xml><?xml version="1.0" encoding="utf-8"?>
+<file path=ppt/slides/slide33.xml><?xml version="1.0" encoding="utf-8"?>
 <p:sld xmlns:a="http://schemas.openxmlformats.org/drawingml/2006/main" xmlns:r="http://schemas.openxmlformats.org/officeDocument/2006/relationships" xmlns:p="http://schemas.openxmlformats.org/presentationml/2006/main">
   <p:cSld>
     <p:spTree>
@@ -8235,7 +9368,7 @@
 </p:sld>
 </file>
 
-<file path=ppt/slides/slide27.xml><?xml version="1.0" encoding="utf-8"?>
+<file path=ppt/slides/slide34.xml><?xml version="1.0" encoding="utf-8"?>
 <p:sld xmlns:a="http://schemas.openxmlformats.org/drawingml/2006/main" xmlns:r="http://schemas.openxmlformats.org/officeDocument/2006/relationships" xmlns:p="http://schemas.openxmlformats.org/presentationml/2006/main">
   <p:cSld>
     <p:spTree>
@@ -8333,7 +9466,7 @@
 </p:sld>
 </file>
 
-<file path=ppt/slides/slide28.xml><?xml version="1.0" encoding="utf-8"?>
+<file path=ppt/slides/slide35.xml><?xml version="1.0" encoding="utf-8"?>
 <p:sld xmlns:a="http://schemas.openxmlformats.org/drawingml/2006/main" xmlns:r="http://schemas.openxmlformats.org/officeDocument/2006/relationships" xmlns:p="http://schemas.openxmlformats.org/presentationml/2006/main">
   <p:cSld>
     <p:spTree>
@@ -8424,7 +9557,7 @@
 </p:sld>
 </file>
 
-<file path=ppt/slides/slide29.xml><?xml version="1.0" encoding="utf-8"?>
+<file path=ppt/slides/slide36.xml><?xml version="1.0" encoding="utf-8"?>
 <p:sld xmlns:a="http://schemas.openxmlformats.org/drawingml/2006/main" xmlns:r="http://schemas.openxmlformats.org/officeDocument/2006/relationships" xmlns:p="http://schemas.openxmlformats.org/presentationml/2006/main">
   <p:cSld>
     <p:spTree>
@@ -8458,11 +9591,7 @@
           <a:p>
             <a:r>
               <a:rPr lang="en-CA" dirty="0" smtClean="0"/>
-              <a:t>EMC </a:t>
-            </a:r>
-            <a:r>
-              <a:rPr lang="en-CA" dirty="0" smtClean="0"/>
-              <a:t>Testing</a:t>
+              <a:t>EMC Testing</a:t>
             </a:r>
             <a:endParaRPr lang="en-CA" dirty="0"/>
           </a:p>
@@ -8571,112 +9700,7 @@
 </p:sld>
 </file>
 
-<file path=ppt/slides/slide3.xml><?xml version="1.0" encoding="utf-8"?>
-<p:sld xmlns:a="http://schemas.openxmlformats.org/drawingml/2006/main" xmlns:r="http://schemas.openxmlformats.org/officeDocument/2006/relationships" xmlns:p="http://schemas.openxmlformats.org/presentationml/2006/main">
-  <p:cSld>
-    <p:spTree>
-      <p:nvGrpSpPr>
-        <p:cNvPr id="1" name=""/>
-        <p:cNvGrpSpPr/>
-        <p:nvPr/>
-      </p:nvGrpSpPr>
-      <p:grpSpPr>
-        <a:xfrm>
-          <a:off x="0" y="0"/>
-          <a:ext cx="0" cy="0"/>
-          <a:chOff x="0" y="0"/>
-          <a:chExt cx="0" cy="0"/>
-        </a:xfrm>
-      </p:grpSpPr>
-      <p:sp>
-        <p:nvSpPr>
-          <p:cNvPr id="2" name="Title 1"/>
-          <p:cNvSpPr>
-            <a:spLocks noGrp="1"/>
-          </p:cNvSpPr>
-          <p:nvPr>
-            <p:ph type="title"/>
-          </p:nvPr>
-        </p:nvSpPr>
-        <p:spPr/>
-        <p:txBody>
-          <a:bodyPr/>
-          <a:lstStyle/>
-          <a:p>
-            <a:r>
-              <a:rPr lang="en-CA" dirty="0" smtClean="0"/>
-              <a:t>Example: Mailing 500 Items</a:t>
-            </a:r>
-            <a:endParaRPr lang="en-CA" dirty="0"/>
-          </a:p>
-        </p:txBody>
-      </p:sp>
-      <p:sp>
-        <p:nvSpPr>
-          <p:cNvPr id="3" name="Content Placeholder 2"/>
-          <p:cNvSpPr>
-            <a:spLocks noGrp="1"/>
-          </p:cNvSpPr>
-          <p:nvPr>
-            <p:ph idx="1"/>
-          </p:nvPr>
-        </p:nvSpPr>
-        <p:spPr/>
-        <p:txBody>
-          <a:bodyPr/>
-          <a:lstStyle/>
-          <a:p>
-            <a:r>
-              <a:rPr lang="en-CA" b="1" dirty="0" smtClean="0"/>
-              <a:t>Q: </a:t>
-            </a:r>
-            <a:r>
-              <a:rPr lang="en-CA" dirty="0" smtClean="0"/>
-              <a:t>I need you to mail out 500 boxes. I have a printed list of addresses. The boxes are all uniform size, but you will need to print labels/postage using a web service.</a:t>
-            </a:r>
-          </a:p>
-          <a:p>
-            <a:r>
-              <a:rPr lang="en-CA" dirty="0" smtClean="0"/>
-              <a:t>How long will this take?</a:t>
-            </a:r>
-            <a:endParaRPr lang="en-CA" dirty="0"/>
-          </a:p>
-        </p:txBody>
-      </p:sp>
-    </p:spTree>
-    <p:extLst>
-      <p:ext uri="{BB962C8B-B14F-4D97-AF65-F5344CB8AC3E}">
-        <p14:creationId xmlns:p14="http://schemas.microsoft.com/office/powerpoint/2010/main" val="187983288"/>
-      </p:ext>
-    </p:extLst>
-  </p:cSld>
-  <p:clrMapOvr>
-    <a:masterClrMapping/>
-  </p:clrMapOvr>
-  <mc:AlternateContent xmlns:mc="http://schemas.openxmlformats.org/markup-compatibility/2006" xmlns:p14="http://schemas.microsoft.com/office/powerpoint/2010/main">
-    <mc:Choice Requires="p14">
-      <p:transition spd="med" p14:dur="700">
-        <p:fade/>
-      </p:transition>
-    </mc:Choice>
-    <mc:Fallback xmlns="">
-      <p:transition spd="med">
-        <p:fade/>
-      </p:transition>
-    </mc:Fallback>
-  </mc:AlternateContent>
-  <p:timing>
-    <p:tnLst>
-      <p:par>
-        <p:cTn id="1" dur="indefinite" restart="never" nodeType="tmRoot"/>
-      </p:par>
-    </p:tnLst>
-  </p:timing>
-</p:sld>
-</file>
-
-<file path=ppt/slides/slide30.xml><?xml version="1.0" encoding="utf-8"?>
+<file path=ppt/slides/slide37.xml><?xml version="1.0" encoding="utf-8"?>
 <p:sld xmlns:a="http://schemas.openxmlformats.org/drawingml/2006/main" xmlns:r="http://schemas.openxmlformats.org/officeDocument/2006/relationships" xmlns:p="http://schemas.openxmlformats.org/presentationml/2006/main">
   <p:cSld>
     <p:spTree>
@@ -8839,13 +9863,13 @@
   <p:clrMapOvr>
     <a:masterClrMapping/>
   </p:clrMapOvr>
-  <mc:AlternateContent xmlns:mc="http://schemas.openxmlformats.org/markup-compatibility/2006">
-    <mc:Choice xmlns:p14="http://schemas.microsoft.com/office/powerpoint/2010/main" Requires="p14">
+  <mc:AlternateContent xmlns:mc="http://schemas.openxmlformats.org/markup-compatibility/2006" xmlns:p14="http://schemas.microsoft.com/office/powerpoint/2010/main">
+    <mc:Choice Requires="p14">
       <p:transition spd="med" p14:dur="700">
         <p:fade/>
       </p:transition>
     </mc:Choice>
-    <mc:Fallback>
+    <mc:Fallback xmlns="">
       <p:transition spd="med">
         <p:fade/>
       </p:transition>
@@ -8861,7 +9885,7 @@
 </p:sld>
 </file>
 
-<file path=ppt/slides/slide31.xml><?xml version="1.0" encoding="utf-8"?>
+<file path=ppt/slides/slide38.xml><?xml version="1.0" encoding="utf-8"?>
 <p:sld xmlns:a="http://schemas.openxmlformats.org/drawingml/2006/main" xmlns:r="http://schemas.openxmlformats.org/officeDocument/2006/relationships" xmlns:p="http://schemas.openxmlformats.org/presentationml/2006/main">
   <p:cSld>
     <p:spTree>
@@ -8890,18 +9914,16 @@
         </p:nvSpPr>
         <p:spPr/>
         <p:txBody>
-          <a:bodyPr/>
-          <a:lstStyle/>
-          <a:p>
-            <a:r>
-              <a:rPr lang="en-CA" dirty="0" err="1" smtClean="0"/>
-              <a:t>Interferece</a:t>
-            </a:r>
-            <a:r>
-              <a:rPr lang="en-CA" dirty="0" smtClean="0"/>
-              <a:t> Test Report</a:t>
-            </a:r>
-            <a:endParaRPr lang="en-CA" dirty="0"/>
+          <a:bodyPr>
+            <a:normAutofit/>
+          </a:bodyPr>
+          <a:lstStyle/>
+          <a:p>
+            <a:r>
+              <a:rPr lang="en-CA" sz="4000" dirty="0" smtClean="0"/>
+              <a:t>Example: Interference Test Report</a:t>
+            </a:r>
+            <a:endParaRPr lang="en-CA" sz="4000" dirty="0"/>
           </a:p>
         </p:txBody>
       </p:sp>
@@ -8939,13 +9961,13 @@
   <p:clrMapOvr>
     <a:masterClrMapping/>
   </p:clrMapOvr>
-  <mc:AlternateContent xmlns:mc="http://schemas.openxmlformats.org/markup-compatibility/2006">
-    <mc:Choice xmlns:p14="http://schemas.microsoft.com/office/powerpoint/2010/main" Requires="p14">
+  <mc:AlternateContent xmlns:mc="http://schemas.openxmlformats.org/markup-compatibility/2006" xmlns:p14="http://schemas.microsoft.com/office/powerpoint/2010/main">
+    <mc:Choice Requires="p14">
       <p:transition spd="med" p14:dur="700">
         <p:fade/>
       </p:transition>
     </mc:Choice>
-    <mc:Fallback>
+    <mc:Fallback xmlns="">
       <p:transition spd="med">
         <p:fade/>
       </p:transition>
@@ -8961,7 +9983,7 @@
 </p:sld>
 </file>
 
-<file path=ppt/slides/slide32.xml><?xml version="1.0" encoding="utf-8"?>
+<file path=ppt/slides/slide39.xml><?xml version="1.0" encoding="utf-8"?>
 <p:sld xmlns:a="http://schemas.openxmlformats.org/drawingml/2006/main" xmlns:r="http://schemas.openxmlformats.org/officeDocument/2006/relationships" xmlns:p="http://schemas.openxmlformats.org/presentationml/2006/main">
   <p:cSld>
     <p:spTree>
@@ -8995,7 +10017,7 @@
           <a:p>
             <a:r>
               <a:rPr lang="en-CA" dirty="0" smtClean="0"/>
-              <a:t>Summary</a:t>
+              <a:t>Specialized Tests</a:t>
             </a:r>
             <a:endParaRPr lang="en-CA" dirty="0"/>
           </a:p>
@@ -9016,83 +10038,15 @@
           <a:bodyPr/>
           <a:lstStyle/>
           <a:p>
-            <a:pPr>
-              <a:buFont typeface="Arial" panose="020B0604020202020204" pitchFamily="34" charset="0"/>
-              <a:buChar char="•"/>
-            </a:pPr>
-            <a:r>
-              <a:rPr lang="en-CA" dirty="0" smtClean="0"/>
-              <a:t> Scheduling a critical part of your project planning</a:t>
-            </a:r>
-          </a:p>
-          <a:p>
-            <a:pPr>
-              <a:buFont typeface="Arial" panose="020B0604020202020204" pitchFamily="34" charset="0"/>
-              <a:buChar char="•"/>
-            </a:pPr>
-            <a:r>
-              <a:rPr lang="en-CA" dirty="0"/>
-              <a:t> </a:t>
-            </a:r>
-            <a:r>
-              <a:rPr lang="en-CA" dirty="0" smtClean="0"/>
-              <a:t>Doesn’t need to be complex!</a:t>
-            </a:r>
-          </a:p>
-          <a:p>
-            <a:pPr lvl="1">
-              <a:buFont typeface="Arial" panose="020B0604020202020204" pitchFamily="34" charset="0"/>
-              <a:buChar char="•"/>
-            </a:pPr>
-            <a:r>
-              <a:rPr lang="en-CA" dirty="0" smtClean="0"/>
-              <a:t>Write your tasks</a:t>
-            </a:r>
-          </a:p>
-          <a:p>
-            <a:pPr lvl="1">
-              <a:buFont typeface="Arial" panose="020B0604020202020204" pitchFamily="34" charset="0"/>
-              <a:buChar char="•"/>
-            </a:pPr>
-            <a:r>
-              <a:rPr lang="en-CA" dirty="0" smtClean="0"/>
-              <a:t>Break them down until you can estimate each task size</a:t>
-            </a:r>
-          </a:p>
-          <a:p>
-            <a:pPr lvl="1">
-              <a:buFont typeface="Arial" panose="020B0604020202020204" pitchFamily="34" charset="0"/>
-              <a:buChar char="•"/>
-            </a:pPr>
-            <a:r>
-              <a:rPr lang="en-CA" dirty="0" smtClean="0"/>
-              <a:t>String those broken down tasks together into a schedule</a:t>
-            </a:r>
-          </a:p>
-          <a:p>
-            <a:pPr lvl="1">
-              <a:buFont typeface="Arial" panose="020B0604020202020204" pitchFamily="34" charset="0"/>
-              <a:buChar char="•"/>
-            </a:pPr>
-            <a:r>
-              <a:rPr lang="en-CA" dirty="0" smtClean="0"/>
-              <a:t>Try to avoid dependency as much as possible… your </a:t>
-            </a:r>
-            <a:r>
-              <a:rPr lang="en-CA" u="sng" dirty="0" smtClean="0"/>
-              <a:t>critical path</a:t>
-            </a:r>
-            <a:r>
-              <a:rPr lang="en-CA" i="1" dirty="0"/>
-              <a:t> </a:t>
-            </a:r>
-            <a:r>
-              <a:rPr lang="en-CA" dirty="0" smtClean="0"/>
-              <a:t>is that which any delay in one subtask delays your entire project</a:t>
-            </a:r>
-            <a:r>
-              <a:rPr lang="en-CA" dirty="0" smtClean="0"/>
-              <a:t> </a:t>
+            <a:r>
+              <a:rPr lang="en-CA" dirty="0" smtClean="0"/>
+              <a:t>Certain environments have additional tests required:</a:t>
+            </a:r>
+          </a:p>
+          <a:p>
+            <a:r>
+              <a:rPr lang="en-CA" dirty="0" smtClean="0"/>
+              <a:t>i.e. Aviation, mining, etc.</a:t>
             </a:r>
             <a:endParaRPr lang="en-CA" dirty="0"/>
           </a:p>
@@ -9101,7 +10055,7 @@
     </p:spTree>
     <p:extLst>
       <p:ext uri="{BB962C8B-B14F-4D97-AF65-F5344CB8AC3E}">
-        <p14:creationId xmlns:p14="http://schemas.microsoft.com/office/powerpoint/2010/main" val="318677108"/>
+        <p14:creationId xmlns:p14="http://schemas.microsoft.com/office/powerpoint/2010/main" val="130943438"/>
       </p:ext>
     </p:extLst>
   </p:cSld>
@@ -9266,6 +10220,340 @@
     <p:extLst>
       <p:ext uri="{BB962C8B-B14F-4D97-AF65-F5344CB8AC3E}">
         <p14:creationId xmlns:p14="http://schemas.microsoft.com/office/powerpoint/2010/main" val="1473548854"/>
+      </p:ext>
+    </p:extLst>
+  </p:cSld>
+  <p:clrMapOvr>
+    <a:masterClrMapping/>
+  </p:clrMapOvr>
+  <mc:AlternateContent xmlns:mc="http://schemas.openxmlformats.org/markup-compatibility/2006" xmlns:p14="http://schemas.microsoft.com/office/powerpoint/2010/main">
+    <mc:Choice Requires="p14">
+      <p:transition spd="med" p14:dur="700">
+        <p:fade/>
+      </p:transition>
+    </mc:Choice>
+    <mc:Fallback xmlns="">
+      <p:transition spd="med">
+        <p:fade/>
+      </p:transition>
+    </mc:Fallback>
+  </mc:AlternateContent>
+  <p:timing>
+    <p:tnLst>
+      <p:par>
+        <p:cTn id="1" dur="indefinite" restart="never" nodeType="tmRoot"/>
+      </p:par>
+    </p:tnLst>
+  </p:timing>
+</p:sld>
+</file>
+
+<file path=ppt/slides/slide40.xml><?xml version="1.0" encoding="utf-8"?>
+<p:sld xmlns:a="http://schemas.openxmlformats.org/drawingml/2006/main" xmlns:r="http://schemas.openxmlformats.org/officeDocument/2006/relationships" xmlns:p="http://schemas.openxmlformats.org/presentationml/2006/main">
+  <p:cSld>
+    <p:spTree>
+      <p:nvGrpSpPr>
+        <p:cNvPr id="1" name=""/>
+        <p:cNvGrpSpPr/>
+        <p:nvPr/>
+      </p:nvGrpSpPr>
+      <p:grpSpPr>
+        <a:xfrm>
+          <a:off x="0" y="0"/>
+          <a:ext cx="0" cy="0"/>
+          <a:chOff x="0" y="0"/>
+          <a:chExt cx="0" cy="0"/>
+        </a:xfrm>
+      </p:grpSpPr>
+      <p:sp>
+        <p:nvSpPr>
+          <p:cNvPr id="2" name="Title 1"/>
+          <p:cNvSpPr>
+            <a:spLocks noGrp="1"/>
+          </p:cNvSpPr>
+          <p:nvPr>
+            <p:ph type="title"/>
+          </p:nvPr>
+        </p:nvSpPr>
+        <p:spPr/>
+        <p:txBody>
+          <a:bodyPr/>
+          <a:lstStyle/>
+          <a:p>
+            <a:r>
+              <a:rPr lang="en-CA" dirty="0" smtClean="0"/>
+              <a:t>Example: Spark Test</a:t>
+            </a:r>
+            <a:endParaRPr lang="en-CA" dirty="0"/>
+          </a:p>
+        </p:txBody>
+      </p:sp>
+      <p:pic>
+        <p:nvPicPr>
+          <p:cNvPr id="2050" name="Picture 2" descr="http://images.pennwellnet.com/ogj/images/off/56118601.jpg"/>
+          <p:cNvPicPr>
+            <a:picLocks noChangeAspect="1" noChangeArrowheads="1"/>
+          </p:cNvPicPr>
+          <p:nvPr/>
+        </p:nvPicPr>
+        <p:blipFill>
+          <a:blip r:embed="rId2">
+            <a:extLst>
+              <a:ext uri="{28A0092B-C50C-407E-A947-70E740481C1C}">
+                <a14:useLocalDpi xmlns:a14="http://schemas.microsoft.com/office/drawing/2010/main" val="0"/>
+              </a:ext>
+            </a:extLst>
+          </a:blip>
+          <a:srcRect/>
+          <a:stretch>
+            <a:fillRect/>
+          </a:stretch>
+        </p:blipFill>
+        <p:spPr bwMode="auto">
+          <a:xfrm>
+            <a:off x="2699792" y="1844824"/>
+            <a:ext cx="5112568" cy="3851468"/>
+          </a:xfrm>
+          <a:prstGeom prst="rect">
+            <a:avLst/>
+          </a:prstGeom>
+          <a:noFill/>
+          <a:extLst>
+            <a:ext uri="{909E8E84-426E-40DD-AFC4-6F175D3DCCD1}">
+              <a14:hiddenFill xmlns:a14="http://schemas.microsoft.com/office/drawing/2010/main">
+                <a:solidFill>
+                  <a:srgbClr val="FFFFFF"/>
+                </a:solidFill>
+              </a14:hiddenFill>
+            </a:ext>
+          </a:extLst>
+        </p:spPr>
+      </p:pic>
+      <p:sp>
+        <p:nvSpPr>
+          <p:cNvPr id="4" name="Rectangle 3"/>
+          <p:cNvSpPr/>
+          <p:nvPr/>
+        </p:nvSpPr>
+        <p:spPr>
+          <a:xfrm>
+            <a:off x="337174" y="5803755"/>
+            <a:ext cx="8838728" cy="461665"/>
+          </a:xfrm>
+          <a:prstGeom prst="rect">
+            <a:avLst/>
+          </a:prstGeom>
+        </p:spPr>
+        <p:txBody>
+          <a:bodyPr wrap="square">
+            <a:spAutoFit/>
+          </a:bodyPr>
+          <a:lstStyle/>
+          <a:p>
+            <a:r>
+              <a:rPr lang="en-CA" sz="1200" dirty="0" smtClean="0"/>
+              <a:t>Source: http</a:t>
+            </a:r>
+            <a:r>
+              <a:rPr lang="en-CA" sz="1200" dirty="0"/>
+              <a:t>://www.offshore-mag.com/articles/print/volume-56/issue-11/news/general-interest/directive-imposes-new-obligations-for-explosive-atmosphere-equipment.html</a:t>
+            </a:r>
+          </a:p>
+        </p:txBody>
+      </p:sp>
+    </p:spTree>
+    <p:extLst>
+      <p:ext uri="{BB962C8B-B14F-4D97-AF65-F5344CB8AC3E}">
+        <p14:creationId xmlns:p14="http://schemas.microsoft.com/office/powerpoint/2010/main" val="570265607"/>
+      </p:ext>
+    </p:extLst>
+  </p:cSld>
+  <p:clrMapOvr>
+    <a:masterClrMapping/>
+  </p:clrMapOvr>
+  <mc:AlternateContent xmlns:mc="http://schemas.openxmlformats.org/markup-compatibility/2006" xmlns:p14="http://schemas.microsoft.com/office/powerpoint/2010/main">
+    <mc:Choice Requires="p14">
+      <p:transition spd="med" p14:dur="700">
+        <p:fade/>
+      </p:transition>
+    </mc:Choice>
+    <mc:Fallback xmlns="">
+      <p:transition spd="med">
+        <p:fade/>
+      </p:transition>
+    </mc:Fallback>
+  </mc:AlternateContent>
+  <p:timing>
+    <p:tnLst>
+      <p:par>
+        <p:cTn id="1" dur="indefinite" restart="never" nodeType="tmRoot"/>
+      </p:par>
+    </p:tnLst>
+  </p:timing>
+</p:sld>
+</file>
+
+<file path=ppt/slides/slide41.xml><?xml version="1.0" encoding="utf-8"?>
+<p:sld xmlns:a="http://schemas.openxmlformats.org/drawingml/2006/main" xmlns:r="http://schemas.openxmlformats.org/officeDocument/2006/relationships" xmlns:p="http://schemas.openxmlformats.org/presentationml/2006/main">
+  <p:cSld>
+    <p:spTree>
+      <p:nvGrpSpPr>
+        <p:cNvPr id="1" name=""/>
+        <p:cNvGrpSpPr/>
+        <p:nvPr/>
+      </p:nvGrpSpPr>
+      <p:grpSpPr>
+        <a:xfrm>
+          <a:off x="0" y="0"/>
+          <a:ext cx="0" cy="0"/>
+          <a:chOff x="0" y="0"/>
+          <a:chExt cx="0" cy="0"/>
+        </a:xfrm>
+      </p:grpSpPr>
+      <p:sp>
+        <p:nvSpPr>
+          <p:cNvPr id="2" name="Title 1"/>
+          <p:cNvSpPr>
+            <a:spLocks noGrp="1"/>
+          </p:cNvSpPr>
+          <p:nvPr>
+            <p:ph type="title"/>
+          </p:nvPr>
+        </p:nvSpPr>
+        <p:spPr/>
+        <p:txBody>
+          <a:bodyPr/>
+          <a:lstStyle/>
+          <a:p>
+            <a:r>
+              <a:rPr lang="en-CA" dirty="0" smtClean="0"/>
+              <a:t>Summary</a:t>
+            </a:r>
+            <a:endParaRPr lang="en-CA" dirty="0"/>
+          </a:p>
+        </p:txBody>
+      </p:sp>
+      <p:sp>
+        <p:nvSpPr>
+          <p:cNvPr id="3" name="Content Placeholder 2"/>
+          <p:cNvSpPr>
+            <a:spLocks noGrp="1"/>
+          </p:cNvSpPr>
+          <p:nvPr>
+            <p:ph idx="1"/>
+          </p:nvPr>
+        </p:nvSpPr>
+        <p:spPr/>
+        <p:txBody>
+          <a:bodyPr/>
+          <a:lstStyle/>
+          <a:p>
+            <a:pPr>
+              <a:buFont typeface="Arial" panose="020B0604020202020204" pitchFamily="34" charset="0"/>
+              <a:buChar char="•"/>
+            </a:pPr>
+            <a:r>
+              <a:rPr lang="en-CA" dirty="0" smtClean="0"/>
+              <a:t> Scheduling a critical part of your project planning</a:t>
+            </a:r>
+          </a:p>
+          <a:p>
+            <a:pPr>
+              <a:buFont typeface="Arial" panose="020B0604020202020204" pitchFamily="34" charset="0"/>
+              <a:buChar char="•"/>
+            </a:pPr>
+            <a:r>
+              <a:rPr lang="en-CA" dirty="0"/>
+              <a:t> </a:t>
+            </a:r>
+            <a:r>
+              <a:rPr lang="en-CA" dirty="0" smtClean="0"/>
+              <a:t>Doesn’t need to be complex!</a:t>
+            </a:r>
+          </a:p>
+          <a:p>
+            <a:pPr lvl="1">
+              <a:buFont typeface="Arial" panose="020B0604020202020204" pitchFamily="34" charset="0"/>
+              <a:buChar char="•"/>
+            </a:pPr>
+            <a:r>
+              <a:rPr lang="en-CA" dirty="0" smtClean="0"/>
+              <a:t>Write your tasks</a:t>
+            </a:r>
+          </a:p>
+          <a:p>
+            <a:pPr lvl="1">
+              <a:buFont typeface="Arial" panose="020B0604020202020204" pitchFamily="34" charset="0"/>
+              <a:buChar char="•"/>
+            </a:pPr>
+            <a:r>
+              <a:rPr lang="en-CA" dirty="0" smtClean="0"/>
+              <a:t>Break them down until you can estimate each task size</a:t>
+            </a:r>
+          </a:p>
+          <a:p>
+            <a:pPr lvl="1">
+              <a:buFont typeface="Arial" panose="020B0604020202020204" pitchFamily="34" charset="0"/>
+              <a:buChar char="•"/>
+            </a:pPr>
+            <a:r>
+              <a:rPr lang="en-CA" dirty="0" smtClean="0"/>
+              <a:t>String those broken down tasks together into a schedule</a:t>
+            </a:r>
+          </a:p>
+          <a:p>
+            <a:pPr lvl="1">
+              <a:buFont typeface="Arial" panose="020B0604020202020204" pitchFamily="34" charset="0"/>
+              <a:buChar char="•"/>
+            </a:pPr>
+            <a:r>
+              <a:rPr lang="en-CA" dirty="0" smtClean="0"/>
+              <a:t>Try to avoid dependency as much as possible… your </a:t>
+            </a:r>
+            <a:r>
+              <a:rPr lang="en-CA" u="sng" dirty="0" smtClean="0"/>
+              <a:t>critical path</a:t>
+            </a:r>
+            <a:r>
+              <a:rPr lang="en-CA" i="1" dirty="0"/>
+              <a:t> </a:t>
+            </a:r>
+            <a:r>
+              <a:rPr lang="en-CA" dirty="0" smtClean="0"/>
+              <a:t>is that which any delay in one subtask delays your entire project </a:t>
+            </a:r>
+            <a:endParaRPr lang="en-CA" dirty="0"/>
+          </a:p>
+          <a:p>
+            <a:pPr>
+              <a:buFont typeface="Arial" panose="020B0604020202020204" pitchFamily="34" charset="0"/>
+              <a:buChar char="•"/>
+            </a:pPr>
+            <a:r>
+              <a:rPr lang="en-CA" dirty="0" smtClean="0"/>
+              <a:t> Many risks facing your project – better to be prepared!</a:t>
+            </a:r>
+          </a:p>
+          <a:p>
+            <a:pPr>
+              <a:buFont typeface="Arial" panose="020B0604020202020204" pitchFamily="34" charset="0"/>
+              <a:buChar char="•"/>
+            </a:pPr>
+            <a:r>
+              <a:rPr lang="en-CA" dirty="0"/>
+              <a:t> </a:t>
+            </a:r>
+            <a:r>
+              <a:rPr lang="en-CA" dirty="0" smtClean="0"/>
+              <a:t>Patent Application is not a Patent</a:t>
+            </a:r>
+          </a:p>
+        </p:txBody>
+      </p:sp>
+    </p:spTree>
+    <p:extLst>
+      <p:ext uri="{BB962C8B-B14F-4D97-AF65-F5344CB8AC3E}">
+        <p14:creationId xmlns:p14="http://schemas.microsoft.com/office/powerpoint/2010/main" val="318677108"/>
       </p:ext>
     </p:extLst>
   </p:cSld>
@@ -9836,13 +11124,13 @@
   <p:clrMapOvr>
     <a:masterClrMapping/>
   </p:clrMapOvr>
-  <mc:AlternateContent xmlns:mc="http://schemas.openxmlformats.org/markup-compatibility/2006">
-    <mc:Choice xmlns:p14="http://schemas.microsoft.com/office/powerpoint/2010/main" Requires="p14">
+  <mc:AlternateContent xmlns:mc="http://schemas.openxmlformats.org/markup-compatibility/2006" xmlns:p14="http://schemas.microsoft.com/office/powerpoint/2010/main">
+    <mc:Choice Requires="p14">
       <p:transition spd="med" p14:dur="700">
         <p:fade/>
       </p:transition>
     </mc:Choice>
-    <mc:Fallback>
+    <mc:Fallback xmlns="">
       <p:transition spd="med">
         <p:fade/>
       </p:transition>
